--- a/PPT/Python08-OO.pptx
+++ b/PPT/Python08-OO.pptx
@@ -15413,7 +15413,6 @@
               <a:rPr lang="fr-FR" dirty="0" smtClean="0"/>
               <a:t>Setter</a:t>
             </a:r>
-            <a:endParaRPr lang="fr-FR" dirty="0" smtClean="0"/>
           </a:p>
           <a:p>
             <a:pPr lvl="1"/>
@@ -22462,6 +22461,13 @@
   <p:clrMapOvr>
     <a:masterClrMapping/>
   </p:clrMapOvr>
+  <p:timing>
+    <p:tnLst>
+      <p:par>
+        <p:cTn id="1" dur="indefinite" restart="never" nodeType="tmRoot"/>
+      </p:par>
+    </p:tnLst>
+  </p:timing>
 </p:sld>
 </file>
 
@@ -22743,6 +22749,13 @@
   <p:clrMapOvr>
     <a:masterClrMapping/>
   </p:clrMapOvr>
+  <p:timing>
+    <p:tnLst>
+      <p:par>
+        <p:cTn id="1" dur="indefinite" restart="never" nodeType="tmRoot"/>
+      </p:par>
+    </p:tnLst>
+  </p:timing>
 </p:sld>
 </file>
 
@@ -22851,6 +22864,13 @@
   <p:clrMapOvr>
     <a:masterClrMapping/>
   </p:clrMapOvr>
+  <p:timing>
+    <p:tnLst>
+      <p:par>
+        <p:cTn id="1" dur="indefinite" restart="never" nodeType="tmRoot"/>
+      </p:par>
+    </p:tnLst>
+  </p:timing>
 </p:sld>
 </file>
 
@@ -41666,12 +41686,12 @@
               <a:t>class </a:t>
             </a:r>
             <a:r>
-              <a:rPr lang="fr-BE" altLang="fr-FR" dirty="0" err="1">
+              <a:rPr lang="fr-BE" altLang="fr-FR" dirty="0" err="1" smtClean="0">
                 <a:solidFill>
                   <a:schemeClr val="accent2"/>
                 </a:solidFill>
               </a:rPr>
-              <a:t>Nomclasse</a:t>
+              <a:t>NomClasse</a:t>
             </a:r>
             <a:r>
               <a:rPr lang="fr-BE" altLang="fr-FR" dirty="0">
@@ -41836,7 +41856,32 @@
           <a:bodyPr/>
           <a:lstStyle/>
           <a:p>
-            <a:endParaRPr lang="fr-FR"/>
+            <a:endParaRPr lang="fr-FR" dirty="0" smtClean="0"/>
+          </a:p>
+          <a:p>
+            <a:endParaRPr lang="fr-FR" dirty="0"/>
+          </a:p>
+          <a:p>
+            <a:endParaRPr lang="fr-FR" dirty="0" smtClean="0"/>
+          </a:p>
+          <a:p>
+            <a:endParaRPr lang="fr-FR" dirty="0"/>
+          </a:p>
+          <a:p>
+            <a:endParaRPr lang="fr-FR" dirty="0" smtClean="0"/>
+          </a:p>
+          <a:p>
+            <a:r>
+              <a:rPr lang="fr-FR" dirty="0" smtClean="0"/>
+              <a:t>Classe = DATA</a:t>
+            </a:r>
+          </a:p>
+          <a:p>
+            <a:r>
+              <a:rPr lang="fr-FR" dirty="0" smtClean="0"/>
+              <a:t>Classe = Quoi ?</a:t>
+            </a:r>
+            <a:endParaRPr lang="fr-FR" dirty="0"/>
           </a:p>
         </p:txBody>
       </p:sp>

--- a/PPT/Python08-OO.pptx
+++ b/PPT/Python08-OO.pptx
@@ -441,6 +441,101 @@
 </p:handoutMaster>
 </file>
 
+<file path=ppt/ink/ink1.xml><?xml version="1.0" encoding="utf-8"?>
+<inkml:ink xmlns:inkml="http://www.w3.org/2003/InkML">
+  <inkml:definitions>
+    <inkml:context xml:id="ctx0">
+      <inkml:inkSource xml:id="inkSrc0">
+        <inkml:traceFormat>
+          <inkml:channel name="X" type="integer" min="-1366" max="1920" units="cm"/>
+          <inkml:channel name="Y" type="integer" max="1080" units="cm"/>
+          <inkml:channel name="T" type="integer" max="2.14748E9" units="dev"/>
+        </inkml:traceFormat>
+        <inkml:channelProperties>
+          <inkml:channelProperty channel="X" name="resolution" value="95.52325" units="1/cm"/>
+          <inkml:channelProperty channel="Y" name="resolution" value="55.6701" units="1/cm"/>
+          <inkml:channelProperty channel="T" name="resolution" value="1" units="1/dev"/>
+        </inkml:channelProperties>
+      </inkml:inkSource>
+      <inkml:timestamp xml:id="ts0" timeString="2020-06-29T14:08:23.780"/>
+    </inkml:context>
+    <inkml:brush xml:id="br0">
+      <inkml:brushProperty name="width" value="0.05292" units="cm"/>
+      <inkml:brushProperty name="height" value="0.05292" units="cm"/>
+      <inkml:brushProperty name="color" value="#FF0000"/>
+    </inkml:brush>
+  </inkml:definitions>
+  <inkml:trace contextRef="#ctx0" brushRef="#br0">14039 13247 0,'-24'0'62,"-26"0"-31,0 0-31,26 0 16,-1 0 0,0 0-16,-25 0 15,26 0 95,-1 0-95,25 25-15,0 0 16,-25 0-16,25-1 16,0 51-16,0-50 15,-50-25-15,50 24 16,0 26-16,0-25 15,-24 0-15,24-1 16,0 26 0,0-25 15,-25-25 0,25 25-31,0-1 16,0 26-1,0-25 1,0 0-16,0 0 16,0 24-16,0 1 15,49-25-15,-49 24 16,25-24-16,-25 25 16,25-50-16,-25 49 15,25-49-15,-25 25 16,49 0-1,-24 0-15,0-25 16,-25 49 0,25-49-16,24 25 15,-24 0-15,0-25 16,0 25-16,24-25 16,-24 0-16,0 49 15,0-49-15,24 0 16,-24 25-1,0-25-15,0 25 16,24-25 0,-24 0-16,0 0 15,50 0-15,-26 0 16,26 0-16,-51 0 16,26 0-16,0 0 15,24 0-15,0 0 16,50 0-16,-24 0 15,24 0-15,0-50 16,25 50-16,-50-25 16,-25 25-16,25-24 15,1 24-15,-76-25 16,1 25-16,25-50 16,-25 50-16,-25-25 15,24 25 1,-24-49-16,25 49 15,-25-50-15,50 25 16,-50 1-16,0-1 16,25-25-16,-25 25 15,0 1 1,0-1-16,0-25 16,0 25-1,0 1 1,0-1-1,0-25 1,0 25-16,0 0 16,0 1-16,-25-26 15,25 25-15,0 0 16,0 1-16,-25-26 16,25 25-1,-25 25-15,25-25 16,-25 25-1,-24 0-15,49-24 16,-25-26 0,0 25-1,0 25 1,-24-25 0,24 1-1,0 24 1,25-50-16,-25 50 15,-24 0-15,24-25 32,0 25-17,0 0-15,-24-25 16,24 25-16,-25 0 16,1 0-16,-1-24 15,25 24 1,-49 0-16,49 0 15,-49 0-15,49 0 16,-25 0-16,1 0 16,24 0-16,0 0 15,0 0-15,-24 0 16,24 0 0,0 0 15,0 0-16,-24 0 1,24 0-16,0 0 16,25 24-16,-25-24 15,-24 0-15,24 0 16,0 0 0,0 0-1,-24 0 16,24 50-15,0-50 0,-49 0-16,24 0 0,25 0 15,-49 25 1,49-25-16,-50 0 16,26 0-16,24 0 15,-25 25-15,26-25 16,-1 0-16,0 0 15,-25 0 1,26 0 31,-1 0 15</inkml:trace>
+  <inkml:trace contextRef="#ctx0" brushRef="#br0" timeOffset="2712.96">14238 13644 0,'0'25'78,"0"0"-63,0-1 1,0 26 15,0-25-15,0 0 0,0 0 15,-25-25-16,25 49 17,0-24 15,0 0-1,-50-25-30,50 25-16,-24-25 16,24 49 46,0-24-46,0 0-1,0 0 17,24-25 311,-24-25-311,0-25-1,0 25-15,0 1-16,0-1 15,0-25 16,0 25-15,0 1 0,0-1-1,0-25 17,0 25-1,0 0 47,25 25-31,-25-24-16,25 24-15,-25-50-1,25 50 1,-25-25 0,49 25 15,-24 0-16,-25-25 1,25 25 15,0 0 1,25 0-17,-50-24 1,24 24 15,1-50-15,0 50-1,25 0 1,-26 0 0,1 0 30,0 0-14,25 0-17</inkml:trace>
+  <inkml:trace contextRef="#ctx0" brushRef="#br0" timeOffset="4777.49">14908 13892 0,'0'-25'110,"0"1"-95,24 24-15,-24-25 16,0-25-16,25 25 16,-25 0-16,25 1 15,-25-26 1,50 50 0,-26-25-1,-24 0 1,25 25-16,0 0 15,-25-24-15,50 24 16,-26-50 0,1 50-1,-25-25 1,25 0 15,-25 1-15,0 48 234,0 26-250,0-25 15,0 0-15,0-1 16,0 26-16,0-25 16,0 0 31,0-1-16,50-24-31,-50 50 15,0-25 1,0 0-16,0 0 16,0 24 15,0-24-15,0 0-1,0 0 16,0 24-31,0-24 16,0 0 0,0 0-1,0 24 282,0-24-281,0 0-1,0 0 17,0 24 140,-25-49-157</inkml:trace>
+  <inkml:trace contextRef="#ctx0" brushRef="#br0" timeOffset="7376.01">14610 7814 0,'0'50'94,"0"-25"-94,50 74 15,-50-25-15,0 1 16,24 49-16,-24-25 16,25 25-16,0 0 15,-25-25 1,50 25-16,-50 0 0,0-24 15,0-51-15,0 26 16,0-26-16,0 26 16,0-26-16,0 26 15,0-26-15,0 26 16,0-26-16,0 26 16,-25-26-16,25 26 15,0-1-15,-25 1 16,25 49-16,-25-25 15,25 25-15,0-50 16,0 26-16,0 24 16,-49-25-1,24 0-15,25-24 16,-25 24-16,25-25 16,-25 1-16,25-1 15,0-24-15,0 24 16,-49-24-16,49-1 15,0 1-15,0 24 16,0-49-16,24 25 16,-24 24-16,0-24 15,0 74-15,0-50 16,0 50-16,-24-24 16,-1 24-16,25 0 15,-25-50-15,25 50 16,-25-25-16,25 25 15,-49-24-15,49-1 16,-25-50-16,25 51 16,-25-51-16,25 1 15,-25 0-15,-25-26 16,50 26-16,0-25 16,0 0-16,0-1 15,0 26-15,0-25 47,0 0-31</inkml:trace>
+  <inkml:trace contextRef="#ctx0" brushRef="#br0" timeOffset="9400.35">13965 12726 0,'25'0'62,"-25"50"-46,49-25 0,-24-1-16,-25 1 15,25 25 1,0-25-16,-25-1 15,49 1 1,-24 25 31,0-25-16,0-1 32,24 1-32,-49 25-31,25-25 16,-25 0-1,25-25 1,-25 24 15,25-24-31,-25 50 109,0-25-93,50-25 250,-26 0-251,-24-25-15,50 0 16,24 25-16,-49-25 16,50 1-16,-26-26 15,26 50-15,-26-25 16,26 0-16,-26 0 15,-24 25 1,25-49-16,-26 49 16,1-25 93,0 25-93,25-50-16,-26 50 15,1-49-15,50 24 16,-50 0-16,-25 0 16</inkml:trace>
+</inkml:ink>
+</file>
+
+<file path=ppt/ink/ink2.xml><?xml version="1.0" encoding="utf-8"?>
+<inkml:ink xmlns:inkml="http://www.w3.org/2003/InkML">
+  <inkml:definitions>
+    <inkml:context xml:id="ctx0">
+      <inkml:inkSource xml:id="inkSrc0">
+        <inkml:traceFormat>
+          <inkml:channel name="X" type="integer" min="-1366" max="1920" units="cm"/>
+          <inkml:channel name="Y" type="integer" max="1080" units="cm"/>
+          <inkml:channel name="T" type="integer" max="2.14748E9" units="dev"/>
+        </inkml:traceFormat>
+        <inkml:channelProperties>
+          <inkml:channelProperty channel="X" name="resolution" value="95.52325" units="1/cm"/>
+          <inkml:channelProperty channel="Y" name="resolution" value="55.6701" units="1/cm"/>
+          <inkml:channelProperty channel="T" name="resolution" value="1" units="1/dev"/>
+        </inkml:channelProperties>
+      </inkml:inkSource>
+      <inkml:timestamp xml:id="ts0" timeString="2020-06-29T14:09:11.779"/>
+    </inkml:context>
+    <inkml:brush xml:id="br0">
+      <inkml:brushProperty name="width" value="0.05292" units="cm"/>
+      <inkml:brushProperty name="height" value="0.05292" units="cm"/>
+      <inkml:brushProperty name="color" value="#FF0000"/>
+    </inkml:brush>
+  </inkml:definitions>
+  <inkml:trace contextRef="#ctx0" brushRef="#br0">19472 12949 0,'-25'0'47,"0"0"-47,0 0 15,-24 0 1,-1 0-16,-24 0 15,24 0 1,-49 0-16,-25 0 16,0 0-16,25 25 15,24 25-15,-49-50 16,25 25-16,0-25 16,0 24-16,74-24 15,-25 0-15,1 25 16,24 25-1,25 0 1,0-26-16,-25 51 16,0-26-16,-24 26 15,49-26-15,0 51 16,0-26-16,0-24 16,0 24-16,0-49 15,0 25-15,0 24 16,0-24-16,24 24 15,26 25-15,24-49 16,-24 24-16,0 1 16,-1-26-16,26-24 15,-1 0-15,25 49 16,25-49 0,0 0-16,25 49 15,-25-74-15,50 0 16,-25 25-16,-1-25 15,1 0-15,-25 0 16,50-25-16,-100 25 16,26-24-16,-76-1 15,26-50-15,-50 26 16,0 24-16,25-50 16,-25 51-16,0-51 15,0 26 1,0-26-16,0 50 15,0-24-15,0-1 16,0 1-16,0-26 16,25 50-16,-25-24 15,24-26-15,-24 26 16,0-26-16,0 26 16,0-26-16,0 50 15,0 1-15,0-26 16,0 25-16,-24 0 15,-26 1-15,25-26 16,0 25 0,-49 25-16,24-25 15,-24 1-15,24-26 16,26 50-16,-26-25 16,25 25-16,0-25 15,1 25-15,-26 0 16,25 0-1,25-25 1,-25 25 0,1-49 31,-26 49-32,25 0 1,0 0-1</inkml:trace>
+  <inkml:trace contextRef="#ctx0" brushRef="#br0" timeOffset="2377.21">18653 13694 0,'0'24'140,"0"26"-124,0-25 0,0 0-16,0 0 31,0 24-15,0-24-1,0 0-15,25 0 16,-25 24-1,0-24 1,0 0 0,0 0-1,0 24 1,0-74 328,0 1-344,0-1 15,0-25 1,0 25 0,0 1-1,0-1 16,-25 25-15,25-50-16,0 25 31,0 1-15,0-1 0,0-25-1,0 25-15,0 0 78,0 1-31,25 24-16,25-50-15,-25 50-16,-1 0 16,-24-25-16,25 25 15,25 0 126,-25-25-125,-1 25-1,1-24 1,25 24-1,-25 0 1,-1 0 187,1 0-187,25 0-1,-25 0-15,-1 0 32</inkml:trace>
+  <inkml:trace contextRef="#ctx0" brushRef="#br0" timeOffset="4649.84">19298 13421 0,'0'-25'78,"0"0"-47,50 25-15,-25 0 31,-1 0-47,51 25 15,-50-25 1,-1 0 0,1 0-16,25 25 15,-50 0 48,25-1-63,-25 26 15,0-25 1,25-25-16,-25 25 16,24-1-1,26 26 16,-25-25-31,-25 0 16,0-1 0,0 26-1,0-25 1,0 0-16,0 0 16,0 24-16,0-24 15,0 0-15,-25-25 16,25 25-16,0 24 15,-25-49-15,25 25 32,-25-25-32,1 25 15,-26-25 1,25 0 0,0 25-16,0-25 15,-24 0-15,24 0 16,0 0-1,0 49 17,-24-49-17,24 25 1,25 0 15,-25-25-15,100 25 312,-26-25-312,26 0-16,-26 0 15,26 0-15,-26 0 16,1 0-16,-25 0 15,0 0 110,-1 0-62,26 0-63,-25 0 16,24 0-16,1 0 15,-25 0-15,0 0 16,-1 0-16,26 0 15,-25 0 1,0 0 0</inkml:trace>
+  <inkml:trace contextRef="#ctx0" brushRef="#br0" timeOffset="6520.92">15974 7864 0,'25'0'32,"0"0"-32,0 0 31,0 0-16,24 25 1,-24 24-16,0-24 16,49 25-16,-49 24 15,74-24-15,-24 49 16,24 0-16,25 1 16,0 24-16,25 24 15,-50-48-15,25 73 16,-25-49-16,25 25 15,25 50-15,-50-51 16,25 76-16,-24-51 16,24 26-16,-75-26 15,50 51-15,1-75 16,-26 24-16,0-24 16,-49-25-16,50 0 15,-26-25 1,26 50-16,-1-50 15,25 26-15,-74-51 16,50 50-16,24-25 16,-74 0-16,24-49 15,26 24-15,-51-24 16,1 24-16,25-74 16,-25 25-16,-25 0 62,24 25-62,1-25 16,-25-1-1,50-24-15,-50 25 16,0 25 0,25-50-16,-25 25 15,0-1-15,24 1 16,-24 25-16,0-25 15,0-1-15,0 1 16,0 25 0,0-25-1</inkml:trace>
+  <inkml:trace contextRef="#ctx0" brushRef="#br0" timeOffset="8472.93">19596 12329 0,'0'25'203,"0"25"-203,0-26 16,0 1-16,-25 0 15,25 25-15,0-1 16,-25-24-16,25 25 15,-25-50 1,25 25-16,0-1 31,0 1-15,-49 25 31,49-25 0,-25-25 15,25 24 1,0 1-48,0 25 1,-25-50 0,25-25 234,0 0-250,-25 25 15,25-25 1,-49 25-16,24-49 15,0-1-15,0 50 16,-49-74-16,49 74 16,0-25-16,-24 25 15,24-25-15,0 0 16,0 25-16,-24 0 16,24 0-1,0 0-15,0 0 16,-24 0-1</inkml:trace>
+</inkml:ink>
+</file>
+
+<file path=ppt/ink/ink3.xml><?xml version="1.0" encoding="utf-8"?>
+<inkml:ink xmlns:inkml="http://www.w3.org/2003/InkML">
+  <inkml:definitions>
+    <inkml:context xml:id="ctx0">
+      <inkml:inkSource xml:id="inkSrc0">
+        <inkml:traceFormat>
+          <inkml:channel name="X" type="integer" min="-1366" max="1920" units="cm"/>
+          <inkml:channel name="Y" type="integer" max="1080" units="cm"/>
+          <inkml:channel name="T" type="integer" max="2.14748E9" units="dev"/>
+        </inkml:traceFormat>
+        <inkml:channelProperties>
+          <inkml:channelProperty channel="X" name="resolution" value="95.52325" units="1/cm"/>
+          <inkml:channelProperty channel="Y" name="resolution" value="55.6701" units="1/cm"/>
+          <inkml:channelProperty channel="T" name="resolution" value="1" units="1/dev"/>
+        </inkml:channelProperties>
+      </inkml:inkSource>
+      <inkml:timestamp xml:id="ts0" timeString="2020-06-29T14:10:29.794"/>
+    </inkml:context>
+    <inkml:brush xml:id="br0">
+      <inkml:brushProperty name="width" value="0.05292" units="cm"/>
+      <inkml:brushProperty name="height" value="0.05292" units="cm"/>
+      <inkml:brushProperty name="color" value="#FF0000"/>
+    </inkml:brush>
+  </inkml:definitions>
+  <inkml:trace contextRef="#ctx0" brushRef="#br0">14039 9402 0,'25'0'62,"0"0"-15,25 0-31,-26 0-1,1 0-15,0 0 16,25 0-1,-26 25-15,1-25 16,0 0 62,-25 25-62,50-25-16,-25 0 15,-1 24 1,1-24 0,25 25-16,-50 25 15,25-25-15,-1-25 16,1 24-16,-25 1 16,50 25-16,-25-50 15,-1 25-15,1-25 16,-25 24-16,50-24 15,-25 25-15,-1 25 16,1-25 0,25 0-1,-25-25 1,-25 24 0,24-24-16,1 50 15,50-25 1,-51 0-16,1-1 15,25 26 1,-25-50 0,-1 25-16,1 0 15,25-1 1,-25-24 0,-25 50-16,25-50 31,-25 25-31,24 0 31,26-1-31,-25 26 31,0-25-15,-1 0 0,26-1-1,-25 26 1,0-25-1,-1-25 1,26 25 15,-75-75 110,0 25-125</inkml:trace>
+  <inkml:trace contextRef="#ctx0" brushRef="#br0" timeOffset="1474.71">15453 9377 0,'-24'0'157,"-26"0"-157,25 50 15,-24-25-15,-1 24 16,0 1-16,-24-25 16,49-1-16,0 1 15,0 25-15,-24-25 16,24-25-16,25 24 15,-25-24 1,25 25 0,-25-25-16,-24 0 15,49 50-15,-25-50 16,0 25-16,0-25 16,-24 25-1,49-1-15,-25-24 16,0 50-1,0-50 1,25 25 0,-49 0-16,24-25 15,0 0-15,0 24 16,-24-24-16,24 50 16,0-50-16,-49 0 15,49 25-15,0-25 16,-49 25-16,49-25 15,0 24-15,0-24 16,-24 50-16,24-50 16,0 25-16,25 0 15,-25-25 1</inkml:trace>
+  <inkml:trace contextRef="#ctx0" brushRef="#br0" timeOffset="3746.32">15007 7864 0,'25'25'94,"-1"24"-94,1 1 16,25-25-16,-1 49 15,-24-24-15,50 24 16,-50-49-16,-1 74 15,51-74-15,-26 74 16,1-74-16,24 74 16,26 1-16,24-26 15,24 25-15,-23 0 16,-1 1-16,-25-75 16,25 24-16,-50 26 15,-24-51-15,24 51 16,-24-50-16,-25 24 15,24 1-15,-24-1 16,-25-24-16,50 25 16,-50-25-16,49 24 15,-24 26-15,0-51 16,0 51-16,-25-25 16,49 24-16,-24-49 15,0 74-15,0-74 16,-25 24-1,49 26-15,-24-26 16,0 26-16,0-26 16,24 26-16,-24-25 15,0 74-15,49-25 16,-49 0-16,25-49 16,-50 49-16,74 0 15,-74-49-15,50 24 16,-50-24-16,49 24 15,-24-24-15,0-1 16,0 1-16,24-25 16,-24 24-16,0-24 15,-25 0 1,25-25 0,-25 25-16,50 24 15,-50-24-15,24 0 16,-24 0-16,25 25 15,-25-26-15,25 1 16,-25 50-16,50-51 16,-26 76-16,1-51 15,0 50-15,25 1 16,-1-51-16,26 50 16,-51-49-1,26 49-15,0-24 16,-50-1-16,24-24 15,1-1-15,-25 26 16,25-26-16,25-24 16,-26 50-16,-24-51 15,25 51-15,0-50 16,-25 0-16,50-1 16,-50 26-16,0-25 15,24-25 141,-24-25 16,0 0-156,0 0-16,0 1 16</inkml:trace>
+  <inkml:trace contextRef="#ctx0" brushRef="#br0" timeOffset="5362.3">18628 12354 0,'0'-25'16,"0"50"62,0 25-63,0-26-15,0 1 16,0 0 0,0 25-1,0-25 1,0-1-16,0 1 16,0 25-16,0-25 15,0-1-15,0 1 16,0 25-16,0-1 15,-24-24-15,24 25 16,0-25-16,-25-1 16,25 1-16,-25 25 15,25-25-15,0-1 16,0 1 15,-25-25-15,25 50 31,-49-75 187,24 25-234,0-25 16,0 0-16,-49-24 15,49 24-15,0 0 16,-49 0-16,49-24 16,-49-1-16,49 50 15,0 0-15,-49-25 16,49-24-1,0 49 1,0-25 0,-24 25-1,24-25 17,0 25-17,0-25 1,-25-24 93</inkml:trace>
+</inkml:ink>
+</file>
+
 <file path=ppt/notesMasters/notesMaster1.xml><?xml version="1.0" encoding="utf-8"?>
 <p:notesMaster xmlns:a="http://schemas.openxmlformats.org/drawingml/2006/main" xmlns:r="http://schemas.openxmlformats.org/officeDocument/2006/relationships" xmlns:p="http://schemas.openxmlformats.org/presentationml/2006/main">
   <p:cSld>
@@ -637,35 +732,35 @@
           <a:p>
             <a:pPr lvl="0"/>
             <a:r>
-              <a:rPr lang="fr-FR" noProof="0" smtClean="0"/>
+              <a:rPr lang="fr-FR" noProof="0"/>
               <a:t>Cliquez pour modifier les styles du texte du masque</a:t>
             </a:r>
           </a:p>
           <a:p>
             <a:pPr lvl="1"/>
             <a:r>
-              <a:rPr lang="fr-FR" noProof="0" smtClean="0"/>
+              <a:rPr lang="fr-FR" noProof="0"/>
               <a:t>Deuxième niveau</a:t>
             </a:r>
           </a:p>
           <a:p>
             <a:pPr lvl="2"/>
             <a:r>
-              <a:rPr lang="fr-FR" noProof="0" smtClean="0"/>
+              <a:rPr lang="fr-FR" noProof="0"/>
               <a:t>Troisième niveau</a:t>
             </a:r>
           </a:p>
           <a:p>
             <a:pPr lvl="3"/>
             <a:r>
-              <a:rPr lang="fr-FR" noProof="0" smtClean="0"/>
+              <a:rPr lang="fr-FR" noProof="0"/>
               <a:t>Quatrième niveau</a:t>
             </a:r>
           </a:p>
           <a:p>
             <a:pPr lvl="4"/>
             <a:r>
-              <a:rPr lang="fr-FR" noProof="0" smtClean="0"/>
+              <a:rPr lang="fr-FR" noProof="0"/>
               <a:t>Cinquième niveau</a:t>
             </a:r>
           </a:p>
@@ -1094,7 +1189,7 @@
           <a:lstStyle/>
           <a:p>
             <a:pPr eaLnBrk="1" hangingPunct="1"/>
-            <a:endParaRPr lang="en-US" altLang="fr-FR" smtClean="0"/>
+            <a:endParaRPr lang="en-US" altLang="fr-FR"/>
           </a:p>
         </p:txBody>
       </p:sp>
@@ -1290,7 +1385,7 @@
           <a:lstStyle/>
           <a:p>
             <a:pPr eaLnBrk="1" hangingPunct="1"/>
-            <a:endParaRPr lang="en-US" altLang="fr-FR" smtClean="0"/>
+            <a:endParaRPr lang="en-US" altLang="fr-FR"/>
           </a:p>
         </p:txBody>
       </p:sp>
@@ -1486,7 +1581,7 @@
           <a:lstStyle/>
           <a:p>
             <a:pPr eaLnBrk="1" hangingPunct="1"/>
-            <a:endParaRPr lang="en-US" altLang="fr-FR" smtClean="0"/>
+            <a:endParaRPr lang="en-US" altLang="fr-FR"/>
           </a:p>
         </p:txBody>
       </p:sp>
@@ -1678,7 +1773,7 @@
           <a:lstStyle/>
           <a:p>
             <a:pPr eaLnBrk="1" hangingPunct="1"/>
-            <a:endParaRPr lang="en-US" altLang="fr-FR" smtClean="0"/>
+            <a:endParaRPr lang="en-US" altLang="fr-FR"/>
           </a:p>
         </p:txBody>
       </p:sp>
@@ -1874,7 +1969,7 @@
           <a:lstStyle/>
           <a:p>
             <a:pPr eaLnBrk="1" hangingPunct="1"/>
-            <a:endParaRPr lang="en-US" altLang="fr-FR" smtClean="0"/>
+            <a:endParaRPr lang="en-US" altLang="fr-FR"/>
           </a:p>
         </p:txBody>
       </p:sp>
@@ -2066,7 +2161,7 @@
           <a:lstStyle/>
           <a:p>
             <a:pPr eaLnBrk="1" hangingPunct="1"/>
-            <a:endParaRPr lang="en-US" altLang="fr-FR" smtClean="0"/>
+            <a:endParaRPr lang="en-US" altLang="fr-FR"/>
           </a:p>
         </p:txBody>
       </p:sp>
@@ -2262,7 +2357,7 @@
           <a:lstStyle/>
           <a:p>
             <a:pPr eaLnBrk="1" hangingPunct="1"/>
-            <a:endParaRPr lang="en-US" altLang="fr-FR" smtClean="0"/>
+            <a:endParaRPr lang="en-US" altLang="fr-FR"/>
           </a:p>
         </p:txBody>
       </p:sp>
@@ -2458,7 +2553,7 @@
           <a:lstStyle/>
           <a:p>
             <a:pPr eaLnBrk="1" hangingPunct="1"/>
-            <a:endParaRPr lang="en-US" altLang="fr-FR" smtClean="0"/>
+            <a:endParaRPr lang="en-US" altLang="fr-FR"/>
           </a:p>
         </p:txBody>
       </p:sp>
@@ -2650,7 +2745,7 @@
           <a:lstStyle/>
           <a:p>
             <a:pPr eaLnBrk="1" hangingPunct="1"/>
-            <a:endParaRPr lang="en-US" altLang="fr-FR" smtClean="0"/>
+            <a:endParaRPr lang="en-US" altLang="fr-FR"/>
           </a:p>
         </p:txBody>
       </p:sp>
@@ -2842,7 +2937,7 @@
           <a:lstStyle/>
           <a:p>
             <a:pPr eaLnBrk="1" hangingPunct="1"/>
-            <a:endParaRPr lang="en-US" altLang="fr-FR" smtClean="0"/>
+            <a:endParaRPr lang="en-US" altLang="fr-FR"/>
           </a:p>
         </p:txBody>
       </p:sp>
@@ -2931,10 +3026,9 @@
               <a:defRPr/>
             </a:pPr>
             <a:r>
-              <a:rPr lang="fr-FR" smtClean="0"/>
+              <a:rPr lang="fr-FR"/>
               <a:t>© HANDSHAKE - Philippe MASINA</a:t>
             </a:r>
-            <a:endParaRPr lang="fr-FR"/>
           </a:p>
         </p:txBody>
       </p:sp>
@@ -2957,7 +3051,7 @@
               <a:defRPr/>
             </a:pPr>
             <a:r>
-              <a:rPr lang="fr-FR" smtClean="0"/>
+              <a:rPr lang="fr-FR"/>
               <a:t>I-</a:t>
             </a:r>
             <a:fld id="{88B410AF-14E7-4D87-8C8E-6E377E0C2388}" type="slidenum">
@@ -3022,10 +3116,9 @@
           <a:lstStyle/>
           <a:p>
             <a:r>
-              <a:rPr lang="fr-FR" smtClean="0"/>
+              <a:rPr lang="fr-FR"/>
               <a:t>Cliquez pour modifier le style du titre</a:t>
             </a:r>
-            <a:endParaRPr lang="fr-FR"/>
           </a:p>
         </p:txBody>
       </p:sp>
@@ -3087,10 +3180,9 @@
           </a:lstStyle>
           <a:p>
             <a:r>
-              <a:rPr lang="fr-FR" smtClean="0"/>
+              <a:rPr lang="fr-FR"/>
               <a:t>Cliquez pour modifier le style des sous-titres du masque</a:t>
             </a:r>
-            <a:endParaRPr lang="fr-FR"/>
           </a:p>
         </p:txBody>
       </p:sp>
@@ -3145,10 +3237,9 @@
           <a:lstStyle/>
           <a:p>
             <a:r>
-              <a:rPr lang="fr-FR" smtClean="0"/>
+              <a:rPr lang="fr-FR"/>
               <a:t>Cliquez pour modifier le style du titre</a:t>
             </a:r>
-            <a:endParaRPr lang="fr-FR"/>
           </a:p>
         </p:txBody>
       </p:sp>
@@ -3174,38 +3265,37 @@
           <a:p>
             <a:pPr lvl="0"/>
             <a:r>
-              <a:rPr lang="fr-FR" smtClean="0"/>
+              <a:rPr lang="fr-FR"/>
               <a:t>Cliquez pour modifier les styles du texte du masque</a:t>
             </a:r>
           </a:p>
           <a:p>
             <a:pPr lvl="1"/>
             <a:r>
-              <a:rPr lang="fr-FR" smtClean="0"/>
+              <a:rPr lang="fr-FR"/>
               <a:t>Deuxième niveau</a:t>
             </a:r>
           </a:p>
           <a:p>
             <a:pPr lvl="2"/>
             <a:r>
-              <a:rPr lang="fr-FR" smtClean="0"/>
+              <a:rPr lang="fr-FR"/>
               <a:t>Troisième niveau</a:t>
             </a:r>
           </a:p>
           <a:p>
             <a:pPr lvl="3"/>
             <a:r>
-              <a:rPr lang="fr-FR" smtClean="0"/>
+              <a:rPr lang="fr-FR"/>
               <a:t>Quatrième niveau</a:t>
             </a:r>
           </a:p>
           <a:p>
             <a:pPr lvl="4"/>
             <a:r>
-              <a:rPr lang="fr-FR" smtClean="0"/>
+              <a:rPr lang="fr-FR"/>
               <a:t>Cinquième niveau</a:t>
             </a:r>
-            <a:endParaRPr lang="fr-FR"/>
           </a:p>
         </p:txBody>
       </p:sp>
@@ -3264,10 +3354,9 @@
           </a:lstStyle>
           <a:p>
             <a:r>
-              <a:rPr lang="fr-FR" dirty="0" smtClean="0"/>
+              <a:rPr lang="fr-FR" dirty="0"/>
               <a:t>Cliquez pour modifier le style du titre</a:t>
             </a:r>
-            <a:endParaRPr lang="fr-FR" dirty="0"/>
           </a:p>
         </p:txBody>
       </p:sp>
@@ -3293,38 +3382,37 @@
           <a:p>
             <a:pPr lvl="0"/>
             <a:r>
-              <a:rPr lang="fr-FR" dirty="0" smtClean="0"/>
+              <a:rPr lang="fr-FR" dirty="0"/>
               <a:t>Cliquez pour modifier les styles du texte du masque</a:t>
             </a:r>
           </a:p>
           <a:p>
             <a:pPr lvl="1"/>
             <a:r>
-              <a:rPr lang="fr-FR" dirty="0" smtClean="0"/>
+              <a:rPr lang="fr-FR" dirty="0"/>
               <a:t>Deuxième niveau</a:t>
             </a:r>
           </a:p>
           <a:p>
             <a:pPr lvl="2"/>
             <a:r>
-              <a:rPr lang="fr-FR" dirty="0" smtClean="0"/>
+              <a:rPr lang="fr-FR" dirty="0"/>
               <a:t>Troisième niveau</a:t>
             </a:r>
           </a:p>
           <a:p>
             <a:pPr lvl="3"/>
             <a:r>
-              <a:rPr lang="fr-FR" dirty="0" smtClean="0"/>
+              <a:rPr lang="fr-FR" dirty="0"/>
               <a:t>Quatrième niveau</a:t>
             </a:r>
           </a:p>
           <a:p>
             <a:pPr lvl="4"/>
             <a:r>
-              <a:rPr lang="fr-FR" dirty="0" smtClean="0"/>
+              <a:rPr lang="fr-FR" dirty="0"/>
               <a:t>Cinquième niveau</a:t>
             </a:r>
-            <a:endParaRPr lang="fr-FR" dirty="0"/>
           </a:p>
         </p:txBody>
       </p:sp>
@@ -3374,10 +3462,9 @@
           <a:lstStyle/>
           <a:p>
             <a:r>
-              <a:rPr lang="fr-FR" smtClean="0"/>
+              <a:rPr lang="fr-FR"/>
               <a:t>Cliquez pour modifier le style du titre</a:t>
             </a:r>
-            <a:endParaRPr lang="fr-FR"/>
           </a:p>
         </p:txBody>
       </p:sp>
@@ -3431,38 +3518,37 @@
           <a:p>
             <a:pPr lvl="0"/>
             <a:r>
-              <a:rPr lang="fr-FR" smtClean="0"/>
+              <a:rPr lang="fr-FR"/>
               <a:t>Cliquez pour modifier les styles du texte du masque</a:t>
             </a:r>
           </a:p>
           <a:p>
             <a:pPr lvl="1"/>
             <a:r>
-              <a:rPr lang="fr-FR" smtClean="0"/>
+              <a:rPr lang="fr-FR"/>
               <a:t>Deuxième niveau</a:t>
             </a:r>
           </a:p>
           <a:p>
             <a:pPr lvl="2"/>
             <a:r>
-              <a:rPr lang="fr-FR" smtClean="0"/>
+              <a:rPr lang="fr-FR"/>
               <a:t>Troisième niveau</a:t>
             </a:r>
           </a:p>
           <a:p>
             <a:pPr lvl="3"/>
             <a:r>
-              <a:rPr lang="fr-FR" smtClean="0"/>
+              <a:rPr lang="fr-FR"/>
               <a:t>Quatrième niveau</a:t>
             </a:r>
           </a:p>
           <a:p>
             <a:pPr lvl="4"/>
             <a:r>
-              <a:rPr lang="fr-FR" smtClean="0"/>
+              <a:rPr lang="fr-FR"/>
               <a:t>Cinquième niveau</a:t>
             </a:r>
-            <a:endParaRPr lang="fr-FR"/>
           </a:p>
         </p:txBody>
       </p:sp>
@@ -3516,38 +3602,37 @@
           <a:p>
             <a:pPr lvl="0"/>
             <a:r>
-              <a:rPr lang="fr-FR" smtClean="0"/>
+              <a:rPr lang="fr-FR"/>
               <a:t>Cliquez pour modifier les styles du texte du masque</a:t>
             </a:r>
           </a:p>
           <a:p>
             <a:pPr lvl="1"/>
             <a:r>
-              <a:rPr lang="fr-FR" smtClean="0"/>
+              <a:rPr lang="fr-FR"/>
               <a:t>Deuxième niveau</a:t>
             </a:r>
           </a:p>
           <a:p>
             <a:pPr lvl="2"/>
             <a:r>
-              <a:rPr lang="fr-FR" smtClean="0"/>
+              <a:rPr lang="fr-FR"/>
               <a:t>Troisième niveau</a:t>
             </a:r>
           </a:p>
           <a:p>
             <a:pPr lvl="3"/>
             <a:r>
-              <a:rPr lang="fr-FR" smtClean="0"/>
+              <a:rPr lang="fr-FR"/>
               <a:t>Quatrième niveau</a:t>
             </a:r>
           </a:p>
           <a:p>
             <a:pPr lvl="4"/>
             <a:r>
-              <a:rPr lang="fr-FR" smtClean="0"/>
+              <a:rPr lang="fr-FR"/>
               <a:t>Cinquième niveau</a:t>
             </a:r>
-            <a:endParaRPr lang="fr-FR"/>
           </a:p>
         </p:txBody>
       </p:sp>
@@ -3606,10 +3691,9 @@
           </a:lstStyle>
           <a:p>
             <a:r>
-              <a:rPr lang="fr-FR" smtClean="0"/>
+              <a:rPr lang="fr-FR"/>
               <a:t>Cliquez pour modifier le style du titre</a:t>
             </a:r>
-            <a:endParaRPr lang="fr-FR"/>
           </a:p>
         </p:txBody>
       </p:sp>
@@ -3672,7 +3756,7 @@
           <a:p>
             <a:pPr lvl="0"/>
             <a:r>
-              <a:rPr lang="fr-FR" smtClean="0"/>
+              <a:rPr lang="fr-FR"/>
               <a:t>Cliquez pour modifier les styles du texte du masque</a:t>
             </a:r>
           </a:p>
@@ -3728,38 +3812,37 @@
           <a:p>
             <a:pPr lvl="0"/>
             <a:r>
-              <a:rPr lang="fr-FR" smtClean="0"/>
+              <a:rPr lang="fr-FR"/>
               <a:t>Cliquez pour modifier les styles du texte du masque</a:t>
             </a:r>
           </a:p>
           <a:p>
             <a:pPr lvl="1"/>
             <a:r>
-              <a:rPr lang="fr-FR" smtClean="0"/>
+              <a:rPr lang="fr-FR"/>
               <a:t>Deuxième niveau</a:t>
             </a:r>
           </a:p>
           <a:p>
             <a:pPr lvl="2"/>
             <a:r>
-              <a:rPr lang="fr-FR" smtClean="0"/>
+              <a:rPr lang="fr-FR"/>
               <a:t>Troisième niveau</a:t>
             </a:r>
           </a:p>
           <a:p>
             <a:pPr lvl="3"/>
             <a:r>
-              <a:rPr lang="fr-FR" smtClean="0"/>
+              <a:rPr lang="fr-FR"/>
               <a:t>Quatrième niveau</a:t>
             </a:r>
           </a:p>
           <a:p>
             <a:pPr lvl="4"/>
             <a:r>
-              <a:rPr lang="fr-FR" smtClean="0"/>
+              <a:rPr lang="fr-FR"/>
               <a:t>Cinquième niveau</a:t>
             </a:r>
-            <a:endParaRPr lang="fr-FR"/>
           </a:p>
         </p:txBody>
       </p:sp>
@@ -3822,7 +3905,7 @@
           <a:p>
             <a:pPr lvl="0"/>
             <a:r>
-              <a:rPr lang="fr-FR" smtClean="0"/>
+              <a:rPr lang="fr-FR"/>
               <a:t>Cliquez pour modifier les styles du texte du masque</a:t>
             </a:r>
           </a:p>
@@ -3878,38 +3961,37 @@
           <a:p>
             <a:pPr lvl="0"/>
             <a:r>
-              <a:rPr lang="fr-FR" smtClean="0"/>
+              <a:rPr lang="fr-FR"/>
               <a:t>Cliquez pour modifier les styles du texte du masque</a:t>
             </a:r>
           </a:p>
           <a:p>
             <a:pPr lvl="1"/>
             <a:r>
-              <a:rPr lang="fr-FR" smtClean="0"/>
+              <a:rPr lang="fr-FR"/>
               <a:t>Deuxième niveau</a:t>
             </a:r>
           </a:p>
           <a:p>
             <a:pPr lvl="2"/>
             <a:r>
-              <a:rPr lang="fr-FR" smtClean="0"/>
+              <a:rPr lang="fr-FR"/>
               <a:t>Troisième niveau</a:t>
             </a:r>
           </a:p>
           <a:p>
             <a:pPr lvl="3"/>
             <a:r>
-              <a:rPr lang="fr-FR" smtClean="0"/>
+              <a:rPr lang="fr-FR"/>
               <a:t>Quatrième niveau</a:t>
             </a:r>
           </a:p>
           <a:p>
             <a:pPr lvl="4"/>
             <a:r>
-              <a:rPr lang="fr-FR" smtClean="0"/>
+              <a:rPr lang="fr-FR"/>
               <a:t>Cinquième niveau</a:t>
             </a:r>
-            <a:endParaRPr lang="fr-FR"/>
           </a:p>
         </p:txBody>
       </p:sp>
@@ -3959,10 +4041,9 @@
           <a:lstStyle/>
           <a:p>
             <a:r>
-              <a:rPr lang="fr-FR" smtClean="0"/>
+              <a:rPr lang="fr-FR"/>
               <a:t>Cliquez pour modifier le style du titre</a:t>
             </a:r>
-            <a:endParaRPr lang="fr-FR"/>
           </a:p>
         </p:txBody>
       </p:sp>
@@ -4051,10 +4132,9 @@
           </a:lstStyle>
           <a:p>
             <a:r>
-              <a:rPr lang="fr-FR" smtClean="0"/>
+              <a:rPr lang="fr-FR"/>
               <a:t>Cliquez pour modifier le style du titre</a:t>
             </a:r>
-            <a:endParaRPr lang="fr-FR"/>
           </a:p>
         </p:txBody>
       </p:sp>
@@ -4108,38 +4188,37 @@
           <a:p>
             <a:pPr lvl="0"/>
             <a:r>
-              <a:rPr lang="fr-FR" smtClean="0"/>
+              <a:rPr lang="fr-FR"/>
               <a:t>Cliquez pour modifier les styles du texte du masque</a:t>
             </a:r>
           </a:p>
           <a:p>
             <a:pPr lvl="1"/>
             <a:r>
-              <a:rPr lang="fr-FR" smtClean="0"/>
+              <a:rPr lang="fr-FR"/>
               <a:t>Deuxième niveau</a:t>
             </a:r>
           </a:p>
           <a:p>
             <a:pPr lvl="2"/>
             <a:r>
-              <a:rPr lang="fr-FR" smtClean="0"/>
+              <a:rPr lang="fr-FR"/>
               <a:t>Troisième niveau</a:t>
             </a:r>
           </a:p>
           <a:p>
             <a:pPr lvl="3"/>
             <a:r>
-              <a:rPr lang="fr-FR" smtClean="0"/>
+              <a:rPr lang="fr-FR"/>
               <a:t>Quatrième niveau</a:t>
             </a:r>
           </a:p>
           <a:p>
             <a:pPr lvl="4"/>
             <a:r>
-              <a:rPr lang="fr-FR" smtClean="0"/>
+              <a:rPr lang="fr-FR"/>
               <a:t>Cinquième niveau</a:t>
             </a:r>
-            <a:endParaRPr lang="fr-FR"/>
           </a:p>
         </p:txBody>
       </p:sp>
@@ -4202,7 +4281,7 @@
           <a:p>
             <a:pPr lvl="0"/>
             <a:r>
-              <a:rPr lang="fr-FR" smtClean="0"/>
+              <a:rPr lang="fr-FR"/>
               <a:t>Cliquez pour modifier les styles du texte du masque</a:t>
             </a:r>
           </a:p>
@@ -4263,10 +4342,9 @@
           </a:lstStyle>
           <a:p>
             <a:r>
-              <a:rPr lang="fr-FR" smtClean="0"/>
+              <a:rPr lang="fr-FR"/>
               <a:t>Cliquez pour modifier le style du titre</a:t>
             </a:r>
-            <a:endParaRPr lang="fr-FR"/>
           </a:p>
         </p:txBody>
       </p:sp>
@@ -4328,7 +4406,7 @@
           </a:lstStyle>
           <a:p>
             <a:pPr lvl="0"/>
-            <a:endParaRPr lang="fr-FR" noProof="0" smtClean="0"/>
+            <a:endParaRPr lang="fr-FR" noProof="0"/>
           </a:p>
         </p:txBody>
       </p:sp>
@@ -4391,7 +4469,7 @@
           <a:p>
             <a:pPr lvl="0"/>
             <a:r>
-              <a:rPr lang="fr-FR" smtClean="0"/>
+              <a:rPr lang="fr-FR"/>
               <a:t>Cliquez pour modifier les styles du texte du masque</a:t>
             </a:r>
           </a:p>
@@ -4443,10 +4521,9 @@
           <a:lstStyle/>
           <a:p>
             <a:r>
-              <a:rPr lang="fr-FR" smtClean="0"/>
+              <a:rPr lang="fr-FR"/>
               <a:t>Cliquez pour modifier le style du titre</a:t>
             </a:r>
-            <a:endParaRPr lang="fr-FR"/>
           </a:p>
         </p:txBody>
       </p:sp>
@@ -4467,38 +4544,37 @@
           <a:p>
             <a:pPr lvl="0"/>
             <a:r>
-              <a:rPr lang="fr-FR" smtClean="0"/>
+              <a:rPr lang="fr-FR"/>
               <a:t>Cliquez pour modifier les styles du texte du masque</a:t>
             </a:r>
           </a:p>
           <a:p>
             <a:pPr lvl="1"/>
             <a:r>
-              <a:rPr lang="fr-FR" smtClean="0"/>
+              <a:rPr lang="fr-FR"/>
               <a:t>Deuxième niveau</a:t>
             </a:r>
           </a:p>
           <a:p>
             <a:pPr lvl="2"/>
             <a:r>
-              <a:rPr lang="fr-FR" smtClean="0"/>
+              <a:rPr lang="fr-FR"/>
               <a:t>Troisième niveau</a:t>
             </a:r>
           </a:p>
           <a:p>
             <a:pPr lvl="3"/>
             <a:r>
-              <a:rPr lang="fr-FR" smtClean="0"/>
+              <a:rPr lang="fr-FR"/>
               <a:t>Quatrième niveau</a:t>
             </a:r>
           </a:p>
           <a:p>
             <a:pPr lvl="4"/>
             <a:r>
-              <a:rPr lang="fr-FR" smtClean="0"/>
+              <a:rPr lang="fr-FR"/>
               <a:t>Cinquième niveau</a:t>
             </a:r>
-            <a:endParaRPr lang="fr-FR"/>
           </a:p>
         </p:txBody>
       </p:sp>
@@ -4679,7 +4755,7 @@
             <a:pPr eaLnBrk="1" hangingPunct="1">
               <a:defRPr/>
             </a:pPr>
-            <a:endParaRPr lang="fr-FR" altLang="fr-FR" smtClean="0"/>
+            <a:endParaRPr lang="fr-FR" altLang="fr-FR"/>
           </a:p>
         </p:txBody>
       </p:sp>
@@ -4833,7 +4909,7 @@
               <a:defRPr/>
             </a:pPr>
             <a:r>
-              <a:rPr lang="fr-FR" sz="1200" dirty="0" smtClean="0"/>
+              <a:rPr lang="fr-FR" sz="1200" dirty="0"/>
               <a:t>Page </a:t>
             </a:r>
             <a:fld id="{E218E9B1-FD08-4C80-902E-210BA2967D0D}" type="slidenum">
@@ -4846,7 +4922,7 @@
               </a:pPr>
               <a:t>‹N°›</a:t>
             </a:fld>
-            <a:endParaRPr lang="fr-FR" dirty="0" smtClean="0">
+            <a:endParaRPr lang="fr-FR" dirty="0">
               <a:latin typeface="Times New Roman" pitchFamily="18" charset="0"/>
             </a:endParaRPr>
           </a:p>
@@ -5002,10 +5078,10 @@
               <a:defRPr/>
             </a:pPr>
             <a:r>
-              <a:rPr lang="fr-FR" sz="1600" dirty="0" smtClean="0"/>
+              <a:rPr lang="fr-FR" sz="1600" dirty="0"/>
               <a:t>Python</a:t>
             </a:r>
-            <a:endParaRPr lang="fr-FR" dirty="0" smtClean="0">
+            <a:endParaRPr lang="fr-FR" dirty="0">
               <a:latin typeface="Times New Roman" pitchFamily="18" charset="0"/>
             </a:endParaRPr>
           </a:p>
@@ -5063,7 +5139,7 @@
           <a:p>
             <a:pPr lvl="0"/>
             <a:r>
-              <a:rPr lang="fr-FR" altLang="fr-FR" smtClean="0"/>
+              <a:rPr lang="fr-FR" altLang="fr-FR"/>
               <a:t>Cliquez pour modifier le style du titre du masque</a:t>
             </a:r>
           </a:p>
@@ -5121,35 +5197,35 @@
           <a:p>
             <a:pPr lvl="0"/>
             <a:r>
-              <a:rPr lang="fr-FR" altLang="fr-FR" smtClean="0"/>
+              <a:rPr lang="fr-FR" altLang="fr-FR"/>
               <a:t>Cliquez pour modifier les styles du texte du masque</a:t>
             </a:r>
           </a:p>
           <a:p>
             <a:pPr lvl="1"/>
             <a:r>
-              <a:rPr lang="fr-FR" altLang="fr-FR" smtClean="0"/>
+              <a:rPr lang="fr-FR" altLang="fr-FR"/>
               <a:t>Deuxième niveau</a:t>
             </a:r>
           </a:p>
           <a:p>
             <a:pPr lvl="2"/>
             <a:r>
-              <a:rPr lang="fr-FR" altLang="fr-FR" smtClean="0"/>
+              <a:rPr lang="fr-FR" altLang="fr-FR"/>
               <a:t>Troisième niveau</a:t>
             </a:r>
           </a:p>
           <a:p>
             <a:pPr lvl="3"/>
             <a:r>
-              <a:rPr lang="fr-FR" altLang="fr-FR" smtClean="0"/>
+              <a:rPr lang="fr-FR" altLang="fr-FR"/>
               <a:t>Quatrième niveau</a:t>
             </a:r>
           </a:p>
           <a:p>
             <a:pPr lvl="4"/>
             <a:r>
-              <a:rPr lang="fr-FR" altLang="fr-FR" smtClean="0"/>
+              <a:rPr lang="fr-FR" altLang="fr-FR"/>
               <a:t>Cinquième niveau</a:t>
             </a:r>
           </a:p>
@@ -5305,10 +5381,10 @@
               <a:defRPr/>
             </a:pPr>
             <a:r>
-              <a:rPr lang="fr-FR" sz="1200" smtClean="0"/>
+              <a:rPr lang="fr-FR" sz="1200"/>
               <a:t>© Cyril Vincent Conseil</a:t>
             </a:r>
-            <a:endParaRPr lang="fr-FR" smtClean="0">
+            <a:endParaRPr lang="fr-FR">
               <a:latin typeface="Times New Roman" pitchFamily="18" charset="0"/>
             </a:endParaRPr>
           </a:p>
@@ -5790,14 +5866,14 @@
           <a:p>
             <a:pPr eaLnBrk="1" hangingPunct="1"/>
             <a:r>
-              <a:rPr lang="fr-FR" altLang="fr-FR" dirty="0" smtClean="0"/>
+              <a:rPr lang="fr-FR" altLang="fr-FR" dirty="0"/>
               <a:t>Chapitre 8</a:t>
             </a:r>
           </a:p>
           <a:p>
             <a:pPr eaLnBrk="1" hangingPunct="1"/>
             <a:r>
-              <a:rPr lang="fr-FR" altLang="fr-FR" dirty="0" smtClean="0"/>
+              <a:rPr lang="fr-FR" altLang="fr-FR" dirty="0"/>
               <a:t>Objets</a:t>
             </a:r>
           </a:p>
@@ -5849,13 +5925,6 @@
   <p:clrMapOvr>
     <a:masterClrMapping/>
   </p:clrMapOvr>
-  <p:timing>
-    <p:tnLst>
-      <p:par>
-        <p:cTn id="1" dur="indefinite" restart="never" nodeType="tmRoot"/>
-      </p:par>
-    </p:tnLst>
-  </p:timing>
 </p:sld>
 </file>
 
@@ -5892,10 +5961,9 @@
           <a:lstStyle/>
           <a:p>
             <a:r>
-              <a:rPr lang="fr-FR" dirty="0" smtClean="0"/>
+              <a:rPr lang="fr-FR" dirty="0"/>
               <a:t>Les membres</a:t>
             </a:r>
-            <a:endParaRPr lang="fr-FR" dirty="0"/>
           </a:p>
         </p:txBody>
       </p:sp>
@@ -5915,53 +5983,53 @@
           <a:lstStyle/>
           <a:p>
             <a:r>
-              <a:rPr lang="fr-FR" sz="2400" dirty="0" smtClean="0"/>
+              <a:rPr lang="fr-FR" sz="2400" dirty="0"/>
               <a:t>Python possède des membres</a:t>
             </a:r>
           </a:p>
           <a:p>
             <a:pPr lvl="1"/>
             <a:r>
-              <a:rPr lang="fr-FR" sz="2000" dirty="0" smtClean="0"/>
+              <a:rPr lang="fr-FR" sz="2000" dirty="0"/>
               <a:t>Des attributs</a:t>
             </a:r>
           </a:p>
           <a:p>
             <a:pPr lvl="1"/>
             <a:r>
-              <a:rPr lang="fr-FR" sz="2000" dirty="0" smtClean="0"/>
+              <a:rPr lang="fr-FR" sz="2000" dirty="0"/>
               <a:t>Des méthodes</a:t>
             </a:r>
           </a:p>
           <a:p>
             <a:r>
-              <a:rPr lang="fr-FR" sz="2400" dirty="0" smtClean="0"/>
+              <a:rPr lang="fr-FR" sz="2400" dirty="0"/>
               <a:t>Les attributs sont des données de l’instance de la classe</a:t>
             </a:r>
           </a:p>
           <a:p>
             <a:pPr lvl="1"/>
             <a:r>
-              <a:rPr lang="fr-FR" sz="2000" dirty="0" smtClean="0"/>
+              <a:rPr lang="fr-FR" sz="2000" dirty="0"/>
               <a:t>Se sont des variables de la classe</a:t>
             </a:r>
           </a:p>
           <a:p>
             <a:r>
-              <a:rPr lang="fr-FR" sz="2400" dirty="0" smtClean="0"/>
+              <a:rPr lang="fr-FR" sz="2400" dirty="0"/>
               <a:t>Les méthodes sont des fonctions de l’instance de la classe</a:t>
             </a:r>
           </a:p>
           <a:p>
             <a:pPr lvl="1"/>
             <a:r>
-              <a:rPr lang="fr-FR" sz="2000" dirty="0" smtClean="0"/>
+              <a:rPr lang="fr-FR" sz="2000" dirty="0"/>
               <a:t>Se sont des fonctions de la classe</a:t>
             </a:r>
           </a:p>
           <a:p>
             <a:r>
-              <a:rPr lang="fr-FR" sz="2400" dirty="0" smtClean="0"/>
+              <a:rPr lang="fr-FR" sz="2400" dirty="0"/>
               <a:t>En python, il n’y a pas de protection des membres contrairement à Java et les méthodes sont virtuelles comme Java</a:t>
             </a:r>
           </a:p>
@@ -5977,13 +6045,6 @@
   <p:clrMapOvr>
     <a:masterClrMapping/>
   </p:clrMapOvr>
-  <p:timing>
-    <p:tnLst>
-      <p:par>
-        <p:cTn id="1" dur="indefinite" restart="never" nodeType="tmRoot"/>
-      </p:par>
-    </p:tnLst>
-  </p:timing>
 </p:sld>
 </file>
 
@@ -6020,10 +6081,9 @@
           <a:lstStyle/>
           <a:p>
             <a:r>
-              <a:rPr lang="fr-FR" dirty="0" smtClean="0"/>
+              <a:rPr lang="fr-FR" dirty="0"/>
               <a:t>Les attributs</a:t>
             </a:r>
-            <a:endParaRPr lang="fr-FR" dirty="0"/>
           </a:p>
         </p:txBody>
       </p:sp>
@@ -6043,43 +6103,42 @@
           <a:lstStyle/>
           <a:p>
             <a:r>
-              <a:rPr lang="fr-FR" dirty="0" smtClean="0"/>
+              <a:rPr lang="fr-FR" dirty="0"/>
               <a:t>Contrairement à C++, C# et Java les attributs ne sont pas déclarés en Python</a:t>
             </a:r>
           </a:p>
           <a:p>
             <a:pPr lvl="1"/>
             <a:r>
-              <a:rPr lang="fr-FR" dirty="0" smtClean="0"/>
+              <a:rPr lang="fr-FR" dirty="0"/>
               <a:t>Il suffit de les appeler pour qu’ils apparaissaient</a:t>
             </a:r>
           </a:p>
           <a:p>
             <a:pPr lvl="1"/>
             <a:r>
-              <a:rPr lang="fr-FR" dirty="0" smtClean="0"/>
+              <a:rPr lang="fr-FR" dirty="0"/>
               <a:t>Fonctionnalité hérité de Modula 3 et utiliser par </a:t>
             </a:r>
             <a:r>
-              <a:rPr lang="fr-FR" dirty="0" err="1" smtClean="0"/>
+              <a:rPr lang="fr-FR" dirty="0" err="1"/>
               <a:t>Javascript</a:t>
             </a:r>
-            <a:endParaRPr lang="fr-FR" dirty="0" smtClean="0"/>
+            <a:endParaRPr lang="fr-FR" dirty="0"/>
           </a:p>
           <a:p>
             <a:pPr lvl="1"/>
             <a:r>
-              <a:rPr lang="fr-FR" dirty="0" smtClean="0"/>
+              <a:rPr lang="fr-FR" dirty="0"/>
               <a:t>Fonctionnement par prototypage</a:t>
             </a:r>
           </a:p>
           <a:p>
             <a:pPr lvl="1"/>
             <a:r>
-              <a:rPr lang="fr-FR" dirty="0" smtClean="0"/>
+              <a:rPr lang="fr-FR" dirty="0"/>
               <a:t>Assez sale car sujet à erreur</a:t>
             </a:r>
-            <a:endParaRPr lang="fr-FR" dirty="0"/>
           </a:p>
         </p:txBody>
       </p:sp>
@@ -6093,13 +6152,6 @@
   <p:clrMapOvr>
     <a:masterClrMapping/>
   </p:clrMapOvr>
-  <p:timing>
-    <p:tnLst>
-      <p:par>
-        <p:cTn id="1" dur="indefinite" restart="never" nodeType="tmRoot"/>
-      </p:par>
-    </p:tnLst>
-  </p:timing>
 </p:sld>
 </file>
 
@@ -6136,10 +6188,9 @@
           <a:lstStyle/>
           <a:p>
             <a:r>
-              <a:rPr lang="fr-FR" dirty="0" smtClean="0"/>
+              <a:rPr lang="fr-FR" dirty="0"/>
               <a:t>Constructeur</a:t>
             </a:r>
-            <a:endParaRPr lang="fr-FR" dirty="0"/>
           </a:p>
         </p:txBody>
       </p:sp>
@@ -6159,27 +6210,27 @@
           <a:lstStyle/>
           <a:p>
             <a:r>
-              <a:rPr lang="fr-FR" dirty="0" smtClean="0"/>
+              <a:rPr lang="fr-FR" dirty="0"/>
               <a:t>Les constructeur est une méthode appelée automatiquement à l’instanciation de l’objet</a:t>
             </a:r>
           </a:p>
           <a:p>
             <a:r>
-              <a:rPr lang="fr-FR" dirty="0" smtClean="0"/>
+              <a:rPr lang="fr-FR" dirty="0"/>
               <a:t>Permet d’initialiser les attributs</a:t>
             </a:r>
           </a:p>
           <a:p>
             <a:r>
-              <a:rPr lang="fr-FR" dirty="0" smtClean="0"/>
+              <a:rPr lang="fr-FR" dirty="0"/>
               <a:t>Méthode __</a:t>
             </a:r>
             <a:r>
-              <a:rPr lang="fr-FR" dirty="0" err="1" smtClean="0"/>
+              <a:rPr lang="fr-FR" dirty="0" err="1"/>
               <a:t>init</a:t>
             </a:r>
             <a:r>
-              <a:rPr lang="fr-FR" dirty="0" smtClean="0"/>
+              <a:rPr lang="fr-FR" dirty="0"/>
               <a:t>__(self)</a:t>
             </a:r>
           </a:p>
@@ -6222,13 +6273,6 @@
   <p:clrMapOvr>
     <a:masterClrMapping/>
   </p:clrMapOvr>
-  <p:timing>
-    <p:tnLst>
-      <p:par>
-        <p:cTn id="1" dur="indefinite" restart="never" nodeType="tmRoot"/>
-      </p:par>
-    </p:tnLst>
-  </p:timing>
 </p:sld>
 </file>
 
@@ -6265,10 +6309,9 @@
           <a:lstStyle/>
           <a:p>
             <a:r>
-              <a:rPr lang="fr-FR" dirty="0" smtClean="0"/>
+              <a:rPr lang="fr-FR" dirty="0"/>
               <a:t>Appel avec constructeur</a:t>
             </a:r>
-            <a:endParaRPr lang="fr-FR" dirty="0"/>
           </a:p>
         </p:txBody>
       </p:sp>
@@ -6288,17 +6331,16 @@
           <a:lstStyle/>
           <a:p>
             <a:r>
-              <a:rPr lang="fr-FR" dirty="0" smtClean="0"/>
+              <a:rPr lang="fr-FR" dirty="0"/>
               <a:t>L’initialisation des attributs est dans le constructeur</a:t>
             </a:r>
           </a:p>
           <a:p>
             <a:pPr lvl="1"/>
             <a:r>
-              <a:rPr lang="fr-FR" dirty="0" smtClean="0"/>
+              <a:rPr lang="fr-FR" dirty="0"/>
               <a:t>Beaucoup plus propre</a:t>
             </a:r>
-            <a:endParaRPr lang="fr-FR" dirty="0"/>
           </a:p>
         </p:txBody>
       </p:sp>
@@ -6336,13 +6378,6 @@
   <p:clrMapOvr>
     <a:masterClrMapping/>
   </p:clrMapOvr>
-  <p:timing>
-    <p:tnLst>
-      <p:par>
-        <p:cTn id="1" dur="indefinite" restart="never" nodeType="tmRoot"/>
-      </p:par>
-    </p:tnLst>
-  </p:timing>
 </p:sld>
 </file>
 
@@ -6379,10 +6414,9 @@
           <a:lstStyle/>
           <a:p>
             <a:r>
-              <a:rPr lang="fr-FR" dirty="0" smtClean="0"/>
+              <a:rPr lang="fr-FR" dirty="0"/>
               <a:t>Constructeur paramétré</a:t>
             </a:r>
-            <a:endParaRPr lang="fr-FR" dirty="0"/>
           </a:p>
         </p:txBody>
       </p:sp>
@@ -6402,16 +6436,15 @@
           <a:lstStyle/>
           <a:p>
             <a:r>
-              <a:rPr lang="fr-FR" dirty="0" smtClean="0"/>
+              <a:rPr lang="fr-FR" dirty="0"/>
               <a:t>Il suffit de rajouter des paramètres après self</a:t>
             </a:r>
           </a:p>
           <a:p>
             <a:r>
-              <a:rPr lang="fr-FR" dirty="0" smtClean="0"/>
+              <a:rPr lang="fr-FR" dirty="0"/>
               <a:t>Les paramètres peuvent avoir des valeurs par défaut</a:t>
             </a:r>
-            <a:endParaRPr lang="fr-FR" dirty="0"/>
           </a:p>
         </p:txBody>
       </p:sp>
@@ -6473,13 +6506,6 @@
   <p:clrMapOvr>
     <a:masterClrMapping/>
   </p:clrMapOvr>
-  <p:timing>
-    <p:tnLst>
-      <p:par>
-        <p:cTn id="1" dur="indefinite" restart="never" nodeType="tmRoot"/>
-      </p:par>
-    </p:tnLst>
-  </p:timing>
 </p:sld>
 </file>
 
@@ -6516,10 +6542,9 @@
           <a:lstStyle/>
           <a:p>
             <a:r>
-              <a:rPr lang="fr-FR" dirty="0" smtClean="0"/>
+              <a:rPr lang="fr-FR" dirty="0"/>
               <a:t>Méthodes</a:t>
             </a:r>
-            <a:endParaRPr lang="fr-FR" dirty="0"/>
           </a:p>
         </p:txBody>
       </p:sp>
@@ -6539,28 +6564,28 @@
           <a:lstStyle/>
           <a:p>
             <a:r>
-              <a:rPr lang="fr-FR" dirty="0" smtClean="0"/>
+              <a:rPr lang="fr-FR" dirty="0"/>
               <a:t>Les classes possèdent des méthodes</a:t>
             </a:r>
           </a:p>
           <a:p>
             <a:pPr lvl="1"/>
             <a:r>
-              <a:rPr lang="fr-FR" dirty="0" smtClean="0"/>
+              <a:rPr lang="fr-FR" dirty="0"/>
               <a:t>Ce sont des fonctions</a:t>
             </a:r>
           </a:p>
           <a:p>
             <a:pPr lvl="1"/>
             <a:r>
-              <a:rPr lang="fr-FR" dirty="0" smtClean="0"/>
+              <a:rPr lang="fr-FR" dirty="0"/>
               <a:t>Méthodes d’instance</a:t>
             </a:r>
           </a:p>
           <a:p>
             <a:pPr lvl="1"/>
             <a:r>
-              <a:rPr lang="fr-FR" dirty="0" smtClean="0"/>
+              <a:rPr lang="fr-FR" dirty="0"/>
               <a:t>Le premier argument est self</a:t>
             </a:r>
           </a:p>
@@ -6604,13 +6629,6 @@
   <p:clrMapOvr>
     <a:masterClrMapping/>
   </p:clrMapOvr>
-  <p:timing>
-    <p:tnLst>
-      <p:par>
-        <p:cTn id="1" dur="indefinite" restart="never" nodeType="tmRoot"/>
-      </p:par>
-    </p:tnLst>
-  </p:timing>
 </p:sld>
 </file>
 
@@ -6805,14 +6823,14 @@
           <a:lstStyle/>
           <a:p>
             <a:r>
-              <a:rPr lang="en-US" altLang="fr-FR" smtClean="0">
+              <a:rPr lang="en-US" altLang="fr-FR">
                 <a:solidFill>
                   <a:srgbClr val="000000"/>
                 </a:solidFill>
               </a:rPr>
               <a:t>Données d'objet</a:t>
             </a:r>
-            <a:endParaRPr lang="en-GB" altLang="fr-FR" smtClean="0"/>
+            <a:endParaRPr lang="en-GB" altLang="fr-FR"/>
           </a:p>
         </p:txBody>
       </p:sp>
@@ -6837,7 +6855,7 @@
           <a:lstStyle/>
           <a:p>
             <a:r>
-              <a:rPr lang="en-US" altLang="fr-FR" sz="2400" dirty="0" smtClean="0">
+              <a:rPr lang="en-US" altLang="fr-FR" sz="2400" dirty="0">
                 <a:solidFill>
                   <a:srgbClr val="000000"/>
                 </a:solidFill>
@@ -6845,7 +6863,7 @@
               <a:t>Les </a:t>
             </a:r>
             <a:r>
-              <a:rPr lang="en-US" altLang="fr-FR" sz="2400" dirty="0" err="1" smtClean="0">
+              <a:rPr lang="en-US" altLang="fr-FR" sz="2400" dirty="0" err="1">
                 <a:solidFill>
                   <a:srgbClr val="000000"/>
                 </a:solidFill>
@@ -6853,7 +6871,7 @@
               <a:t>données</a:t>
             </a:r>
             <a:r>
-              <a:rPr lang="en-US" altLang="fr-FR" sz="2400" dirty="0" smtClean="0">
+              <a:rPr lang="en-US" altLang="fr-FR" sz="2400" dirty="0">
                 <a:solidFill>
                   <a:srgbClr val="000000"/>
                 </a:solidFill>
@@ -6861,7 +6879,7 @@
               <a:t> </a:t>
             </a:r>
             <a:r>
-              <a:rPr lang="en-US" altLang="fr-FR" sz="2400" dirty="0" err="1" smtClean="0">
+              <a:rPr lang="en-US" altLang="fr-FR" sz="2400" dirty="0" err="1">
                 <a:solidFill>
                   <a:srgbClr val="000000"/>
                 </a:solidFill>
@@ -6869,7 +6887,7 @@
               <a:t>d'objet</a:t>
             </a:r>
             <a:r>
-              <a:rPr lang="en-US" altLang="fr-FR" sz="2400" dirty="0" smtClean="0">
+              <a:rPr lang="en-US" altLang="fr-FR" sz="2400" dirty="0">
                 <a:solidFill>
                   <a:srgbClr val="000000"/>
                 </a:solidFill>
@@ -6877,7 +6895,7 @@
               <a:t> </a:t>
             </a:r>
             <a:r>
-              <a:rPr lang="en-US" altLang="fr-FR" sz="2400" dirty="0" err="1" smtClean="0">
+              <a:rPr lang="en-US" altLang="fr-FR" sz="2400" dirty="0" err="1">
                 <a:solidFill>
                   <a:srgbClr val="000000"/>
                 </a:solidFill>
@@ -6885,7 +6903,7 @@
               <a:t>décrivent</a:t>
             </a:r>
             <a:r>
-              <a:rPr lang="en-US" altLang="fr-FR" sz="2400" dirty="0" smtClean="0">
+              <a:rPr lang="en-US" altLang="fr-FR" sz="2400" dirty="0">
                 <a:solidFill>
                   <a:srgbClr val="000000"/>
                 </a:solidFill>
@@ -6893,7 +6911,7 @@
               <a:t> les </a:t>
             </a:r>
             <a:r>
-              <a:rPr lang="en-US" altLang="fr-FR" sz="2400" dirty="0" err="1" smtClean="0">
+              <a:rPr lang="en-US" altLang="fr-FR" sz="2400" dirty="0" err="1">
                 <a:solidFill>
                   <a:srgbClr val="000000"/>
                 </a:solidFill>
@@ -6901,7 +6919,7 @@
               <a:t>informations</a:t>
             </a:r>
             <a:r>
-              <a:rPr lang="en-US" altLang="fr-FR" sz="2400" dirty="0" smtClean="0">
+              <a:rPr lang="en-US" altLang="fr-FR" sz="2400" dirty="0">
                 <a:solidFill>
                   <a:srgbClr val="000000"/>
                 </a:solidFill>
@@ -6909,14 +6927,14 @@
               <a:t> </a:t>
             </a:r>
             <a:br>
-              <a:rPr lang="en-US" altLang="fr-FR" sz="2400" dirty="0" smtClean="0">
+              <a:rPr lang="en-US" altLang="fr-FR" sz="2400" dirty="0">
                 <a:solidFill>
                   <a:srgbClr val="000000"/>
                 </a:solidFill>
               </a:rPr>
             </a:br>
             <a:r>
-              <a:rPr lang="en-US" altLang="fr-FR" sz="2400" dirty="0" smtClean="0">
+              <a:rPr lang="en-US" altLang="fr-FR" sz="2400" dirty="0">
                 <a:solidFill>
                   <a:srgbClr val="000000"/>
                 </a:solidFill>
@@ -6924,7 +6942,7 @@
               <a:t>relatives aux </a:t>
             </a:r>
             <a:r>
-              <a:rPr lang="en-US" altLang="fr-FR" sz="2400" dirty="0" err="1" smtClean="0">
+              <a:rPr lang="en-US" altLang="fr-FR" sz="2400" dirty="0" err="1">
                 <a:solidFill>
                   <a:srgbClr val="000000"/>
                 </a:solidFill>
@@ -6932,7 +6950,7 @@
               <a:t>objets</a:t>
             </a:r>
             <a:r>
-              <a:rPr lang="en-US" altLang="fr-FR" sz="2400" dirty="0" smtClean="0">
+              <a:rPr lang="en-US" altLang="fr-FR" sz="2400" dirty="0">
                 <a:solidFill>
                   <a:srgbClr val="000000"/>
                 </a:solidFill>
@@ -6940,19 +6958,19 @@
               <a:t> </a:t>
             </a:r>
             <a:r>
-              <a:rPr lang="en-US" altLang="fr-FR" sz="2400" i="1" dirty="0" err="1" smtClean="0">
+              <a:rPr lang="en-US" altLang="fr-FR" sz="2400" i="1" dirty="0" err="1">
                 <a:solidFill>
                   <a:srgbClr val="000000"/>
                 </a:solidFill>
               </a:rPr>
               <a:t>individuels</a:t>
             </a:r>
-            <a:endParaRPr lang="en-GB" altLang="fr-FR" sz="2400" dirty="0" smtClean="0"/>
+            <a:endParaRPr lang="en-GB" altLang="fr-FR" sz="2400" dirty="0"/>
           </a:p>
           <a:p>
             <a:pPr lvl="1"/>
             <a:r>
-              <a:rPr lang="en-US" altLang="fr-FR" sz="2000" dirty="0" smtClean="0">
+              <a:rPr lang="en-US" altLang="fr-FR" sz="2000" dirty="0">
                 <a:solidFill>
                   <a:srgbClr val="000000"/>
                 </a:solidFill>
@@ -6960,7 +6978,7 @@
               <a:t>Par </a:t>
             </a:r>
             <a:r>
-              <a:rPr lang="en-US" altLang="fr-FR" sz="2000" dirty="0" err="1" smtClean="0">
+              <a:rPr lang="en-US" altLang="fr-FR" sz="2000" dirty="0" err="1">
                 <a:solidFill>
                   <a:srgbClr val="000000"/>
                 </a:solidFill>
@@ -6968,7 +6986,7 @@
               <a:t>exemple</a:t>
             </a:r>
             <a:r>
-              <a:rPr lang="en-US" altLang="fr-FR" sz="2000" dirty="0" smtClean="0">
+              <a:rPr lang="en-US" altLang="fr-FR" sz="2000" dirty="0">
                 <a:solidFill>
                   <a:srgbClr val="000000"/>
                 </a:solidFill>
@@ -6976,7 +6994,7 @@
               <a:t>, </a:t>
             </a:r>
             <a:r>
-              <a:rPr lang="en-US" altLang="fr-FR" sz="2000" dirty="0" err="1" smtClean="0">
+              <a:rPr lang="en-US" altLang="fr-FR" sz="2000" dirty="0" err="1">
                 <a:solidFill>
                   <a:srgbClr val="000000"/>
                 </a:solidFill>
@@ -6984,7 +7002,7 @@
               <a:t>chaque</a:t>
             </a:r>
             <a:r>
-              <a:rPr lang="en-US" altLang="fr-FR" sz="2000" dirty="0" smtClean="0">
+              <a:rPr lang="en-US" altLang="fr-FR" sz="2000" dirty="0">
                 <a:solidFill>
                   <a:srgbClr val="000000"/>
                 </a:solidFill>
@@ -6992,7 +7010,7 @@
               <a:t> </a:t>
             </a:r>
             <a:r>
-              <a:rPr lang="en-US" altLang="fr-FR" sz="2000" dirty="0" err="1" smtClean="0">
+              <a:rPr lang="en-US" altLang="fr-FR" sz="2000" dirty="0" err="1">
                 <a:solidFill>
                   <a:srgbClr val="000000"/>
                 </a:solidFill>
@@ -7000,7 +7018,7 @@
               <a:t>compte</a:t>
             </a:r>
             <a:r>
-              <a:rPr lang="en-US" altLang="fr-FR" sz="2000" dirty="0" smtClean="0">
+              <a:rPr lang="en-US" altLang="fr-FR" sz="2000" dirty="0">
                 <a:solidFill>
                   <a:srgbClr val="000000"/>
                 </a:solidFill>
@@ -7008,7 +7026,7 @@
               <a:t> </a:t>
             </a:r>
             <a:r>
-              <a:rPr lang="en-US" altLang="fr-FR" sz="2000" dirty="0" err="1" smtClean="0">
+              <a:rPr lang="en-US" altLang="fr-FR" sz="2000" dirty="0" err="1">
                 <a:solidFill>
                   <a:srgbClr val="000000"/>
                 </a:solidFill>
@@ -7016,7 +7034,7 @@
               <a:t>bancaire</a:t>
             </a:r>
             <a:r>
-              <a:rPr lang="en-US" altLang="fr-FR" sz="2000" dirty="0" smtClean="0">
+              <a:rPr lang="en-US" altLang="fr-FR" sz="2000" dirty="0">
                 <a:solidFill>
                   <a:srgbClr val="000000"/>
                 </a:solidFill>
@@ -7024,7 +7042,7 @@
               <a:t> </a:t>
             </a:r>
             <a:r>
-              <a:rPr lang="en-US" altLang="fr-FR" sz="2000" dirty="0" err="1" smtClean="0">
+              <a:rPr lang="en-US" altLang="fr-FR" sz="2000" dirty="0" err="1">
                 <a:solidFill>
                   <a:srgbClr val="000000"/>
                 </a:solidFill>
@@ -7032,7 +7050,7 @@
               <a:t>possède</a:t>
             </a:r>
             <a:r>
-              <a:rPr lang="en-US" altLang="fr-FR" sz="2000" dirty="0" smtClean="0">
+              <a:rPr lang="en-US" altLang="fr-FR" sz="2000" dirty="0">
                 <a:solidFill>
                   <a:srgbClr val="000000"/>
                 </a:solidFill>
@@ -7040,14 +7058,14 @@
               <a:t> </a:t>
             </a:r>
             <a:br>
-              <a:rPr lang="en-US" altLang="fr-FR" sz="2000" dirty="0" smtClean="0">
+              <a:rPr lang="en-US" altLang="fr-FR" sz="2000" dirty="0">
                 <a:solidFill>
                   <a:srgbClr val="000000"/>
                 </a:solidFill>
               </a:rPr>
             </a:br>
             <a:r>
-              <a:rPr lang="en-US" altLang="fr-FR" sz="2000" dirty="0" smtClean="0">
+              <a:rPr lang="en-US" altLang="fr-FR" sz="2000" dirty="0">
                 <a:solidFill>
                   <a:srgbClr val="000000"/>
                 </a:solidFill>
@@ -7055,7 +7073,7 @@
               <a:t>son </a:t>
             </a:r>
             <a:r>
-              <a:rPr lang="en-US" altLang="fr-FR" sz="2000" u="sng" dirty="0" err="1" smtClean="0">
+              <a:rPr lang="en-US" altLang="fr-FR" sz="2000" u="sng" dirty="0" err="1">
                 <a:solidFill>
                   <a:srgbClr val="000000"/>
                 </a:solidFill>
@@ -7063,7 +7081,7 @@
               <a:t>propre</a:t>
             </a:r>
             <a:r>
-              <a:rPr lang="en-US" altLang="fr-FR" sz="2000" dirty="0" smtClean="0">
+              <a:rPr lang="en-US" altLang="fr-FR" sz="2000" dirty="0">
                 <a:solidFill>
                   <a:srgbClr val="000000"/>
                 </a:solidFill>
@@ -7071,7 +7089,7 @@
               <a:t> </a:t>
             </a:r>
             <a:r>
-              <a:rPr lang="en-US" altLang="fr-FR" sz="2000" dirty="0" err="1" smtClean="0">
+              <a:rPr lang="en-US" altLang="fr-FR" sz="2000" dirty="0" err="1">
                 <a:solidFill>
                   <a:srgbClr val="000000"/>
                 </a:solidFill>
@@ -7079,7 +7097,7 @@
               <a:t>solde</a:t>
             </a:r>
             <a:r>
-              <a:rPr lang="en-US" altLang="fr-FR" sz="2000" dirty="0" smtClean="0">
+              <a:rPr lang="en-US" altLang="fr-FR" sz="2000" dirty="0">
                 <a:solidFill>
                   <a:srgbClr val="000000"/>
                 </a:solidFill>
@@ -7087,11 +7105,11 @@
               <a:t>.</a:t>
             </a:r>
             <a:r>
-              <a:rPr lang="en-GB" altLang="fr-FR" sz="2000" dirty="0" smtClean="0"/>
+              <a:rPr lang="en-GB" altLang="fr-FR" sz="2000" dirty="0"/>
               <a:t> </a:t>
             </a:r>
             <a:r>
-              <a:rPr lang="en-US" altLang="fr-FR" sz="2000" dirty="0" smtClean="0">
+              <a:rPr lang="en-US" altLang="fr-FR" sz="2000" dirty="0">
                 <a:solidFill>
                   <a:srgbClr val="000000"/>
                 </a:solidFill>
@@ -7099,7 +7117,7 @@
               <a:t>Si </a:t>
             </a:r>
             <a:r>
-              <a:rPr lang="en-US" altLang="fr-FR" sz="2000" dirty="0" err="1" smtClean="0">
+              <a:rPr lang="en-US" altLang="fr-FR" sz="2000" dirty="0" err="1">
                 <a:solidFill>
                   <a:srgbClr val="000000"/>
                 </a:solidFill>
@@ -7107,7 +7125,7 @@
               <a:t>deux</a:t>
             </a:r>
             <a:r>
-              <a:rPr lang="en-US" altLang="fr-FR" sz="2000" dirty="0" smtClean="0">
+              <a:rPr lang="en-US" altLang="fr-FR" sz="2000" dirty="0">
                 <a:solidFill>
                   <a:srgbClr val="000000"/>
                 </a:solidFill>
@@ -7115,7 +7133,7 @@
               <a:t> </a:t>
             </a:r>
             <a:r>
-              <a:rPr lang="en-US" altLang="fr-FR" sz="2000" dirty="0" err="1" smtClean="0">
+              <a:rPr lang="en-US" altLang="fr-FR" sz="2000" dirty="0" err="1">
                 <a:solidFill>
                   <a:srgbClr val="000000"/>
                 </a:solidFill>
@@ -7123,7 +7141,7 @@
               <a:t>comptes</a:t>
             </a:r>
             <a:r>
-              <a:rPr lang="en-US" altLang="fr-FR" sz="2000" dirty="0" smtClean="0">
+              <a:rPr lang="en-US" altLang="fr-FR" sz="2000" dirty="0">
                 <a:solidFill>
                   <a:srgbClr val="000000"/>
                 </a:solidFill>
@@ -7131,7 +7149,7 @@
               <a:t> </a:t>
             </a:r>
             <a:r>
-              <a:rPr lang="en-US" altLang="fr-FR" sz="2000" dirty="0" err="1" smtClean="0">
+              <a:rPr lang="en-US" altLang="fr-FR" sz="2000" dirty="0" err="1">
                 <a:solidFill>
                   <a:srgbClr val="000000"/>
                 </a:solidFill>
@@ -7139,7 +7157,7 @@
               <a:t>ont</a:t>
             </a:r>
             <a:r>
-              <a:rPr lang="en-US" altLang="fr-FR" sz="2000" dirty="0" smtClean="0">
+              <a:rPr lang="en-US" altLang="fr-FR" sz="2000" dirty="0">
                 <a:solidFill>
                   <a:srgbClr val="000000"/>
                 </a:solidFill>
@@ -7147,7 +7165,7 @@
               <a:t> le </a:t>
             </a:r>
             <a:r>
-              <a:rPr lang="en-US" altLang="fr-FR" sz="2000" dirty="0" err="1" smtClean="0">
+              <a:rPr lang="en-US" altLang="fr-FR" sz="2000" dirty="0" err="1">
                 <a:solidFill>
                   <a:srgbClr val="000000"/>
                 </a:solidFill>
@@ -7155,7 +7173,7 @@
               <a:t>même</a:t>
             </a:r>
             <a:r>
-              <a:rPr lang="en-US" altLang="fr-FR" sz="2000" dirty="0" smtClean="0">
+              <a:rPr lang="en-US" altLang="fr-FR" sz="2000" dirty="0">
                 <a:solidFill>
                   <a:srgbClr val="000000"/>
                 </a:solidFill>
@@ -7163,14 +7181,14 @@
               <a:t> </a:t>
             </a:r>
             <a:br>
-              <a:rPr lang="en-US" altLang="fr-FR" sz="2000" dirty="0" smtClean="0">
+              <a:rPr lang="en-US" altLang="fr-FR" sz="2000" dirty="0">
                 <a:solidFill>
                   <a:srgbClr val="000000"/>
                 </a:solidFill>
               </a:rPr>
             </a:br>
             <a:r>
-              <a:rPr lang="en-US" altLang="fr-FR" sz="2000" dirty="0" err="1" smtClean="0">
+              <a:rPr lang="en-US" altLang="fr-FR" sz="2000" dirty="0" err="1">
                 <a:solidFill>
                   <a:srgbClr val="000000"/>
                 </a:solidFill>
@@ -7178,7 +7196,7 @@
               <a:t>solde</a:t>
             </a:r>
             <a:r>
-              <a:rPr lang="en-US" altLang="fr-FR" sz="2000" dirty="0" smtClean="0">
+              <a:rPr lang="en-US" altLang="fr-FR" sz="2000" dirty="0">
                 <a:solidFill>
                   <a:srgbClr val="000000"/>
                 </a:solidFill>
@@ -7186,7 +7204,7 @@
               <a:t>, </a:t>
             </a:r>
             <a:r>
-              <a:rPr lang="en-US" altLang="fr-FR" sz="2000" dirty="0" err="1" smtClean="0">
+              <a:rPr lang="en-US" altLang="fr-FR" sz="2000" dirty="0" err="1">
                 <a:solidFill>
                   <a:srgbClr val="000000"/>
                 </a:solidFill>
@@ -7194,7 +7212,7 @@
               <a:t>ce</a:t>
             </a:r>
             <a:r>
-              <a:rPr lang="en-US" altLang="fr-FR" sz="2000" dirty="0" smtClean="0">
+              <a:rPr lang="en-US" altLang="fr-FR" sz="2000" dirty="0">
                 <a:solidFill>
                   <a:srgbClr val="000000"/>
                 </a:solidFill>
@@ -7202,7 +7220,7 @@
               <a:t> </a:t>
             </a:r>
             <a:r>
-              <a:rPr lang="en-US" altLang="fr-FR" sz="2000" dirty="0" err="1" smtClean="0">
+              <a:rPr lang="en-US" altLang="fr-FR" sz="2000" dirty="0" err="1">
                 <a:solidFill>
                   <a:srgbClr val="000000"/>
                 </a:solidFill>
@@ -7210,7 +7228,7 @@
               <a:t>n'est</a:t>
             </a:r>
             <a:r>
-              <a:rPr lang="en-US" altLang="fr-FR" sz="2000" dirty="0" smtClean="0">
+              <a:rPr lang="en-US" altLang="fr-FR" sz="2000" dirty="0">
                 <a:solidFill>
                   <a:srgbClr val="000000"/>
                 </a:solidFill>
@@ -7218,7 +7236,7 @@
               <a:t> </a:t>
             </a:r>
             <a:r>
-              <a:rPr lang="en-US" altLang="fr-FR" sz="2000" dirty="0" err="1" smtClean="0">
+              <a:rPr lang="en-US" altLang="fr-FR" sz="2000" dirty="0" err="1">
                 <a:solidFill>
                   <a:srgbClr val="000000"/>
                 </a:solidFill>
@@ -7226,7 +7244,7 @@
               <a:t>qu'une</a:t>
             </a:r>
             <a:r>
-              <a:rPr lang="en-US" altLang="fr-FR" sz="2000" dirty="0" smtClean="0">
+              <a:rPr lang="en-US" altLang="fr-FR" sz="2000" dirty="0">
                 <a:solidFill>
                   <a:srgbClr val="000000"/>
                 </a:solidFill>
@@ -7234,7 +7252,7 @@
               <a:t> </a:t>
             </a:r>
             <a:r>
-              <a:rPr lang="en-US" altLang="fr-FR" sz="2000" dirty="0" err="1" smtClean="0">
+              <a:rPr lang="en-US" altLang="fr-FR" sz="2000" dirty="0" err="1">
                 <a:solidFill>
                   <a:srgbClr val="000000"/>
                 </a:solidFill>
@@ -7242,14 +7260,14 @@
               <a:t>coïncidence</a:t>
             </a:r>
             <a:r>
-              <a:rPr lang="en-US" altLang="fr-FR" sz="2000" dirty="0" smtClean="0">
+              <a:rPr lang="en-US" altLang="fr-FR" sz="2000" dirty="0">
                 <a:solidFill>
                   <a:srgbClr val="000000"/>
                 </a:solidFill>
               </a:rPr>
               <a:t>.</a:t>
             </a:r>
-            <a:endParaRPr lang="en-GB" altLang="fr-FR" sz="2000" dirty="0" smtClean="0">
+            <a:endParaRPr lang="en-GB" altLang="fr-FR" sz="2000" dirty="0">
               <a:solidFill>
                 <a:srgbClr val="000000"/>
               </a:solidFill>
@@ -8823,13 +8841,6 @@
   <p:clrMapOvr>
     <a:masterClrMapping/>
   </p:clrMapOvr>
-  <p:timing>
-    <p:tnLst>
-      <p:par>
-        <p:cTn id="1" dur="indefinite" restart="never" nodeType="tmRoot"/>
-      </p:par>
-    </p:tnLst>
-  </p:timing>
 </p:sld>
 </file>
 
@@ -8866,10 +8877,9 @@
           <a:lstStyle/>
           <a:p>
             <a:r>
-              <a:rPr lang="fr-FR" dirty="0" smtClean="0"/>
+              <a:rPr lang="fr-FR" dirty="0"/>
               <a:t>self</a:t>
             </a:r>
-            <a:endParaRPr lang="fr-FR" dirty="0"/>
           </a:p>
         </p:txBody>
       </p:sp>
@@ -8890,73 +8900,21 @@
           <a:p>
             <a:r>
               <a:rPr lang="fr-FR" dirty="0"/>
-              <a:t>Q</a:t>
-            </a:r>
-            <a:r>
-              <a:rPr lang="fr-FR" dirty="0" smtClean="0"/>
-              <a:t>uand </a:t>
-            </a:r>
-            <a:r>
-              <a:rPr lang="fr-FR" dirty="0"/>
-              <a:t>vous créez un nouvel objet, </a:t>
-            </a:r>
-            <a:r>
-              <a:rPr lang="fr-FR" dirty="0" smtClean="0"/>
-              <a:t>les </a:t>
-            </a:r>
-            <a:r>
-              <a:rPr lang="fr-FR" dirty="0"/>
-              <a:t>attributs de l'objet sont propres à l'objet </a:t>
-            </a:r>
-            <a:r>
-              <a:rPr lang="fr-FR" dirty="0" smtClean="0"/>
-              <a:t>créé.</a:t>
+              <a:t>Quand vous créez un nouvel objet, les attributs de l'objet sont propres à l'objet créé.</a:t>
             </a:r>
           </a:p>
           <a:p>
             <a:pPr lvl="1"/>
             <a:r>
-              <a:rPr lang="fr-FR" dirty="0" smtClean="0"/>
-              <a:t>C'est </a:t>
-            </a:r>
-            <a:r>
               <a:rPr lang="fr-FR" dirty="0"/>
-              <a:t>logique : si vous créez plusieurs </a:t>
-            </a:r>
-            <a:r>
-              <a:rPr lang="fr-FR" dirty="0" smtClean="0"/>
-              <a:t>objets, </a:t>
-            </a:r>
-            <a:r>
-              <a:rPr lang="fr-FR" dirty="0"/>
-              <a:t>ils </a:t>
-            </a:r>
-            <a:r>
-              <a:rPr lang="fr-FR" dirty="0" smtClean="0"/>
-              <a:t>n’auront pas </a:t>
-            </a:r>
-            <a:r>
-              <a:rPr lang="fr-FR" dirty="0"/>
-              <a:t>tous avoir </a:t>
-            </a:r>
-            <a:r>
-              <a:rPr lang="fr-FR" dirty="0" smtClean="0"/>
-              <a:t>les mêmes données</a:t>
+              <a:t>C'est logique : si vous créez plusieurs objets, ils n’auront pas tous avoir les mêmes données</a:t>
             </a:r>
           </a:p>
           <a:p>
             <a:pPr lvl="1"/>
             <a:r>
-              <a:rPr lang="fr-FR" dirty="0" smtClean="0"/>
-              <a:t>Donc </a:t>
-            </a:r>
-            <a:r>
               <a:rPr lang="fr-FR" dirty="0"/>
-              <a:t>les attributs sont contenus dans </a:t>
-            </a:r>
-            <a:r>
-              <a:rPr lang="fr-FR" dirty="0" smtClean="0"/>
-              <a:t>l'objet</a:t>
+              <a:t>Donc les attributs sont contenus dans l'objet</a:t>
             </a:r>
           </a:p>
           <a:p>
@@ -8966,7 +8924,7 @@
             </a:r>
           </a:p>
           <a:p>
-            <a:endParaRPr lang="fr-FR" dirty="0" smtClean="0"/>
+            <a:endParaRPr lang="fr-FR" dirty="0"/>
           </a:p>
         </p:txBody>
       </p:sp>
@@ -8980,13 +8938,6 @@
   <p:clrMapOvr>
     <a:masterClrMapping/>
   </p:clrMapOvr>
-  <p:timing>
-    <p:tnLst>
-      <p:par>
-        <p:cTn id="1" dur="indefinite" restart="never" nodeType="tmRoot"/>
-      </p:par>
-    </p:tnLst>
-  </p:timing>
 </p:sld>
 </file>
 
@@ -9023,10 +8974,9 @@
           <a:lstStyle/>
           <a:p>
             <a:r>
-              <a:rPr lang="fr-FR" dirty="0" smtClean="0"/>
+              <a:rPr lang="fr-FR" dirty="0"/>
               <a:t>Mécanisme de self</a:t>
             </a:r>
-            <a:endParaRPr lang="fr-FR" dirty="0"/>
           </a:p>
         </p:txBody>
       </p:sp>
@@ -9081,39 +9031,39 @@
           <a:p>
             <a:pPr lvl="1"/>
             <a:r>
-              <a:rPr lang="fr-FR" dirty="0" smtClean="0"/>
+              <a:rPr lang="fr-FR" dirty="0"/>
               <a:t>Verbeux</a:t>
             </a:r>
           </a:p>
           <a:p>
             <a:pPr lvl="1"/>
             <a:r>
-              <a:rPr lang="fr-FR" dirty="0" smtClean="0"/>
+              <a:rPr lang="fr-FR" dirty="0"/>
               <a:t>Très inspiré de Perl </a:t>
             </a:r>
           </a:p>
           <a:p>
             <a:r>
-              <a:rPr lang="fr-FR" dirty="0" err="1" smtClean="0"/>
+              <a:rPr lang="fr-FR" dirty="0" err="1"/>
               <a:t>Instance.methode</a:t>
             </a:r>
             <a:r>
-              <a:rPr lang="fr-FR" dirty="0" smtClean="0"/>
+              <a:rPr lang="fr-FR" dirty="0"/>
               <a:t>(x)</a:t>
             </a:r>
           </a:p>
           <a:p>
             <a:pPr lvl="1"/>
             <a:r>
-              <a:rPr lang="fr-FR" dirty="0" smtClean="0"/>
+              <a:rPr lang="fr-FR" dirty="0"/>
               <a:t>Est équivalent à méthode(</a:t>
             </a:r>
             <a:r>
-              <a:rPr lang="fr-FR" dirty="0" err="1" smtClean="0"/>
+              <a:rPr lang="fr-FR" dirty="0" err="1"/>
               <a:t>instance,x</a:t>
             </a:r>
             <a:r>
-              <a:rPr lang="fr-FR" dirty="0" smtClean="0"/>
+              <a:rPr lang="fr-FR" dirty="0"/>
               <a:t>)</a:t>
             </a:r>
           </a:p>
@@ -9129,13 +9079,6 @@
   <p:clrMapOvr>
     <a:masterClrMapping/>
   </p:clrMapOvr>
-  <p:timing>
-    <p:tnLst>
-      <p:par>
-        <p:cTn id="1" dur="indefinite" restart="never" nodeType="tmRoot"/>
-      </p:par>
-    </p:tnLst>
-  </p:timing>
 </p:sld>
 </file>
 
@@ -9174,13 +9117,8 @@
             <a:pPr eaLnBrk="1" hangingPunct="1"/>
             <a:r>
               <a:rPr lang="fr-FR" altLang="fr-FR" sz="3323" dirty="0"/>
-              <a:t>Le mécanisme </a:t>
-            </a:r>
-            <a:r>
-              <a:rPr lang="fr-FR" altLang="fr-FR" sz="3323" dirty="0" smtClean="0"/>
-              <a:t>du self</a:t>
-            </a:r>
-            <a:endParaRPr lang="fr-FR" altLang="fr-FR" sz="3323" dirty="0"/>
+              <a:t>Le mécanisme du self</a:t>
+            </a:r>
           </a:p>
         </p:txBody>
       </p:sp>
@@ -9205,7 +9143,94 @@
           <a:lstStyle/>
           <a:p>
             <a:pPr eaLnBrk="1" hangingPunct="1"/>
-            <a:endParaRPr lang="fr-FR" altLang="fr-FR" dirty="0" smtClean="0"/>
+            <a:r>
+              <a:rPr lang="fr-FR" altLang="fr-FR" sz="2000" dirty="0"/>
+              <a:t>i = 3</a:t>
+            </a:r>
+          </a:p>
+          <a:p>
+            <a:pPr eaLnBrk="1" hangingPunct="1"/>
+            <a:r>
+              <a:rPr lang="fr-FR" altLang="fr-FR" sz="2000" dirty="0"/>
+              <a:t>j = 3</a:t>
+            </a:r>
+          </a:p>
+          <a:p>
+            <a:pPr eaLnBrk="1" hangingPunct="1"/>
+            <a:r>
+              <a:rPr lang="fr-FR" altLang="fr-FR" sz="2000" dirty="0"/>
+              <a:t>i==j =&gt; </a:t>
+            </a:r>
+            <a:r>
+              <a:rPr lang="fr-FR" altLang="fr-FR" sz="2000" dirty="0" err="1"/>
+              <a:t>True</a:t>
+            </a:r>
+            <a:endParaRPr lang="fr-FR" altLang="fr-FR" sz="2000" dirty="0"/>
+          </a:p>
+          <a:p>
+            <a:pPr eaLnBrk="1" hangingPunct="1"/>
+            <a:r>
+              <a:rPr lang="fr-FR" altLang="fr-FR" sz="2000" dirty="0"/>
+              <a:t>r1 = Rectangle(3,2)</a:t>
+            </a:r>
+          </a:p>
+          <a:p>
+            <a:pPr eaLnBrk="1" hangingPunct="1"/>
+            <a:r>
+              <a:rPr lang="fr-FR" altLang="fr-FR" sz="2000" dirty="0"/>
+              <a:t>r2 = Rectangle(3,2)</a:t>
+            </a:r>
+          </a:p>
+          <a:p>
+            <a:pPr eaLnBrk="1" hangingPunct="1"/>
+            <a:r>
+              <a:rPr lang="fr-FR" altLang="fr-FR" sz="2000" dirty="0"/>
+              <a:t>r1 == r2 =&gt; False</a:t>
+            </a:r>
+          </a:p>
+          <a:p>
+            <a:pPr eaLnBrk="1" hangingPunct="1"/>
+            <a:r>
+              <a:rPr lang="fr-FR" altLang="fr-FR" sz="2000" dirty="0"/>
+              <a:t>r1 = r2</a:t>
+            </a:r>
+          </a:p>
+          <a:p>
+            <a:pPr eaLnBrk="1" hangingPunct="1"/>
+            <a:r>
+              <a:rPr lang="fr-FR" altLang="fr-FR" sz="2000" dirty="0"/>
+              <a:t>r1 == r2 =&gt; </a:t>
+            </a:r>
+            <a:r>
+              <a:rPr lang="fr-FR" altLang="fr-FR" sz="2000" dirty="0" err="1"/>
+              <a:t>True</a:t>
+            </a:r>
+            <a:endParaRPr lang="fr-FR" altLang="fr-FR" sz="2000" dirty="0"/>
+          </a:p>
+          <a:p>
+            <a:pPr eaLnBrk="1" hangingPunct="1"/>
+            <a:r>
+              <a:rPr lang="fr-FR" altLang="fr-FR" sz="2000" dirty="0"/>
+              <a:t>r1 = None</a:t>
+            </a:r>
+          </a:p>
+          <a:p>
+            <a:pPr eaLnBrk="1" hangingPunct="1"/>
+            <a:r>
+              <a:rPr lang="fr-FR" altLang="fr-FR" sz="2000" dirty="0"/>
+              <a:t>Garbage Collector : asynchrone</a:t>
+            </a:r>
+          </a:p>
+          <a:p>
+            <a:pPr eaLnBrk="1" hangingPunct="1"/>
+            <a:r>
+              <a:rPr lang="fr-FR" altLang="fr-FR" sz="2000" dirty="0" err="1"/>
+              <a:t>del</a:t>
+            </a:r>
+            <a:r>
+              <a:rPr lang="fr-FR" altLang="fr-FR" sz="2000" dirty="0"/>
+              <a:t> r1 : immédiat</a:t>
+            </a:r>
           </a:p>
         </p:txBody>
       </p:sp>
@@ -9359,7 +9384,7 @@
           </a:lstStyle>
           <a:p>
             <a:pPr eaLnBrk="1" hangingPunct="1"/>
-            <a:endParaRPr lang="fr-FR" altLang="fr-FR" sz="2215"/>
+            <a:endParaRPr lang="fr-FR" altLang="fr-FR" sz="2215" dirty="0"/>
           </a:p>
         </p:txBody>
       </p:sp>
@@ -9517,6 +9542,265 @@
           </a:p>
         </p:txBody>
       </p:sp>
+      <p:sp>
+        <p:nvSpPr>
+          <p:cNvPr id="2" name="ZoneTexte 1">
+            <a:extLst>
+              <a:ext uri="{FF2B5EF4-FFF2-40B4-BE49-F238E27FC236}">
+                <a16:creationId xmlns:a16="http://schemas.microsoft.com/office/drawing/2014/main" id="{A00853F1-C4B4-41C6-83CE-09C09C816C68}"/>
+              </a:ext>
+            </a:extLst>
+          </p:cNvPr>
+          <p:cNvSpPr txBox="1"/>
+          <p:nvPr/>
+        </p:nvSpPr>
+        <p:spPr>
+          <a:xfrm>
+            <a:off x="4506058" y="1758637"/>
+            <a:ext cx="1080120" cy="461665"/>
+          </a:xfrm>
+          <a:prstGeom prst="rect">
+            <a:avLst/>
+          </a:prstGeom>
+          <a:noFill/>
+        </p:spPr>
+        <p:txBody>
+          <a:bodyPr wrap="square" rtlCol="0">
+            <a:spAutoFit/>
+          </a:bodyPr>
+          <a:lstStyle/>
+          <a:p>
+            <a:r>
+              <a:rPr lang="fr-FR" dirty="0"/>
+              <a:t>Stack</a:t>
+            </a:r>
+          </a:p>
+        </p:txBody>
+      </p:sp>
+      <p:sp>
+        <p:nvSpPr>
+          <p:cNvPr id="3" name="ZoneTexte 2">
+            <a:extLst>
+              <a:ext uri="{FF2B5EF4-FFF2-40B4-BE49-F238E27FC236}">
+                <a16:creationId xmlns:a16="http://schemas.microsoft.com/office/drawing/2014/main" id="{A8E64D7F-B975-4D7A-8645-513D80030B76}"/>
+              </a:ext>
+            </a:extLst>
+          </p:cNvPr>
+          <p:cNvSpPr txBox="1"/>
+          <p:nvPr/>
+        </p:nvSpPr>
+        <p:spPr>
+          <a:xfrm>
+            <a:off x="4572000" y="4149080"/>
+            <a:ext cx="1152128" cy="461665"/>
+          </a:xfrm>
+          <a:prstGeom prst="rect">
+            <a:avLst/>
+          </a:prstGeom>
+          <a:noFill/>
+        </p:spPr>
+        <p:txBody>
+          <a:bodyPr wrap="square" rtlCol="0">
+            <a:spAutoFit/>
+          </a:bodyPr>
+          <a:lstStyle/>
+          <a:p>
+            <a:r>
+              <a:rPr lang="fr-FR" dirty="0" err="1"/>
+              <a:t>Heap</a:t>
+            </a:r>
+            <a:endParaRPr lang="fr-FR" dirty="0"/>
+          </a:p>
+        </p:txBody>
+      </p:sp>
+      <p:sp>
+        <p:nvSpPr>
+          <p:cNvPr id="4" name="ZoneTexte 3">
+            <a:extLst>
+              <a:ext uri="{FF2B5EF4-FFF2-40B4-BE49-F238E27FC236}">
+                <a16:creationId xmlns:a16="http://schemas.microsoft.com/office/drawing/2014/main" id="{1707D883-DEE2-435A-8AB7-B90648B931ED}"/>
+              </a:ext>
+            </a:extLst>
+          </p:cNvPr>
+          <p:cNvSpPr txBox="1"/>
+          <p:nvPr/>
+        </p:nvSpPr>
+        <p:spPr>
+          <a:xfrm>
+            <a:off x="4572000" y="2408447"/>
+            <a:ext cx="3960440" cy="461665"/>
+          </a:xfrm>
+          <a:prstGeom prst="rect">
+            <a:avLst/>
+          </a:prstGeom>
+          <a:noFill/>
+        </p:spPr>
+        <p:txBody>
+          <a:bodyPr wrap="square" rtlCol="0">
+            <a:spAutoFit/>
+          </a:bodyPr>
+          <a:lstStyle/>
+          <a:p>
+            <a:r>
+              <a:rPr lang="fr-FR" dirty="0"/>
+              <a:t>3 3 r1 r2</a:t>
+            </a:r>
+          </a:p>
+        </p:txBody>
+      </p:sp>
+      <mc:AlternateContent xmlns:mc="http://schemas.openxmlformats.org/markup-compatibility/2006">
+        <mc:Choice xmlns:p14="http://schemas.microsoft.com/office/powerpoint/2010/main" Requires="p14">
+          <p:contentPart p14:bwMode="auto" r:id="rId2">
+            <p14:nvContentPartPr>
+              <p14:cNvPr id="5" name="Encre 4">
+                <a:extLst>
+                  <a:ext uri="{FF2B5EF4-FFF2-40B4-BE49-F238E27FC236}">
+                    <a16:creationId xmlns:a16="http://schemas.microsoft.com/office/drawing/2014/main" id="{DFE6D682-4455-4E45-B321-8462DB285E99}"/>
+                  </a:ext>
+                </a:extLst>
+              </p14:cNvPr>
+              <p14:cNvContentPartPr/>
+              <p14:nvPr/>
+            </p14:nvContentPartPr>
+            <p14:xfrm>
+              <a:off x="4902480" y="2813040"/>
+              <a:ext cx="875520" cy="2385000"/>
+            </p14:xfrm>
+          </p:contentPart>
+        </mc:Choice>
+        <mc:Fallback>
+          <p:pic>
+            <p:nvPicPr>
+              <p:cNvPr id="5" name="Encre 4">
+                <a:extLst>
+                  <a:ext uri="{FF2B5EF4-FFF2-40B4-BE49-F238E27FC236}">
+                    <a16:creationId xmlns:a16="http://schemas.microsoft.com/office/drawing/2014/main" id="{DFE6D682-4455-4E45-B321-8462DB285E99}"/>
+                  </a:ext>
+                </a:extLst>
+              </p:cNvPr>
+              <p:cNvPicPr/>
+              <p:nvPr/>
+            </p:nvPicPr>
+            <p:blipFill>
+              <a:blip r:embed="rId3"/>
+              <a:stretch>
+                <a:fillRect/>
+              </a:stretch>
+            </p:blipFill>
+            <p:spPr>
+              <a:xfrm>
+                <a:off x="4893120" y="2803680"/>
+                <a:ext cx="894240" cy="2403720"/>
+              </a:xfrm>
+              <a:prstGeom prst="rect">
+                <a:avLst/>
+              </a:prstGeom>
+            </p:spPr>
+          </p:pic>
+        </mc:Fallback>
+      </mc:AlternateContent>
+      <mc:AlternateContent xmlns:mc="http://schemas.openxmlformats.org/markup-compatibility/2006">
+        <mc:Choice xmlns:p14="http://schemas.microsoft.com/office/powerpoint/2010/main" Requires="p14">
+          <p:contentPart p14:bwMode="auto" r:id="rId4">
+            <p14:nvContentPartPr>
+              <p14:cNvPr id="6" name="Encre 5">
+                <a:extLst>
+                  <a:ext uri="{FF2B5EF4-FFF2-40B4-BE49-F238E27FC236}">
+                    <a16:creationId xmlns:a16="http://schemas.microsoft.com/office/drawing/2014/main" id="{71A0DD20-4965-4694-836B-799A7198476C}"/>
+                  </a:ext>
+                </a:extLst>
+              </p14:cNvPr>
+              <p14:cNvContentPartPr/>
+              <p14:nvPr/>
+            </p14:nvContentPartPr>
+            <p14:xfrm>
+              <a:off x="5750640" y="2831040"/>
+              <a:ext cx="1554120" cy="2447280"/>
+            </p14:xfrm>
+          </p:contentPart>
+        </mc:Choice>
+        <mc:Fallback>
+          <p:pic>
+            <p:nvPicPr>
+              <p:cNvPr id="6" name="Encre 5">
+                <a:extLst>
+                  <a:ext uri="{FF2B5EF4-FFF2-40B4-BE49-F238E27FC236}">
+                    <a16:creationId xmlns:a16="http://schemas.microsoft.com/office/drawing/2014/main" id="{71A0DD20-4965-4694-836B-799A7198476C}"/>
+                  </a:ext>
+                </a:extLst>
+              </p:cNvPr>
+              <p:cNvPicPr/>
+              <p:nvPr/>
+            </p:nvPicPr>
+            <p:blipFill>
+              <a:blip r:embed="rId5"/>
+              <a:stretch>
+                <a:fillRect/>
+              </a:stretch>
+            </p:blipFill>
+            <p:spPr>
+              <a:xfrm>
+                <a:off x="5741280" y="2821680"/>
+                <a:ext cx="1572840" cy="2466000"/>
+              </a:xfrm>
+              <a:prstGeom prst="rect">
+                <a:avLst/>
+              </a:prstGeom>
+            </p:spPr>
+          </p:pic>
+        </mc:Fallback>
+      </mc:AlternateContent>
+      <mc:AlternateContent xmlns:mc="http://schemas.openxmlformats.org/markup-compatibility/2006">
+        <mc:Choice xmlns:p14="http://schemas.microsoft.com/office/powerpoint/2010/main" Requires="p14">
+          <p:contentPart p14:bwMode="auto" r:id="rId6">
+            <p14:nvContentPartPr>
+              <p14:cNvPr id="7" name="Encre 6">
+                <a:extLst>
+                  <a:ext uri="{FF2B5EF4-FFF2-40B4-BE49-F238E27FC236}">
+                    <a16:creationId xmlns:a16="http://schemas.microsoft.com/office/drawing/2014/main" id="{E505DBAB-17AA-4D6B-B9D6-7C3AD4F0B2F0}"/>
+                  </a:ext>
+                </a:extLst>
+              </p14:cNvPr>
+              <p14:cNvContentPartPr/>
+              <p14:nvPr/>
+            </p14:nvContentPartPr>
+            <p14:xfrm>
+              <a:off x="5054040" y="2831040"/>
+              <a:ext cx="1652400" cy="1956240"/>
+            </p14:xfrm>
+          </p:contentPart>
+        </mc:Choice>
+        <mc:Fallback>
+          <p:pic>
+            <p:nvPicPr>
+              <p:cNvPr id="7" name="Encre 6">
+                <a:extLst>
+                  <a:ext uri="{FF2B5EF4-FFF2-40B4-BE49-F238E27FC236}">
+                    <a16:creationId xmlns:a16="http://schemas.microsoft.com/office/drawing/2014/main" id="{E505DBAB-17AA-4D6B-B9D6-7C3AD4F0B2F0}"/>
+                  </a:ext>
+                </a:extLst>
+              </p:cNvPr>
+              <p:cNvPicPr/>
+              <p:nvPr/>
+            </p:nvPicPr>
+            <p:blipFill>
+              <a:blip r:embed="rId7"/>
+              <a:stretch>
+                <a:fillRect/>
+              </a:stretch>
+            </p:blipFill>
+            <p:spPr>
+              <a:xfrm>
+                <a:off x="5044680" y="2821680"/>
+                <a:ext cx="1671120" cy="1974960"/>
+              </a:xfrm>
+              <a:prstGeom prst="rect">
+                <a:avLst/>
+              </a:prstGeom>
+            </p:spPr>
+          </p:pic>
+        </mc:Fallback>
+      </mc:AlternateContent>
     </p:spTree>
     <p:extLst>
       <p:ext uri="{BB962C8B-B14F-4D97-AF65-F5344CB8AC3E}">
@@ -9527,13 +9811,6 @@
   <p:clrMapOvr>
     <a:masterClrMapping/>
   </p:clrMapOvr>
-  <p:timing>
-    <p:tnLst>
-      <p:par>
-        <p:cTn id="1" dur="indefinite" restart="never" nodeType="tmRoot"/>
-      </p:par>
-    </p:tnLst>
-  </p:timing>
 </p:sld>
 </file>
 
@@ -9575,7 +9852,7 @@
               </a:buClr>
             </a:pPr>
             <a:r>
-              <a:rPr lang="en-US" altLang="fr-FR" dirty="0" smtClean="0">
+              <a:rPr lang="en-US" altLang="fr-FR" dirty="0">
                 <a:solidFill>
                   <a:srgbClr val="000000"/>
                 </a:solidFill>
@@ -9583,14 +9860,14 @@
               <a:t>Classes et </a:t>
             </a:r>
             <a:r>
-              <a:rPr lang="en-US" altLang="fr-FR" dirty="0" err="1" smtClean="0">
+              <a:rPr lang="en-US" altLang="fr-FR" dirty="0" err="1">
                 <a:solidFill>
                   <a:srgbClr val="000000"/>
                 </a:solidFill>
               </a:rPr>
               <a:t>objets</a:t>
             </a:r>
-            <a:endParaRPr lang="en-US" altLang="fr-FR" dirty="0" smtClean="0"/>
+            <a:endParaRPr lang="en-US" altLang="fr-FR" dirty="0"/>
           </a:p>
         </p:txBody>
       </p:sp>
@@ -9610,47 +9887,47 @@
           <a:lstStyle/>
           <a:p>
             <a:r>
-              <a:rPr lang="en-US" altLang="fr-FR" smtClean="0">
+              <a:rPr lang="en-US" altLang="fr-FR">
                 <a:solidFill>
                   <a:srgbClr val="000000"/>
                 </a:solidFill>
               </a:rPr>
               <a:t>Qu'est-ce qu'une classe ?</a:t>
             </a:r>
-            <a:endParaRPr lang="en-GB" altLang="fr-FR" smtClean="0"/>
+            <a:endParaRPr lang="en-GB" altLang="fr-FR"/>
           </a:p>
           <a:p>
             <a:r>
-              <a:rPr lang="en-US" altLang="fr-FR" smtClean="0">
+              <a:rPr lang="en-US" altLang="fr-FR">
                 <a:solidFill>
                   <a:srgbClr val="000000"/>
                 </a:solidFill>
               </a:rPr>
               <a:t>Qu'est-ce qu'un objet ?</a:t>
             </a:r>
-            <a:endParaRPr lang="en-GB" altLang="fr-FR" smtClean="0"/>
+            <a:endParaRPr lang="en-GB" altLang="fr-FR"/>
           </a:p>
           <a:p>
             <a:r>
-              <a:rPr lang="en-US" altLang="fr-FR" smtClean="0">
+              <a:rPr lang="en-US" altLang="fr-FR">
                 <a:solidFill>
                   <a:srgbClr val="000000"/>
                 </a:solidFill>
               </a:rPr>
               <a:t>Comparaison entre classes et structs</a:t>
             </a:r>
-            <a:endParaRPr lang="en-GB" altLang="fr-FR" smtClean="0"/>
+            <a:endParaRPr lang="en-GB" altLang="fr-FR"/>
           </a:p>
           <a:p>
             <a:r>
-              <a:rPr lang="en-US" altLang="fr-FR" smtClean="0">
+              <a:rPr lang="en-US" altLang="fr-FR">
                 <a:solidFill>
                   <a:srgbClr val="000000"/>
                 </a:solidFill>
               </a:rPr>
               <a:t>Abstraction</a:t>
             </a:r>
-            <a:endParaRPr lang="en-GB" altLang="fr-FR" smtClean="0">
+            <a:endParaRPr lang="en-GB" altLang="fr-FR">
               <a:solidFill>
                 <a:srgbClr val="000000"/>
               </a:solidFill>
@@ -9668,13 +9945,6 @@
   <p:clrMapOvr>
     <a:masterClrMapping/>
   </p:clrMapOvr>
-  <p:timing>
-    <p:tnLst>
-      <p:par>
-        <p:cTn id="1" dur="indefinite" restart="never" nodeType="tmRoot"/>
-      </p:par>
-    </p:tnLst>
-  </p:timing>
 </p:sld>
 </file>
 
@@ -9869,14 +10139,14 @@
           <a:lstStyle/>
           <a:p>
             <a:r>
-              <a:rPr lang="en-US" altLang="fr-FR" smtClean="0">
+              <a:rPr lang="en-US" altLang="fr-FR">
                 <a:solidFill>
                   <a:srgbClr val="000000"/>
                 </a:solidFill>
               </a:rPr>
               <a:t>Contrôle de la visibilité d'accès</a:t>
             </a:r>
-            <a:endParaRPr lang="en-GB" altLang="fr-FR" smtClean="0"/>
+            <a:endParaRPr lang="en-GB" altLang="fr-FR"/>
           </a:p>
         </p:txBody>
       </p:sp>
@@ -9901,7 +10171,7 @@
           <a:lstStyle/>
           <a:p>
             <a:r>
-              <a:rPr lang="en-US" altLang="fr-FR" smtClean="0">
+              <a:rPr lang="en-US" altLang="fr-FR">
                 <a:solidFill>
                   <a:srgbClr val="000000"/>
                 </a:solidFill>
@@ -9909,7 +10179,7 @@
               <a:t>Les méthodes sont </a:t>
             </a:r>
             <a:r>
-              <a:rPr lang="en-US" altLang="fr-FR" i="1" smtClean="0">
+              <a:rPr lang="en-US" altLang="fr-FR" i="1">
                 <a:solidFill>
                   <a:srgbClr val="000000"/>
                 </a:solidFill>
@@ -9917,18 +10187,18 @@
               <a:t>publiques</a:t>
             </a:r>
             <a:r>
-              <a:rPr lang="en-US" altLang="fr-FR" smtClean="0">
+              <a:rPr lang="en-US" altLang="fr-FR">
                 <a:solidFill>
                   <a:srgbClr val="000000"/>
                 </a:solidFill>
               </a:rPr>
               <a:t>, accessibles de l'extérieur</a:t>
             </a:r>
-            <a:endParaRPr lang="en-GB" altLang="fr-FR" smtClean="0"/>
+            <a:endParaRPr lang="en-GB" altLang="fr-FR"/>
           </a:p>
           <a:p>
             <a:r>
-              <a:rPr lang="en-US" altLang="fr-FR" smtClean="0">
+              <a:rPr lang="en-US" altLang="fr-FR">
                 <a:solidFill>
                   <a:srgbClr val="000000"/>
                 </a:solidFill>
@@ -9936,7 +10206,7 @@
               <a:t>Les données sont </a:t>
             </a:r>
             <a:r>
-              <a:rPr lang="en-US" altLang="fr-FR" i="1" smtClean="0">
+              <a:rPr lang="en-US" altLang="fr-FR" i="1">
                 <a:solidFill>
                   <a:srgbClr val="000000"/>
                 </a:solidFill>
@@ -9944,14 +10214,14 @@
               <a:t>privées</a:t>
             </a:r>
             <a:r>
-              <a:rPr lang="en-US" altLang="fr-FR" smtClean="0">
+              <a:rPr lang="en-US" altLang="fr-FR">
                 <a:solidFill>
                   <a:srgbClr val="000000"/>
                 </a:solidFill>
               </a:rPr>
               <a:t>, accessibles uniquement de l'intérieur</a:t>
             </a:r>
-            <a:endParaRPr lang="en-GB" altLang="fr-FR" smtClean="0">
+            <a:endParaRPr lang="en-GB" altLang="fr-FR">
               <a:solidFill>
                 <a:srgbClr val="000000"/>
               </a:solidFill>
@@ -12340,7 +12610,7 @@
               <a:defRPr/>
             </a:pPr>
             <a:r>
-              <a:rPr lang="en-US" altLang="fr-FR" sz="4400" smtClean="0">
+              <a:rPr lang="en-US" altLang="fr-FR" sz="4400">
                 <a:solidFill>
                   <a:srgbClr val="FF0033"/>
                 </a:solidFill>
@@ -12696,13 +12966,6 @@
   <p:clrMapOvr>
     <a:masterClrMapping/>
   </p:clrMapOvr>
-  <p:timing>
-    <p:tnLst>
-      <p:par>
-        <p:cTn id="1" dur="indefinite" restart="never" nodeType="tmRoot"/>
-      </p:par>
-    </p:tnLst>
-  </p:timing>
 </p:sld>
 </file>
 
@@ -12897,14 +13160,14 @@
           <a:lstStyle/>
           <a:p>
             <a:r>
-              <a:rPr lang="en-US" altLang="fr-FR" smtClean="0">
+              <a:rPr lang="en-US" altLang="fr-FR">
                 <a:solidFill>
                   <a:srgbClr val="000000"/>
                 </a:solidFill>
               </a:rPr>
               <a:t>Pourquoi encapsuler ?</a:t>
             </a:r>
-            <a:endParaRPr lang="en-GB" altLang="fr-FR" smtClean="0"/>
+            <a:endParaRPr lang="en-GB" altLang="fr-FR"/>
           </a:p>
         </p:txBody>
       </p:sp>
@@ -12929,19 +13192,19 @@
           <a:lstStyle/>
           <a:p>
             <a:r>
-              <a:rPr lang="en-US" altLang="fr-FR" smtClean="0">
+              <a:rPr lang="en-US" altLang="fr-FR">
                 <a:solidFill>
                   <a:srgbClr val="000000"/>
                 </a:solidFill>
               </a:rPr>
               <a:t>Contrôle</a:t>
             </a:r>
-            <a:endParaRPr lang="en-US" altLang="fr-FR" smtClean="0"/>
+            <a:endParaRPr lang="en-US" altLang="fr-FR"/>
           </a:p>
           <a:p>
             <a:pPr lvl="1"/>
             <a:r>
-              <a:rPr lang="en-US" altLang="fr-FR" smtClean="0">
+              <a:rPr lang="en-US" altLang="fr-FR">
                 <a:solidFill>
                   <a:srgbClr val="000000"/>
                 </a:solidFill>
@@ -12949,14 +13212,14 @@
               <a:t>L'utilisation de l'objet</a:t>
             </a:r>
             <a:br>
-              <a:rPr lang="en-US" altLang="fr-FR" smtClean="0">
+              <a:rPr lang="en-US" altLang="fr-FR">
                 <a:solidFill>
                   <a:srgbClr val="000000"/>
                 </a:solidFill>
               </a:rPr>
             </a:br>
             <a:r>
-              <a:rPr lang="en-US" altLang="fr-FR" smtClean="0">
+              <a:rPr lang="en-US" altLang="fr-FR">
                 <a:solidFill>
                   <a:srgbClr val="000000"/>
                 </a:solidFill>
@@ -12964,37 +13227,37 @@
               <a:t>se fait exclusivement via </a:t>
             </a:r>
             <a:br>
-              <a:rPr lang="en-US" altLang="fr-FR" smtClean="0">
+              <a:rPr lang="en-US" altLang="fr-FR">
                 <a:solidFill>
                   <a:srgbClr val="000000"/>
                 </a:solidFill>
               </a:rPr>
             </a:br>
             <a:r>
-              <a:rPr lang="en-US" altLang="fr-FR" smtClean="0">
+              <a:rPr lang="en-US" altLang="fr-FR">
                 <a:solidFill>
                   <a:srgbClr val="000000"/>
                 </a:solidFill>
               </a:rPr>
               <a:t>les méthodes publiques</a:t>
             </a:r>
-            <a:endParaRPr lang="en-US" altLang="fr-FR" smtClean="0"/>
+            <a:endParaRPr lang="en-US" altLang="fr-FR"/>
           </a:p>
           <a:p>
             <a:r>
-              <a:rPr lang="en-US" altLang="fr-FR" smtClean="0">
+              <a:rPr lang="en-US" altLang="fr-FR">
                 <a:solidFill>
                   <a:srgbClr val="000000"/>
                 </a:solidFill>
               </a:rPr>
               <a:t>Changement</a:t>
             </a:r>
-            <a:endParaRPr lang="en-US" altLang="fr-FR" smtClean="0"/>
+            <a:endParaRPr lang="en-US" altLang="fr-FR"/>
           </a:p>
           <a:p>
             <a:pPr lvl="1"/>
             <a:r>
-              <a:rPr lang="en-US" altLang="fr-FR" smtClean="0">
+              <a:rPr lang="en-US" altLang="fr-FR">
                 <a:solidFill>
                   <a:srgbClr val="000000"/>
                 </a:solidFill>
@@ -13002,14 +13265,14 @@
               <a:t>L'utilisation de l'objet </a:t>
             </a:r>
             <a:br>
-              <a:rPr lang="en-US" altLang="fr-FR" smtClean="0">
+              <a:rPr lang="en-US" altLang="fr-FR">
                 <a:solidFill>
                   <a:srgbClr val="000000"/>
                 </a:solidFill>
               </a:rPr>
             </a:br>
             <a:r>
-              <a:rPr lang="en-US" altLang="fr-FR" smtClean="0">
+              <a:rPr lang="en-US" altLang="fr-FR">
                 <a:solidFill>
                   <a:srgbClr val="000000"/>
                 </a:solidFill>
@@ -13017,14 +13280,14 @@
               <a:t>n'est pas affectée si</a:t>
             </a:r>
             <a:br>
-              <a:rPr lang="en-US" altLang="fr-FR" smtClean="0">
+              <a:rPr lang="en-US" altLang="fr-FR">
                 <a:solidFill>
                   <a:srgbClr val="000000"/>
                 </a:solidFill>
               </a:rPr>
             </a:br>
             <a:r>
-              <a:rPr lang="en-US" altLang="fr-FR" smtClean="0">
+              <a:rPr lang="en-US" altLang="fr-FR">
                 <a:solidFill>
                   <a:srgbClr val="000000"/>
                 </a:solidFill>
@@ -13032,21 +13295,21 @@
               <a:t>le type des données </a:t>
             </a:r>
             <a:br>
-              <a:rPr lang="en-US" altLang="fr-FR" smtClean="0">
+              <a:rPr lang="en-US" altLang="fr-FR">
                 <a:solidFill>
                   <a:srgbClr val="000000"/>
                 </a:solidFill>
               </a:rPr>
             </a:br>
             <a:r>
-              <a:rPr lang="en-US" altLang="fr-FR" smtClean="0">
+              <a:rPr lang="en-US" altLang="fr-FR">
                 <a:solidFill>
                   <a:srgbClr val="000000"/>
                 </a:solidFill>
               </a:rPr>
               <a:t>privées change</a:t>
             </a:r>
-            <a:endParaRPr lang="en-GB" altLang="fr-FR" smtClean="0">
+            <a:endParaRPr lang="en-GB" altLang="fr-FR">
               <a:solidFill>
                 <a:srgbClr val="000000"/>
               </a:solidFill>
@@ -15171,7 +15434,7 @@
               <a:defRPr/>
             </a:pPr>
             <a:r>
-              <a:rPr lang="en-US" altLang="fr-FR" sz="4400" smtClean="0">
+              <a:rPr lang="en-US" altLang="fr-FR" sz="4400">
                 <a:solidFill>
                   <a:srgbClr val="FF0033"/>
                 </a:solidFill>
@@ -15197,13 +15460,6 @@
   <p:clrMapOvr>
     <a:masterClrMapping/>
   </p:clrMapOvr>
-  <p:timing>
-    <p:tnLst>
-      <p:par>
-        <p:cTn id="1" dur="indefinite" restart="never" nodeType="tmRoot"/>
-      </p:par>
-    </p:tnLst>
-  </p:timing>
 </p:sld>
 </file>
 
@@ -15240,10 +15496,9 @@
           <a:lstStyle/>
           <a:p>
             <a:r>
-              <a:rPr lang="fr-FR" dirty="0" smtClean="0"/>
+              <a:rPr lang="fr-FR" dirty="0"/>
               <a:t>Problème d’encapsulation</a:t>
             </a:r>
-            <a:endParaRPr lang="fr-FR" dirty="0"/>
           </a:p>
         </p:txBody>
       </p:sp>
@@ -15263,49 +15518,48 @@
           <a:lstStyle/>
           <a:p>
             <a:r>
-              <a:rPr lang="fr-FR" dirty="0" smtClean="0"/>
+              <a:rPr lang="fr-FR" dirty="0"/>
               <a:t>Python ne permet pas de modifier la visibilité d’un attribut</a:t>
             </a:r>
           </a:p>
           <a:p>
             <a:pPr lvl="1"/>
             <a:r>
-              <a:rPr lang="fr-FR" dirty="0" smtClean="0"/>
+              <a:rPr lang="fr-FR" dirty="0"/>
               <a:t>Pas de public, </a:t>
             </a:r>
             <a:r>
-              <a:rPr lang="fr-FR" dirty="0" err="1" smtClean="0"/>
+              <a:rPr lang="fr-FR" dirty="0" err="1"/>
               <a:t>private</a:t>
             </a:r>
-            <a:endParaRPr lang="fr-FR" dirty="0" smtClean="0"/>
+            <a:endParaRPr lang="fr-FR" dirty="0"/>
           </a:p>
           <a:p>
             <a:pPr lvl="1"/>
             <a:r>
-              <a:rPr lang="fr-FR" dirty="0" smtClean="0"/>
+              <a:rPr lang="fr-FR" dirty="0"/>
               <a:t>Problème pour une encapsulation correcte</a:t>
             </a:r>
           </a:p>
           <a:p>
             <a:r>
-              <a:rPr lang="fr-FR" dirty="0" smtClean="0"/>
+              <a:rPr lang="fr-FR" dirty="0"/>
               <a:t>Norme de codage</a:t>
             </a:r>
           </a:p>
           <a:p>
             <a:pPr lvl="1"/>
             <a:r>
-              <a:rPr lang="fr-FR" dirty="0" smtClean="0"/>
+              <a:rPr lang="fr-FR" dirty="0"/>
               <a:t>Un attribut ou une méthode privée est préfixée par _</a:t>
             </a:r>
           </a:p>
           <a:p>
             <a:pPr lvl="1"/>
             <a:r>
-              <a:rPr lang="fr-FR" dirty="0" smtClean="0"/>
+              <a:rPr lang="fr-FR" dirty="0"/>
               <a:t>Tous les attributs</a:t>
             </a:r>
-            <a:endParaRPr lang="fr-FR" dirty="0"/>
           </a:p>
         </p:txBody>
       </p:sp>
@@ -15319,13 +15573,6 @@
   <p:clrMapOvr>
     <a:masterClrMapping/>
   </p:clrMapOvr>
-  <p:timing>
-    <p:tnLst>
-      <p:par>
-        <p:cTn id="1" dur="indefinite" restart="never" nodeType="tmRoot"/>
-      </p:par>
-    </p:tnLst>
-  </p:timing>
 </p:sld>
 </file>
 
@@ -15362,10 +15609,9 @@
           <a:lstStyle/>
           <a:p>
             <a:r>
-              <a:rPr lang="fr-FR" dirty="0" smtClean="0"/>
+              <a:rPr lang="fr-FR" dirty="0"/>
               <a:t>Getter et Setter</a:t>
             </a:r>
-            <a:endParaRPr lang="fr-FR" dirty="0"/>
           </a:p>
         </p:txBody>
       </p:sp>
@@ -15385,32 +15631,32 @@
           <a:lstStyle/>
           <a:p>
             <a:r>
-              <a:rPr lang="fr-FR" dirty="0" smtClean="0"/>
+              <a:rPr lang="fr-FR" dirty="0"/>
               <a:t>Les getters et setters permettent d’accéder à un attribut privé</a:t>
             </a:r>
           </a:p>
           <a:p>
             <a:r>
-              <a:rPr lang="fr-FR" dirty="0" smtClean="0"/>
+              <a:rPr lang="fr-FR" dirty="0"/>
               <a:t>C’est une simple norme de codage</a:t>
             </a:r>
           </a:p>
           <a:p>
             <a:r>
-              <a:rPr lang="fr-FR" dirty="0" smtClean="0"/>
+              <a:rPr lang="fr-FR" dirty="0"/>
               <a:t>Getter</a:t>
             </a:r>
           </a:p>
           <a:p>
             <a:pPr lvl="1"/>
             <a:r>
-              <a:rPr lang="fr-FR" dirty="0" smtClean="0"/>
+              <a:rPr lang="fr-FR" dirty="0"/>
               <a:t>Permet d’accéder en lecture à l’attribut</a:t>
             </a:r>
           </a:p>
           <a:p>
             <a:r>
-              <a:rPr lang="fr-FR" dirty="0" smtClean="0"/>
+              <a:rPr lang="fr-FR" dirty="0"/>
               <a:t>Setter</a:t>
             </a:r>
           </a:p>
@@ -15418,23 +15664,15 @@
             <a:pPr lvl="1"/>
             <a:r>
               <a:rPr lang="fr-FR" dirty="0"/>
-              <a:t>Permet d’accéder en </a:t>
-            </a:r>
-            <a:r>
-              <a:rPr lang="fr-FR" dirty="0" smtClean="0"/>
-              <a:t>écriture à </a:t>
-            </a:r>
-            <a:r>
-              <a:rPr lang="fr-FR" dirty="0"/>
-              <a:t>l’attribut</a:t>
+              <a:t>Permet d’accéder en écriture à l’attribut</a:t>
             </a:r>
           </a:p>
           <a:p>
-            <a:endParaRPr lang="fr-FR" dirty="0" smtClean="0"/>
+            <a:endParaRPr lang="fr-FR" dirty="0"/>
           </a:p>
           <a:p>
             <a:pPr lvl="1"/>
-            <a:endParaRPr lang="fr-FR" dirty="0" smtClean="0"/>
+            <a:endParaRPr lang="fr-FR" dirty="0"/>
           </a:p>
         </p:txBody>
       </p:sp>
@@ -15448,13 +15686,6 @@
   <p:clrMapOvr>
     <a:masterClrMapping/>
   </p:clrMapOvr>
-  <p:timing>
-    <p:tnLst>
-      <p:par>
-        <p:cTn id="1" dur="indefinite" restart="never" nodeType="tmRoot"/>
-      </p:par>
-    </p:tnLst>
-  </p:timing>
 </p:sld>
 </file>
 
@@ -15491,10 +15722,9 @@
           <a:lstStyle/>
           <a:p>
             <a:r>
-              <a:rPr lang="fr-FR" dirty="0" smtClean="0"/>
+              <a:rPr lang="fr-FR" dirty="0"/>
               <a:t>Décorateurs</a:t>
             </a:r>
-            <a:endParaRPr lang="fr-FR" dirty="0"/>
           </a:p>
         </p:txBody>
       </p:sp>
@@ -15514,7 +15744,7 @@
           <a:lstStyle/>
           <a:p>
             <a:r>
-              <a:rPr lang="fr-FR" dirty="0" smtClean="0"/>
+              <a:rPr lang="fr-FR" dirty="0"/>
               <a:t>Permet de modifier le comportement d’une méthode ou d’une classe</a:t>
             </a:r>
           </a:p>
@@ -15522,34 +15752,34 @@
             <a:endParaRPr lang="fr-FR" dirty="0"/>
           </a:p>
           <a:p>
-            <a:endParaRPr lang="fr-FR" dirty="0" smtClean="0"/>
+            <a:endParaRPr lang="fr-FR" dirty="0"/>
           </a:p>
           <a:p>
             <a:r>
-              <a:rPr lang="fr-FR" dirty="0" smtClean="0"/>
+              <a:rPr lang="fr-FR" dirty="0"/>
               <a:t>Ce code est identique à fonction = </a:t>
             </a:r>
             <a:r>
-              <a:rPr lang="fr-FR" dirty="0" err="1" smtClean="0"/>
+              <a:rPr lang="fr-FR" dirty="0" err="1"/>
               <a:t>decorateur</a:t>
             </a:r>
             <a:r>
-              <a:rPr lang="fr-FR" dirty="0" smtClean="0"/>
+              <a:rPr lang="fr-FR" dirty="0"/>
               <a:t>(</a:t>
             </a:r>
             <a:r>
-              <a:rPr lang="fr-FR" dirty="0" err="1" smtClean="0"/>
+              <a:rPr lang="fr-FR" dirty="0" err="1"/>
               <a:t>parametre</a:t>
             </a:r>
             <a:r>
-              <a:rPr lang="fr-FR" dirty="0" smtClean="0"/>
+              <a:rPr lang="fr-FR" dirty="0"/>
               <a:t>)(fonction)</a:t>
             </a:r>
           </a:p>
           <a:p>
             <a:pPr lvl="1"/>
             <a:r>
-              <a:rPr lang="fr-FR" dirty="0" smtClean="0"/>
+              <a:rPr lang="fr-FR" dirty="0"/>
               <a:t>C’est une fonction dans une fonction</a:t>
             </a:r>
           </a:p>
@@ -15592,13 +15822,6 @@
   <p:clrMapOvr>
     <a:masterClrMapping/>
   </p:clrMapOvr>
-  <p:timing>
-    <p:tnLst>
-      <p:par>
-        <p:cTn id="1" dur="indefinite" restart="never" nodeType="tmRoot"/>
-      </p:par>
-    </p:tnLst>
-  </p:timing>
 </p:sld>
 </file>
 
@@ -15635,10 +15858,9 @@
           <a:lstStyle/>
           <a:p>
             <a:r>
-              <a:rPr lang="fr-FR" dirty="0" smtClean="0"/>
+              <a:rPr lang="fr-FR" dirty="0"/>
               <a:t>Propriété</a:t>
             </a:r>
-            <a:endParaRPr lang="fr-FR" dirty="0"/>
           </a:p>
         </p:txBody>
       </p:sp>
@@ -15658,55 +15880,55 @@
           <a:lstStyle/>
           <a:p>
             <a:r>
-              <a:rPr lang="fr-FR" dirty="0" smtClean="0"/>
+              <a:rPr lang="fr-FR" dirty="0"/>
               <a:t>L’utilisation des getter et setter est lourde</a:t>
             </a:r>
           </a:p>
           <a:p>
             <a:pPr lvl="1"/>
             <a:r>
-              <a:rPr lang="fr-FR" dirty="0" smtClean="0"/>
+              <a:rPr lang="fr-FR" dirty="0"/>
               <a:t>Comme Java</a:t>
             </a:r>
           </a:p>
           <a:p>
             <a:r>
-              <a:rPr lang="fr-FR" dirty="0" smtClean="0"/>
+              <a:rPr lang="fr-FR" dirty="0"/>
               <a:t>Python possède le concept de propriété qui permet d’avoir une écriture simple</a:t>
             </a:r>
           </a:p>
           <a:p>
             <a:pPr lvl="1"/>
             <a:r>
-              <a:rPr lang="fr-FR" dirty="0" smtClean="0"/>
+              <a:rPr lang="fr-FR" dirty="0"/>
               <a:t>Comme C#</a:t>
             </a:r>
           </a:p>
           <a:p>
             <a:r>
-              <a:rPr lang="fr-FR" dirty="0" smtClean="0"/>
+              <a:rPr lang="fr-FR" dirty="0"/>
               <a:t>Pour cela il faut utiliser les décoration @</a:t>
             </a:r>
             <a:r>
-              <a:rPr lang="fr-FR" dirty="0" err="1" smtClean="0"/>
+              <a:rPr lang="fr-FR" dirty="0" err="1"/>
               <a:t>property</a:t>
             </a:r>
             <a:r>
-              <a:rPr lang="fr-FR" dirty="0" smtClean="0"/>
+              <a:rPr lang="fr-FR" dirty="0"/>
               <a:t> et @.setter</a:t>
             </a:r>
           </a:p>
           <a:p>
             <a:r>
-              <a:rPr lang="fr-FR" dirty="0" err="1" smtClean="0"/>
+              <a:rPr lang="fr-FR" dirty="0" err="1"/>
               <a:t>Snippet</a:t>
             </a:r>
             <a:r>
-              <a:rPr lang="fr-FR" dirty="0" smtClean="0"/>
+              <a:rPr lang="fr-FR" dirty="0"/>
               <a:t> </a:t>
             </a:r>
             <a:r>
-              <a:rPr lang="fr-FR" dirty="0" err="1" smtClean="0"/>
+              <a:rPr lang="fr-FR" dirty="0" err="1"/>
               <a:t>props</a:t>
             </a:r>
             <a:endParaRPr lang="fr-FR" dirty="0"/>
@@ -15723,13 +15945,6 @@
   <p:clrMapOvr>
     <a:masterClrMapping/>
   </p:clrMapOvr>
-  <p:timing>
-    <p:tnLst>
-      <p:par>
-        <p:cTn id="1" dur="indefinite" restart="never" nodeType="tmRoot"/>
-      </p:par>
-    </p:tnLst>
-  </p:timing>
 </p:sld>
 </file>
 
@@ -15766,10 +15981,9 @@
           <a:lstStyle/>
           <a:p>
             <a:r>
-              <a:rPr lang="fr-FR" dirty="0" smtClean="0"/>
+              <a:rPr lang="fr-FR" dirty="0"/>
               <a:t>Exemple de propriété</a:t>
             </a:r>
-            <a:endParaRPr lang="fr-FR" dirty="0"/>
           </a:p>
         </p:txBody>
       </p:sp>
@@ -15833,13 +16047,6 @@
   <p:clrMapOvr>
     <a:masterClrMapping/>
   </p:clrMapOvr>
-  <p:timing>
-    <p:tnLst>
-      <p:par>
-        <p:cTn id="1" dur="indefinite" restart="never" nodeType="tmRoot"/>
-      </p:par>
-    </p:tnLst>
-  </p:timing>
 </p:sld>
 </file>
 
@@ -16034,14 +16241,14 @@
           <a:lstStyle/>
           <a:p>
             <a:r>
-              <a:rPr lang="en-US" altLang="fr-FR" smtClean="0">
+              <a:rPr lang="en-US" altLang="fr-FR">
                 <a:solidFill>
                   <a:srgbClr val="000000"/>
                 </a:solidFill>
               </a:rPr>
               <a:t>Utilisation de données statiques</a:t>
             </a:r>
-            <a:endParaRPr lang="en-GB" altLang="fr-FR" smtClean="0"/>
+            <a:endParaRPr lang="en-GB" altLang="fr-FR"/>
           </a:p>
         </p:txBody>
       </p:sp>
@@ -16066,7 +16273,7 @@
           <a:lstStyle/>
           <a:p>
             <a:r>
-              <a:rPr lang="en-US" altLang="fr-FR" sz="2400" dirty="0" smtClean="0">
+              <a:rPr lang="en-US" altLang="fr-FR" sz="2400" dirty="0">
                 <a:solidFill>
                   <a:srgbClr val="000000"/>
                 </a:solidFill>
@@ -16074,7 +16281,7 @@
               <a:t>Les </a:t>
             </a:r>
             <a:r>
-              <a:rPr lang="en-US" altLang="fr-FR" sz="2400" dirty="0" err="1" smtClean="0">
+              <a:rPr lang="en-US" altLang="fr-FR" sz="2400" dirty="0" err="1">
                 <a:solidFill>
                   <a:srgbClr val="000000"/>
                 </a:solidFill>
@@ -16082,7 +16289,7 @@
               <a:t>données</a:t>
             </a:r>
             <a:r>
-              <a:rPr lang="en-US" altLang="fr-FR" sz="2400" dirty="0" smtClean="0">
+              <a:rPr lang="en-US" altLang="fr-FR" sz="2400" dirty="0">
                 <a:solidFill>
                   <a:srgbClr val="000000"/>
                 </a:solidFill>
@@ -16090,7 +16297,7 @@
               <a:t> </a:t>
             </a:r>
             <a:r>
-              <a:rPr lang="en-US" altLang="fr-FR" sz="2400" dirty="0" err="1" smtClean="0">
+              <a:rPr lang="en-US" altLang="fr-FR" sz="2400" dirty="0" err="1">
                 <a:solidFill>
                   <a:srgbClr val="000000"/>
                 </a:solidFill>
@@ -16098,7 +16305,7 @@
               <a:t>statiques</a:t>
             </a:r>
             <a:r>
-              <a:rPr lang="en-US" altLang="fr-FR" sz="2400" dirty="0" smtClean="0">
+              <a:rPr lang="en-US" altLang="fr-FR" sz="2400" dirty="0">
                 <a:solidFill>
                   <a:srgbClr val="000000"/>
                 </a:solidFill>
@@ -16106,7 +16313,7 @@
               <a:t> </a:t>
             </a:r>
             <a:r>
-              <a:rPr lang="en-US" altLang="fr-FR" sz="2400" dirty="0" err="1" smtClean="0">
+              <a:rPr lang="en-US" altLang="fr-FR" sz="2400" dirty="0" err="1">
                 <a:solidFill>
                   <a:srgbClr val="000000"/>
                 </a:solidFill>
@@ -16114,7 +16321,7 @@
               <a:t>décrivent</a:t>
             </a:r>
             <a:r>
-              <a:rPr lang="en-US" altLang="fr-FR" sz="2400" dirty="0" smtClean="0">
+              <a:rPr lang="en-US" altLang="fr-FR" sz="2400" dirty="0">
                 <a:solidFill>
                   <a:srgbClr val="000000"/>
                 </a:solidFill>
@@ -16122,7 +16329,7 @@
               <a:t> les </a:t>
             </a:r>
             <a:r>
-              <a:rPr lang="en-US" altLang="fr-FR" sz="2400" dirty="0" err="1" smtClean="0">
+              <a:rPr lang="en-US" altLang="fr-FR" sz="2400" dirty="0" err="1">
                 <a:solidFill>
                   <a:srgbClr val="000000"/>
                 </a:solidFill>
@@ -16130,7 +16337,7 @@
               <a:t>informations</a:t>
             </a:r>
             <a:r>
-              <a:rPr lang="en-US" altLang="fr-FR" sz="2400" dirty="0" smtClean="0">
+              <a:rPr lang="en-US" altLang="fr-FR" sz="2400" dirty="0">
                 <a:solidFill>
                   <a:srgbClr val="000000"/>
                 </a:solidFill>
@@ -16138,7 +16345,7 @@
               <a:t> relatives à </a:t>
             </a:r>
             <a:r>
-              <a:rPr lang="en-US" altLang="fr-FR" sz="2400" i="1" dirty="0" err="1" smtClean="0">
+              <a:rPr lang="en-US" altLang="fr-FR" sz="2400" i="1" dirty="0" err="1">
                 <a:solidFill>
                   <a:srgbClr val="000000"/>
                 </a:solidFill>
@@ -16146,7 +16353,7 @@
               <a:t>tous</a:t>
             </a:r>
             <a:r>
-              <a:rPr lang="en-US" altLang="fr-FR" sz="2400" dirty="0" smtClean="0">
+              <a:rPr lang="en-US" altLang="fr-FR" sz="2400" dirty="0">
                 <a:solidFill>
                   <a:srgbClr val="000000"/>
                 </a:solidFill>
@@ -16154,7 +16361,7 @@
               <a:t> les </a:t>
             </a:r>
             <a:r>
-              <a:rPr lang="en-US" altLang="fr-FR" sz="2400" dirty="0" err="1" smtClean="0">
+              <a:rPr lang="en-US" altLang="fr-FR" sz="2400" dirty="0" err="1">
                 <a:solidFill>
                   <a:srgbClr val="000000"/>
                 </a:solidFill>
@@ -16162,7 +16369,7 @@
               <a:t>objets</a:t>
             </a:r>
             <a:r>
-              <a:rPr lang="en-US" altLang="fr-FR" sz="2400" dirty="0" smtClean="0">
+              <a:rPr lang="en-US" altLang="fr-FR" sz="2400" dirty="0">
                 <a:solidFill>
                   <a:srgbClr val="000000"/>
                 </a:solidFill>
@@ -16170,7 +16377,7 @@
               <a:t> </a:t>
             </a:r>
             <a:r>
-              <a:rPr lang="en-US" altLang="fr-FR" sz="2400" dirty="0" err="1" smtClean="0">
+              <a:rPr lang="en-US" altLang="fr-FR" sz="2400" dirty="0" err="1">
                 <a:solidFill>
                   <a:srgbClr val="000000"/>
                 </a:solidFill>
@@ -16178,7 +16385,7 @@
               <a:t>d'une</a:t>
             </a:r>
             <a:r>
-              <a:rPr lang="en-US" altLang="fr-FR" sz="2400" dirty="0" smtClean="0">
+              <a:rPr lang="en-US" altLang="fr-FR" sz="2400" dirty="0">
                 <a:solidFill>
                   <a:srgbClr val="000000"/>
                 </a:solidFill>
@@ -16186,19 +16393,19 @@
               <a:t> </a:t>
             </a:r>
             <a:r>
-              <a:rPr lang="en-US" altLang="fr-FR" sz="2400" dirty="0" err="1" smtClean="0">
+              <a:rPr lang="en-US" altLang="fr-FR" sz="2400" dirty="0" err="1">
                 <a:solidFill>
                   <a:srgbClr val="000000"/>
                 </a:solidFill>
               </a:rPr>
               <a:t>classe</a:t>
             </a:r>
-            <a:endParaRPr lang="en-GB" altLang="fr-FR" sz="2400" dirty="0" smtClean="0"/>
+            <a:endParaRPr lang="en-GB" altLang="fr-FR" sz="2400" dirty="0"/>
           </a:p>
           <a:p>
             <a:pPr lvl="1"/>
             <a:r>
-              <a:rPr lang="en-US" altLang="fr-FR" sz="2000" dirty="0" smtClean="0">
+              <a:rPr lang="en-US" altLang="fr-FR" sz="2000" dirty="0">
                 <a:solidFill>
                   <a:srgbClr val="000000"/>
                 </a:solidFill>
@@ -16206,7 +16413,7 @@
               <a:t>Par </a:t>
             </a:r>
             <a:r>
-              <a:rPr lang="en-US" altLang="fr-FR" sz="2000" dirty="0" err="1" smtClean="0">
+              <a:rPr lang="en-US" altLang="fr-FR" sz="2000" dirty="0" err="1">
                 <a:solidFill>
                   <a:srgbClr val="000000"/>
                 </a:solidFill>
@@ -16214,7 +16421,7 @@
               <a:t>exemple</a:t>
             </a:r>
             <a:r>
-              <a:rPr lang="en-US" altLang="fr-FR" sz="2000" dirty="0" smtClean="0">
+              <a:rPr lang="en-US" altLang="fr-FR" sz="2000" dirty="0">
                 <a:solidFill>
                   <a:srgbClr val="000000"/>
                 </a:solidFill>
@@ -16222,7 +16429,7 @@
               <a:t>, </a:t>
             </a:r>
             <a:r>
-              <a:rPr lang="en-US" altLang="fr-FR" sz="2000" dirty="0" err="1" smtClean="0">
+              <a:rPr lang="en-US" altLang="fr-FR" sz="2000" dirty="0" err="1">
                 <a:solidFill>
                   <a:srgbClr val="000000"/>
                 </a:solidFill>
@@ -16230,7 +16437,7 @@
               <a:t>supposons</a:t>
             </a:r>
             <a:r>
-              <a:rPr lang="en-US" altLang="fr-FR" sz="2000" dirty="0" smtClean="0">
+              <a:rPr lang="en-US" altLang="fr-FR" sz="2000" dirty="0">
                 <a:solidFill>
                   <a:srgbClr val="000000"/>
                 </a:solidFill>
@@ -16238,7 +16445,7 @@
               <a:t> que </a:t>
             </a:r>
             <a:r>
-              <a:rPr lang="en-US" altLang="fr-FR" sz="2000" dirty="0" err="1" smtClean="0">
+              <a:rPr lang="en-US" altLang="fr-FR" sz="2000" dirty="0" err="1">
                 <a:solidFill>
                   <a:srgbClr val="000000"/>
                 </a:solidFill>
@@ -16246,7 +16453,7 @@
               <a:t>tous</a:t>
             </a:r>
             <a:r>
-              <a:rPr lang="en-US" altLang="fr-FR" sz="2000" dirty="0" smtClean="0">
+              <a:rPr lang="en-US" altLang="fr-FR" sz="2000" dirty="0">
                 <a:solidFill>
                   <a:srgbClr val="000000"/>
                 </a:solidFill>
@@ -16254,7 +16461,7 @@
               <a:t> les </a:t>
             </a:r>
             <a:r>
-              <a:rPr lang="en-US" altLang="fr-FR" sz="2000" dirty="0" err="1" smtClean="0">
+              <a:rPr lang="en-US" altLang="fr-FR" sz="2000" dirty="0" err="1">
                 <a:solidFill>
                   <a:srgbClr val="000000"/>
                 </a:solidFill>
@@ -16262,7 +16469,7 @@
               <a:t>comptes</a:t>
             </a:r>
             <a:r>
-              <a:rPr lang="en-US" altLang="fr-FR" sz="2000" dirty="0" smtClean="0">
+              <a:rPr lang="en-US" altLang="fr-FR" sz="2000" dirty="0">
                 <a:solidFill>
                   <a:srgbClr val="000000"/>
                 </a:solidFill>
@@ -16270,7 +16477,7 @@
               <a:t> </a:t>
             </a:r>
             <a:r>
-              <a:rPr lang="en-US" altLang="fr-FR" sz="2000" u="sng" dirty="0" err="1" smtClean="0">
+              <a:rPr lang="en-US" altLang="fr-FR" sz="2000" u="sng" dirty="0" err="1">
                 <a:solidFill>
                   <a:srgbClr val="000000"/>
                 </a:solidFill>
@@ -16278,7 +16485,7 @@
               <a:t>partagent</a:t>
             </a:r>
             <a:r>
-              <a:rPr lang="en-US" altLang="fr-FR" sz="2000" dirty="0" smtClean="0">
+              <a:rPr lang="en-US" altLang="fr-FR" sz="2000" dirty="0">
                 <a:solidFill>
                   <a:srgbClr val="000000"/>
                 </a:solidFill>
@@ -16286,7 +16493,7 @@
               <a:t> le </a:t>
             </a:r>
             <a:r>
-              <a:rPr lang="en-US" altLang="fr-FR" sz="2000" dirty="0" err="1" smtClean="0">
+              <a:rPr lang="en-US" altLang="fr-FR" sz="2000" dirty="0" err="1">
                 <a:solidFill>
                   <a:srgbClr val="000000"/>
                 </a:solidFill>
@@ -16294,7 +16501,7 @@
               <a:t>même</a:t>
             </a:r>
             <a:r>
-              <a:rPr lang="en-US" altLang="fr-FR" sz="2000" dirty="0" smtClean="0">
+              <a:rPr lang="en-US" altLang="fr-FR" sz="2000" dirty="0">
                 <a:solidFill>
                   <a:srgbClr val="000000"/>
                 </a:solidFill>
@@ -16302,7 +16509,7 @@
               <a:t> </a:t>
             </a:r>
             <a:r>
-              <a:rPr lang="en-US" altLang="fr-FR" sz="2000" dirty="0" err="1" smtClean="0">
+              <a:rPr lang="en-US" altLang="fr-FR" sz="2000" dirty="0" err="1">
                 <a:solidFill>
                   <a:srgbClr val="000000"/>
                 </a:solidFill>
@@ -16310,7 +16517,7 @@
               <a:t>taux</a:t>
             </a:r>
             <a:r>
-              <a:rPr lang="en-US" altLang="fr-FR" sz="2000" dirty="0" smtClean="0">
+              <a:rPr lang="en-US" altLang="fr-FR" sz="2000" dirty="0">
                 <a:solidFill>
                   <a:srgbClr val="000000"/>
                 </a:solidFill>
@@ -16318,7 +16525,7 @@
               <a:t> </a:t>
             </a:r>
             <a:r>
-              <a:rPr lang="en-US" altLang="fr-FR" sz="2000" dirty="0" err="1" smtClean="0">
+              <a:rPr lang="en-US" altLang="fr-FR" sz="2000" dirty="0" err="1">
                 <a:solidFill>
                   <a:srgbClr val="000000"/>
                 </a:solidFill>
@@ -16326,7 +16533,7 @@
               <a:t>d'intérêt</a:t>
             </a:r>
             <a:r>
-              <a:rPr lang="en-US" altLang="fr-FR" sz="2000" dirty="0" smtClean="0">
+              <a:rPr lang="en-US" altLang="fr-FR" sz="2000" dirty="0">
                 <a:solidFill>
                   <a:srgbClr val="000000"/>
                 </a:solidFill>
@@ -16334,11 +16541,11 @@
               <a:t>.</a:t>
             </a:r>
             <a:r>
-              <a:rPr lang="en-GB" altLang="fr-FR" sz="2000" dirty="0" smtClean="0"/>
+              <a:rPr lang="en-GB" altLang="fr-FR" sz="2000" dirty="0"/>
               <a:t> </a:t>
             </a:r>
             <a:r>
-              <a:rPr lang="en-US" altLang="fr-FR" sz="2000" dirty="0" smtClean="0">
+              <a:rPr lang="en-US" altLang="fr-FR" sz="2000" dirty="0">
                 <a:solidFill>
                   <a:srgbClr val="000000"/>
                 </a:solidFill>
@@ -16346,7 +16553,7 @@
               <a:t>Stocker le </a:t>
             </a:r>
             <a:r>
-              <a:rPr lang="en-US" altLang="fr-FR" sz="2000" dirty="0" err="1" smtClean="0">
+              <a:rPr lang="en-US" altLang="fr-FR" sz="2000" dirty="0" err="1">
                 <a:solidFill>
                   <a:srgbClr val="000000"/>
                 </a:solidFill>
@@ -16354,7 +16561,7 @@
               <a:t>taux</a:t>
             </a:r>
             <a:r>
-              <a:rPr lang="en-US" altLang="fr-FR" sz="2000" dirty="0" smtClean="0">
+              <a:rPr lang="en-US" altLang="fr-FR" sz="2000" dirty="0">
                 <a:solidFill>
                   <a:srgbClr val="000000"/>
                 </a:solidFill>
@@ -16362,7 +16569,7 @@
               <a:t> </a:t>
             </a:r>
             <a:r>
-              <a:rPr lang="en-US" altLang="fr-FR" sz="2000" dirty="0" err="1" smtClean="0">
+              <a:rPr lang="en-US" altLang="fr-FR" sz="2000" dirty="0" err="1">
                 <a:solidFill>
                   <a:srgbClr val="000000"/>
                 </a:solidFill>
@@ -16370,7 +16577,7 @@
               <a:t>d'intérêt</a:t>
             </a:r>
             <a:r>
-              <a:rPr lang="en-US" altLang="fr-FR" sz="2000" dirty="0" smtClean="0">
+              <a:rPr lang="en-US" altLang="fr-FR" sz="2000" dirty="0">
                 <a:solidFill>
                   <a:srgbClr val="000000"/>
                 </a:solidFill>
@@ -16378,7 +16585,7 @@
               <a:t> </a:t>
             </a:r>
             <a:r>
-              <a:rPr lang="en-US" altLang="fr-FR" sz="2000" dirty="0" err="1" smtClean="0">
+              <a:rPr lang="en-US" altLang="fr-FR" sz="2000" dirty="0" err="1">
                 <a:solidFill>
                   <a:srgbClr val="000000"/>
                 </a:solidFill>
@@ -16386,7 +16593,7 @@
               <a:t>dans</a:t>
             </a:r>
             <a:r>
-              <a:rPr lang="en-US" altLang="fr-FR" sz="2000" dirty="0" smtClean="0">
+              <a:rPr lang="en-US" altLang="fr-FR" sz="2000" dirty="0">
                 <a:solidFill>
                   <a:srgbClr val="000000"/>
                 </a:solidFill>
@@ -16394,7 +16601,7 @@
               <a:t> </a:t>
             </a:r>
             <a:r>
-              <a:rPr lang="en-US" altLang="fr-FR" sz="2000" dirty="0" err="1" smtClean="0">
+              <a:rPr lang="en-US" altLang="fr-FR" sz="2000" dirty="0" err="1">
                 <a:solidFill>
                   <a:srgbClr val="000000"/>
                 </a:solidFill>
@@ -16402,7 +16609,7 @@
               <a:t>chaque</a:t>
             </a:r>
             <a:r>
-              <a:rPr lang="en-US" altLang="fr-FR" sz="2000" dirty="0" smtClean="0">
+              <a:rPr lang="en-US" altLang="fr-FR" sz="2000" dirty="0">
                 <a:solidFill>
                   <a:srgbClr val="000000"/>
                 </a:solidFill>
@@ -16410,7 +16617,7 @@
               <a:t> </a:t>
             </a:r>
             <a:r>
-              <a:rPr lang="en-US" altLang="fr-FR" sz="2000" dirty="0" err="1" smtClean="0">
+              <a:rPr lang="en-US" altLang="fr-FR" sz="2000" dirty="0" err="1">
                 <a:solidFill>
                   <a:srgbClr val="000000"/>
                 </a:solidFill>
@@ -16418,7 +16625,7 @@
               <a:t>compte</a:t>
             </a:r>
             <a:r>
-              <a:rPr lang="en-US" altLang="fr-FR" sz="2000" dirty="0" smtClean="0">
+              <a:rPr lang="en-US" altLang="fr-FR" sz="2000" dirty="0">
                 <a:solidFill>
                   <a:srgbClr val="000000"/>
                 </a:solidFill>
@@ -16426,7 +16633,7 @@
               <a:t> </a:t>
             </a:r>
             <a:r>
-              <a:rPr lang="en-US" altLang="fr-FR" sz="2000" dirty="0" err="1" smtClean="0">
+              <a:rPr lang="en-US" altLang="fr-FR" sz="2000" dirty="0" err="1">
                 <a:solidFill>
                   <a:srgbClr val="000000"/>
                 </a:solidFill>
@@ -16434,7 +16641,7 @@
               <a:t>serait</a:t>
             </a:r>
             <a:r>
-              <a:rPr lang="en-US" altLang="fr-FR" sz="2000" dirty="0" smtClean="0">
+              <a:rPr lang="en-US" altLang="fr-FR" sz="2000" dirty="0">
                 <a:solidFill>
                   <a:srgbClr val="000000"/>
                 </a:solidFill>
@@ -16442,7 +16649,7 @@
               <a:t> </a:t>
             </a:r>
             <a:r>
-              <a:rPr lang="en-US" altLang="fr-FR" sz="2000" dirty="0" err="1" smtClean="0">
+              <a:rPr lang="en-US" altLang="fr-FR" sz="2000" dirty="0" err="1">
                 <a:solidFill>
                   <a:srgbClr val="000000"/>
                 </a:solidFill>
@@ -16450,7 +16657,7 @@
               <a:t>une</a:t>
             </a:r>
             <a:r>
-              <a:rPr lang="en-US" altLang="fr-FR" sz="2000" dirty="0" smtClean="0">
+              <a:rPr lang="en-US" altLang="fr-FR" sz="2000" dirty="0">
                 <a:solidFill>
                   <a:srgbClr val="000000"/>
                 </a:solidFill>
@@ -16458,7 +16665,7 @@
               <a:t> </a:t>
             </a:r>
             <a:r>
-              <a:rPr lang="en-US" altLang="fr-FR" sz="2000" dirty="0" err="1" smtClean="0">
+              <a:rPr lang="en-US" altLang="fr-FR" sz="2000" dirty="0" err="1">
                 <a:solidFill>
                   <a:srgbClr val="000000"/>
                 </a:solidFill>
@@ -16466,7 +16673,7 @@
               <a:t>mauvaise</a:t>
             </a:r>
             <a:r>
-              <a:rPr lang="en-US" altLang="fr-FR" sz="2000" dirty="0" smtClean="0">
+              <a:rPr lang="en-US" altLang="fr-FR" sz="2000" dirty="0">
                 <a:solidFill>
                   <a:srgbClr val="000000"/>
                 </a:solidFill>
@@ -16474,11 +16681,11 @@
               <a:t> idée.</a:t>
             </a:r>
             <a:r>
-              <a:rPr lang="en-GB" altLang="fr-FR" sz="2000" dirty="0" smtClean="0"/>
+              <a:rPr lang="en-GB" altLang="fr-FR" sz="2000" dirty="0"/>
               <a:t> </a:t>
             </a:r>
             <a:r>
-              <a:rPr lang="en-US" altLang="fr-FR" sz="2000" dirty="0" err="1" smtClean="0">
+              <a:rPr lang="en-US" altLang="fr-FR" sz="2000" dirty="0" err="1">
                 <a:solidFill>
                   <a:srgbClr val="000000"/>
                 </a:solidFill>
@@ -16486,14 +16693,14 @@
               <a:t>Pourquoi</a:t>
             </a:r>
             <a:r>
-              <a:rPr lang="en-US" altLang="fr-FR" sz="2000" dirty="0" smtClean="0">
+              <a:rPr lang="en-US" altLang="fr-FR" sz="2000" dirty="0">
                 <a:solidFill>
                   <a:srgbClr val="000000"/>
                 </a:solidFill>
               </a:rPr>
               <a:t> ?</a:t>
             </a:r>
-            <a:endParaRPr lang="en-GB" altLang="fr-FR" sz="2000" dirty="0" smtClean="0">
+            <a:endParaRPr lang="en-GB" altLang="fr-FR" sz="2000" dirty="0">
               <a:solidFill>
                 <a:srgbClr val="000000"/>
               </a:solidFill>
@@ -18216,7 +18423,7 @@
               <a:defRPr/>
             </a:pPr>
             <a:r>
-              <a:rPr lang="en-US" altLang="fr-FR" sz="4400" smtClean="0">
+              <a:rPr lang="en-US" altLang="fr-FR" sz="4400">
                 <a:solidFill>
                   <a:srgbClr val="FF0033"/>
                 </a:solidFill>
@@ -18389,7 +18596,7 @@
               <a:defRPr/>
             </a:pPr>
             <a:r>
-              <a:rPr lang="en-US" altLang="fr-FR" sz="4400" smtClean="0">
+              <a:rPr lang="en-US" altLang="fr-FR" sz="4400">
                 <a:solidFill>
                   <a:srgbClr val="FF0033"/>
                 </a:solidFill>
@@ -18415,13 +18622,6 @@
   <p:clrMapOvr>
     <a:masterClrMapping/>
   </p:clrMapOvr>
-  <p:timing>
-    <p:tnLst>
-      <p:par>
-        <p:cTn id="1" dur="indefinite" restart="never" nodeType="tmRoot"/>
-      </p:par>
-    </p:tnLst>
-  </p:timing>
 </p:sld>
 </file>
 
@@ -18458,10 +18658,9 @@
           <a:lstStyle/>
           <a:p>
             <a:r>
-              <a:rPr lang="fr-FR" dirty="0" smtClean="0"/>
+              <a:rPr lang="fr-FR" dirty="0"/>
               <a:t>Attributs statiques</a:t>
             </a:r>
-            <a:endParaRPr lang="fr-FR" dirty="0"/>
           </a:p>
         </p:txBody>
       </p:sp>
@@ -18481,28 +18680,28 @@
           <a:lstStyle/>
           <a:p>
             <a:r>
-              <a:rPr lang="fr-FR" dirty="0" smtClean="0"/>
+              <a:rPr lang="fr-FR" dirty="0"/>
               <a:t>En Python, les attributs statiques sont des variables de la classe</a:t>
             </a:r>
           </a:p>
           <a:p>
             <a:pPr lvl="1"/>
             <a:r>
-              <a:rPr lang="fr-FR" dirty="0" smtClean="0"/>
+              <a:rPr lang="fr-FR" dirty="0"/>
               <a:t>Pas de mot clé </a:t>
             </a:r>
             <a:r>
-              <a:rPr lang="fr-FR" dirty="0" err="1" smtClean="0"/>
+              <a:rPr lang="fr-FR" dirty="0" err="1"/>
               <a:t>static</a:t>
             </a:r>
             <a:r>
-              <a:rPr lang="fr-FR" dirty="0" smtClean="0"/>
+              <a:rPr lang="fr-FR" dirty="0"/>
               <a:t> contrairement à C#, C++ et Java</a:t>
             </a:r>
           </a:p>
           <a:p>
             <a:pPr lvl="1"/>
-            <a:endParaRPr lang="fr-FR" dirty="0" smtClean="0"/>
+            <a:endParaRPr lang="fr-FR" dirty="0"/>
           </a:p>
         </p:txBody>
       </p:sp>
@@ -18540,13 +18739,6 @@
   <p:clrMapOvr>
     <a:masterClrMapping/>
   </p:clrMapOvr>
-  <p:timing>
-    <p:tnLst>
-      <p:par>
-        <p:cTn id="1" dur="indefinite" restart="never" nodeType="tmRoot"/>
-      </p:par>
-    </p:tnLst>
-  </p:timing>
 </p:sld>
 </file>
 
@@ -18741,14 +18933,14 @@
           <a:lstStyle/>
           <a:p>
             <a:r>
-              <a:rPr lang="en-US" altLang="fr-FR" smtClean="0">
+              <a:rPr lang="en-US" altLang="fr-FR">
                 <a:solidFill>
                   <a:srgbClr val="000000"/>
                 </a:solidFill>
               </a:rPr>
               <a:t>Utilisation de méthodes statiques</a:t>
             </a:r>
-            <a:endParaRPr lang="en-GB" altLang="fr-FR" smtClean="0"/>
+            <a:endParaRPr lang="en-GB" altLang="fr-FR"/>
           </a:p>
         </p:txBody>
       </p:sp>
@@ -18773,7 +18965,7 @@
           <a:lstStyle/>
           <a:p>
             <a:r>
-              <a:rPr lang="en-US" altLang="fr-FR" sz="2400" dirty="0" smtClean="0">
+              <a:rPr lang="en-US" altLang="fr-FR" sz="2400" dirty="0">
                 <a:solidFill>
                   <a:srgbClr val="000000"/>
                 </a:solidFill>
@@ -18781,7 +18973,7 @@
               <a:t>Les </a:t>
             </a:r>
             <a:r>
-              <a:rPr lang="en-US" altLang="fr-FR" sz="2400" dirty="0" err="1" smtClean="0">
+              <a:rPr lang="en-US" altLang="fr-FR" sz="2400" dirty="0" err="1">
                 <a:solidFill>
                   <a:srgbClr val="000000"/>
                 </a:solidFill>
@@ -18789,7 +18981,7 @@
               <a:t>méthodes</a:t>
             </a:r>
             <a:r>
-              <a:rPr lang="en-US" altLang="fr-FR" sz="2400" dirty="0" smtClean="0">
+              <a:rPr lang="en-US" altLang="fr-FR" sz="2400" dirty="0">
                 <a:solidFill>
                   <a:srgbClr val="000000"/>
                 </a:solidFill>
@@ -18797,7 +18989,7 @@
               <a:t> </a:t>
             </a:r>
             <a:r>
-              <a:rPr lang="en-US" altLang="fr-FR" sz="2400" dirty="0" err="1" smtClean="0">
+              <a:rPr lang="en-US" altLang="fr-FR" sz="2400" dirty="0" err="1">
                 <a:solidFill>
                   <a:srgbClr val="000000"/>
                 </a:solidFill>
@@ -18805,7 +18997,7 @@
               <a:t>statiques</a:t>
             </a:r>
             <a:r>
-              <a:rPr lang="en-US" altLang="fr-FR" sz="2400" dirty="0" smtClean="0">
+              <a:rPr lang="en-US" altLang="fr-FR" sz="2400" dirty="0">
                 <a:solidFill>
                   <a:srgbClr val="000000"/>
                 </a:solidFill>
@@ -18813,7 +19005,7 @@
               <a:t> </a:t>
             </a:r>
             <a:r>
-              <a:rPr lang="en-US" altLang="fr-FR" sz="2400" dirty="0" err="1" smtClean="0">
+              <a:rPr lang="en-US" altLang="fr-FR" sz="2400" dirty="0" err="1">
                 <a:solidFill>
                   <a:srgbClr val="000000"/>
                 </a:solidFill>
@@ -18821,7 +19013,7 @@
               <a:t>peuvent</a:t>
             </a:r>
             <a:r>
-              <a:rPr lang="en-US" altLang="fr-FR" sz="2400" dirty="0" smtClean="0">
+              <a:rPr lang="en-US" altLang="fr-FR" sz="2400" dirty="0">
                 <a:solidFill>
                   <a:srgbClr val="000000"/>
                 </a:solidFill>
@@ -18829,7 +19021,7 @@
               <a:t> </a:t>
             </a:r>
             <a:r>
-              <a:rPr lang="en-US" altLang="fr-FR" sz="2400" dirty="0" err="1" smtClean="0">
+              <a:rPr lang="en-US" altLang="fr-FR" sz="2400" dirty="0" err="1">
                 <a:solidFill>
                   <a:srgbClr val="000000"/>
                 </a:solidFill>
@@ -18837,7 +19029,7 @@
               <a:t>uniquement</a:t>
             </a:r>
             <a:r>
-              <a:rPr lang="en-US" altLang="fr-FR" sz="2400" dirty="0" smtClean="0">
+              <a:rPr lang="en-US" altLang="fr-FR" sz="2400" dirty="0">
                 <a:solidFill>
                   <a:srgbClr val="000000"/>
                 </a:solidFill>
@@ -18845,7 +19037,7 @@
               <a:t> </a:t>
             </a:r>
             <a:r>
-              <a:rPr lang="en-US" altLang="fr-FR" sz="2400" dirty="0" err="1" smtClean="0">
+              <a:rPr lang="en-US" altLang="fr-FR" sz="2400" dirty="0" err="1">
                 <a:solidFill>
                   <a:srgbClr val="000000"/>
                 </a:solidFill>
@@ -18853,7 +19045,7 @@
               <a:t>accéder</a:t>
             </a:r>
             <a:r>
-              <a:rPr lang="en-US" altLang="fr-FR" sz="2400" dirty="0" smtClean="0">
+              <a:rPr lang="en-US" altLang="fr-FR" sz="2400" dirty="0">
                 <a:solidFill>
                   <a:srgbClr val="000000"/>
                 </a:solidFill>
@@ -18861,7 +19053,7 @@
               <a:t> aux </a:t>
             </a:r>
             <a:r>
-              <a:rPr lang="en-US" altLang="fr-FR" sz="2400" dirty="0" err="1" smtClean="0">
+              <a:rPr lang="en-US" altLang="fr-FR" sz="2400" dirty="0" err="1">
                 <a:solidFill>
                   <a:srgbClr val="000000"/>
                 </a:solidFill>
@@ -18869,7 +19061,7 @@
               <a:t>données</a:t>
             </a:r>
             <a:r>
-              <a:rPr lang="en-US" altLang="fr-FR" sz="2400" dirty="0" smtClean="0">
+              <a:rPr lang="en-US" altLang="fr-FR" sz="2400" dirty="0">
                 <a:solidFill>
                   <a:srgbClr val="000000"/>
                 </a:solidFill>
@@ -18877,19 +19069,19 @@
               <a:t> </a:t>
             </a:r>
             <a:r>
-              <a:rPr lang="en-US" altLang="fr-FR" sz="2400" dirty="0" err="1" smtClean="0">
+              <a:rPr lang="en-US" altLang="fr-FR" sz="2400" dirty="0" err="1">
                 <a:solidFill>
                   <a:srgbClr val="000000"/>
                 </a:solidFill>
               </a:rPr>
               <a:t>statiques</a:t>
             </a:r>
-            <a:endParaRPr lang="en-GB" altLang="fr-FR" sz="2400" dirty="0" smtClean="0"/>
+            <a:endParaRPr lang="en-GB" altLang="fr-FR" sz="2400" dirty="0"/>
           </a:p>
           <a:p>
             <a:pPr lvl="1"/>
             <a:r>
-              <a:rPr lang="en-US" altLang="fr-FR" sz="2000" dirty="0" err="1" smtClean="0">
+              <a:rPr lang="en-US" altLang="fr-FR" sz="2000" dirty="0" err="1">
                 <a:solidFill>
                   <a:srgbClr val="000000"/>
                 </a:solidFill>
@@ -18897,7 +19089,7 @@
               <a:t>Une</a:t>
             </a:r>
             <a:r>
-              <a:rPr lang="en-US" altLang="fr-FR" sz="2000" dirty="0" smtClean="0">
+              <a:rPr lang="en-US" altLang="fr-FR" sz="2000" dirty="0">
                 <a:solidFill>
                   <a:srgbClr val="000000"/>
                 </a:solidFill>
@@ -18905,7 +19097,7 @@
               <a:t> </a:t>
             </a:r>
             <a:r>
-              <a:rPr lang="en-US" altLang="fr-FR" sz="2000" dirty="0" err="1" smtClean="0">
+              <a:rPr lang="en-US" altLang="fr-FR" sz="2000" dirty="0" err="1">
                 <a:solidFill>
                   <a:srgbClr val="000000"/>
                 </a:solidFill>
@@ -18913,7 +19105,7 @@
               <a:t>méthode</a:t>
             </a:r>
             <a:r>
-              <a:rPr lang="en-US" altLang="fr-FR" sz="2000" dirty="0" smtClean="0">
+              <a:rPr lang="en-US" altLang="fr-FR" sz="2000" dirty="0">
                 <a:solidFill>
                   <a:srgbClr val="000000"/>
                 </a:solidFill>
@@ -18921,7 +19113,7 @@
               <a:t> </a:t>
             </a:r>
             <a:r>
-              <a:rPr lang="en-US" altLang="fr-FR" sz="2000" dirty="0" err="1" smtClean="0">
+              <a:rPr lang="en-US" altLang="fr-FR" sz="2000" dirty="0" err="1">
                 <a:solidFill>
                   <a:srgbClr val="000000"/>
                 </a:solidFill>
@@ -18929,7 +19121,7 @@
               <a:t>statique</a:t>
             </a:r>
             <a:r>
-              <a:rPr lang="en-US" altLang="fr-FR" sz="2000" dirty="0" smtClean="0">
+              <a:rPr lang="en-US" altLang="fr-FR" sz="2000" dirty="0">
                 <a:solidFill>
                   <a:srgbClr val="000000"/>
                 </a:solidFill>
@@ -18937,7 +19129,7 @@
               <a:t> </a:t>
             </a:r>
             <a:r>
-              <a:rPr lang="en-US" altLang="fr-FR" sz="2000" dirty="0" err="1" smtClean="0">
+              <a:rPr lang="en-US" altLang="fr-FR" sz="2000" dirty="0" err="1">
                 <a:solidFill>
                   <a:srgbClr val="000000"/>
                 </a:solidFill>
@@ -18945,7 +19137,7 @@
               <a:t>est</a:t>
             </a:r>
             <a:r>
-              <a:rPr lang="en-US" altLang="fr-FR" sz="2000" dirty="0" smtClean="0">
+              <a:rPr lang="en-US" altLang="fr-FR" sz="2000" dirty="0">
                 <a:solidFill>
                   <a:srgbClr val="000000"/>
                 </a:solidFill>
@@ -18953,7 +19145,7 @@
               <a:t> </a:t>
             </a:r>
             <a:r>
-              <a:rPr lang="en-US" altLang="fr-FR" sz="2000" dirty="0" err="1" smtClean="0">
+              <a:rPr lang="en-US" altLang="fr-FR" sz="2000" dirty="0" err="1">
                 <a:solidFill>
                   <a:srgbClr val="000000"/>
                 </a:solidFill>
@@ -18961,7 +19153,7 @@
               <a:t>appelée</a:t>
             </a:r>
             <a:r>
-              <a:rPr lang="en-US" altLang="fr-FR" sz="2000" dirty="0" smtClean="0">
+              <a:rPr lang="en-US" altLang="fr-FR" sz="2000" dirty="0">
                 <a:solidFill>
                   <a:srgbClr val="000000"/>
                 </a:solidFill>
@@ -18969,7 +19161,7 @@
               <a:t> sur la </a:t>
             </a:r>
             <a:r>
-              <a:rPr lang="en-US" altLang="fr-FR" sz="2000" dirty="0" err="1" smtClean="0">
+              <a:rPr lang="en-US" altLang="fr-FR" sz="2000" dirty="0" err="1">
                 <a:solidFill>
                   <a:srgbClr val="000000"/>
                 </a:solidFill>
@@ -18977,7 +19169,7 @@
               <a:t>classe</a:t>
             </a:r>
             <a:r>
-              <a:rPr lang="en-US" altLang="fr-FR" sz="2000" dirty="0" smtClean="0">
+              <a:rPr lang="en-US" altLang="fr-FR" sz="2000" dirty="0">
                 <a:solidFill>
                   <a:srgbClr val="000000"/>
                 </a:solidFill>
@@ -18985,14 +19177,14 @@
               <a:t>, </a:t>
             </a:r>
             <a:br>
-              <a:rPr lang="en-US" altLang="fr-FR" sz="2000" dirty="0" smtClean="0">
+              <a:rPr lang="en-US" altLang="fr-FR" sz="2000" dirty="0">
                 <a:solidFill>
                   <a:srgbClr val="000000"/>
                 </a:solidFill>
               </a:rPr>
             </a:br>
             <a:r>
-              <a:rPr lang="en-US" altLang="fr-FR" sz="2000" dirty="0" smtClean="0">
+              <a:rPr lang="en-US" altLang="fr-FR" sz="2000" dirty="0">
                 <a:solidFill>
                   <a:srgbClr val="000000"/>
                 </a:solidFill>
@@ -19000,14 +19192,14 @@
               <a:t>pas sur </a:t>
             </a:r>
             <a:r>
-              <a:rPr lang="en-US" altLang="fr-FR" sz="2000" dirty="0" err="1" smtClean="0">
+              <a:rPr lang="en-US" altLang="fr-FR" sz="2000" dirty="0" err="1">
                 <a:solidFill>
                   <a:srgbClr val="000000"/>
                 </a:solidFill>
               </a:rPr>
               <a:t>l'objet</a:t>
             </a:r>
-            <a:endParaRPr lang="en-GB" altLang="fr-FR" sz="2000" dirty="0" smtClean="0">
+            <a:endParaRPr lang="en-GB" altLang="fr-FR" sz="2000" dirty="0">
               <a:solidFill>
                 <a:srgbClr val="000000"/>
               </a:solidFill>
@@ -21168,7 +21360,7 @@
               <a:defRPr/>
             </a:pPr>
             <a:r>
-              <a:rPr lang="en-US" altLang="fr-FR" sz="4400" smtClean="0">
+              <a:rPr lang="en-US" altLang="fr-FR" sz="4400">
                 <a:solidFill>
                   <a:srgbClr val="FF0033"/>
                 </a:solidFill>
@@ -21443,7 +21635,7 @@
               <a:defRPr/>
             </a:pPr>
             <a:r>
-              <a:rPr lang="en-US" altLang="fr-FR" sz="4400" smtClean="0">
+              <a:rPr lang="en-US" altLang="fr-FR" sz="4400">
                 <a:solidFill>
                   <a:srgbClr val="FF0033"/>
                 </a:solidFill>
@@ -21620,7 +21812,7 @@
               <a:defRPr/>
             </a:pPr>
             <a:r>
-              <a:rPr lang="en-US" altLang="fr-FR" sz="3600" smtClean="0">
+              <a:rPr lang="en-US" altLang="fr-FR" sz="3600">
                 <a:solidFill>
                   <a:srgbClr val="FF3300"/>
                 </a:solidFill>
@@ -21646,13 +21838,6 @@
   <p:clrMapOvr>
     <a:masterClrMapping/>
   </p:clrMapOvr>
-  <p:timing>
-    <p:tnLst>
-      <p:par>
-        <p:cTn id="1" dur="indefinite" restart="never" nodeType="tmRoot"/>
-      </p:par>
-    </p:tnLst>
-  </p:timing>
 </p:sld>
 </file>
 
@@ -21847,14 +22032,14 @@
           <a:lstStyle/>
           <a:p>
             <a:r>
-              <a:rPr lang="en-US" altLang="fr-FR" smtClean="0">
+              <a:rPr lang="en-US" altLang="fr-FR">
                 <a:solidFill>
                   <a:srgbClr val="000000"/>
                 </a:solidFill>
               </a:rPr>
               <a:t>Qu'est-ce qu'un objet ?</a:t>
             </a:r>
-            <a:endParaRPr lang="en-GB" altLang="fr-FR" smtClean="0"/>
+            <a:endParaRPr lang="en-GB" altLang="fr-FR"/>
           </a:p>
         </p:txBody>
       </p:sp>
@@ -21879,30 +22064,30 @@
           <a:lstStyle/>
           <a:p>
             <a:r>
-              <a:rPr lang="en-US" altLang="fr-FR" smtClean="0">
+              <a:rPr lang="en-US" altLang="fr-FR">
                 <a:solidFill>
                   <a:srgbClr val="000000"/>
                 </a:solidFill>
               </a:rPr>
               <a:t>Un objet est une instance d'une classe</a:t>
             </a:r>
-            <a:endParaRPr lang="en-GB" altLang="fr-FR" smtClean="0"/>
+            <a:endParaRPr lang="en-GB" altLang="fr-FR"/>
           </a:p>
           <a:p>
             <a:r>
-              <a:rPr lang="en-US" altLang="fr-FR" smtClean="0">
+              <a:rPr lang="en-US" altLang="fr-FR">
                 <a:solidFill>
                   <a:srgbClr val="000000"/>
                 </a:solidFill>
               </a:rPr>
               <a:t>Les objets ont :</a:t>
             </a:r>
-            <a:endParaRPr lang="en-GB" altLang="fr-FR" smtClean="0"/>
+            <a:endParaRPr lang="en-GB" altLang="fr-FR"/>
           </a:p>
           <a:p>
             <a:pPr lvl="1"/>
             <a:r>
-              <a:rPr lang="en-US" altLang="fr-FR" smtClean="0">
+              <a:rPr lang="en-US" altLang="fr-FR">
                 <a:solidFill>
                   <a:srgbClr val="000000"/>
                 </a:solidFill>
@@ -21910,11 +22095,11 @@
               <a:t>Une identité :</a:t>
             </a:r>
             <a:r>
-              <a:rPr lang="en-GB" altLang="fr-FR" smtClean="0"/>
+              <a:rPr lang="en-GB" altLang="fr-FR"/>
               <a:t> </a:t>
             </a:r>
             <a:r>
-              <a:rPr lang="fr-FR" altLang="fr-FR" smtClean="0">
+              <a:rPr lang="fr-FR" altLang="fr-FR">
                 <a:solidFill>
                   <a:srgbClr val="000000"/>
                 </a:solidFill>
@@ -21922,19 +22107,19 @@
               <a:t>ils </a:t>
             </a:r>
             <a:r>
-              <a:rPr lang="en-US" altLang="fr-FR" smtClean="0">
+              <a:rPr lang="en-US" altLang="fr-FR">
                 <a:solidFill>
                   <a:srgbClr val="000000"/>
                 </a:solidFill>
               </a:rPr>
               <a:t>sont reconnaissables les uns des autres</a:t>
             </a:r>
-            <a:endParaRPr lang="en-GB" altLang="fr-FR" smtClean="0"/>
+            <a:endParaRPr lang="en-GB" altLang="fr-FR"/>
           </a:p>
           <a:p>
             <a:pPr lvl="1"/>
             <a:r>
-              <a:rPr lang="en-US" altLang="fr-FR" smtClean="0">
+              <a:rPr lang="en-US" altLang="fr-FR">
                 <a:solidFill>
                   <a:srgbClr val="000000"/>
                 </a:solidFill>
@@ -21942,11 +22127,11 @@
               <a:t>Un comportement :</a:t>
             </a:r>
             <a:r>
-              <a:rPr lang="en-GB" altLang="fr-FR" smtClean="0"/>
+              <a:rPr lang="en-GB" altLang="fr-FR"/>
               <a:t> </a:t>
             </a:r>
             <a:r>
-              <a:rPr lang="fr-FR" altLang="fr-FR" smtClean="0">
+              <a:rPr lang="fr-FR" altLang="fr-FR">
                 <a:solidFill>
                   <a:srgbClr val="000000"/>
                 </a:solidFill>
@@ -21954,19 +22139,19 @@
               <a:t>ils </a:t>
             </a:r>
             <a:r>
-              <a:rPr lang="en-US" altLang="fr-FR" smtClean="0">
+              <a:rPr lang="en-US" altLang="fr-FR">
                 <a:solidFill>
                   <a:srgbClr val="000000"/>
                 </a:solidFill>
               </a:rPr>
               <a:t>peuvent réaliser des tâches</a:t>
             </a:r>
-            <a:endParaRPr lang="en-GB" altLang="fr-FR" smtClean="0"/>
+            <a:endParaRPr lang="en-GB" altLang="fr-FR"/>
           </a:p>
           <a:p>
             <a:pPr lvl="1"/>
             <a:r>
-              <a:rPr lang="en-US" altLang="fr-FR" smtClean="0">
+              <a:rPr lang="en-US" altLang="fr-FR">
                 <a:solidFill>
                   <a:srgbClr val="000000"/>
                 </a:solidFill>
@@ -21974,11 +22159,11 @@
               <a:t>Un état :</a:t>
             </a:r>
             <a:r>
-              <a:rPr lang="en-GB" altLang="fr-FR" smtClean="0"/>
+              <a:rPr lang="en-GB" altLang="fr-FR"/>
               <a:t> </a:t>
             </a:r>
             <a:r>
-              <a:rPr lang="fr-FR" altLang="fr-FR" smtClean="0">
+              <a:rPr lang="fr-FR" altLang="fr-FR">
                 <a:solidFill>
                   <a:srgbClr val="000000"/>
                 </a:solidFill>
@@ -21986,14 +22171,14 @@
               <a:t>ils </a:t>
             </a:r>
             <a:r>
-              <a:rPr lang="en-US" altLang="fr-FR" smtClean="0">
+              <a:rPr lang="en-US" altLang="fr-FR">
                 <a:solidFill>
                   <a:srgbClr val="000000"/>
                 </a:solidFill>
               </a:rPr>
               <a:t>stockent des informations</a:t>
             </a:r>
-            <a:endParaRPr lang="en-GB" altLang="fr-FR" smtClean="0">
+            <a:endParaRPr lang="en-GB" altLang="fr-FR">
               <a:solidFill>
                 <a:srgbClr val="000000"/>
               </a:solidFill>
@@ -22203,13 +22388,6 @@
   <p:clrMapOvr>
     <a:masterClrMapping/>
   </p:clrMapOvr>
-  <p:timing>
-    <p:tnLst>
-      <p:par>
-        <p:cTn id="1" dur="indefinite" restart="never" nodeType="tmRoot"/>
-      </p:par>
-    </p:tnLst>
-  </p:timing>
 </p:sld>
 </file>
 
@@ -22246,10 +22424,9 @@
           <a:lstStyle/>
           <a:p>
             <a:r>
-              <a:rPr lang="fr-FR" dirty="0" smtClean="0"/>
+              <a:rPr lang="fr-FR" dirty="0"/>
               <a:t>Méthodes statiques</a:t>
             </a:r>
-            <a:endParaRPr lang="fr-FR" dirty="0"/>
           </a:p>
         </p:txBody>
       </p:sp>
@@ -22269,42 +22446,42 @@
           <a:lstStyle/>
           <a:p>
             <a:r>
-              <a:rPr lang="fr-FR" dirty="0" smtClean="0"/>
+              <a:rPr lang="fr-FR" dirty="0"/>
               <a:t>En Python, les méthodes statiques sont des méthodes de la classe sans self</a:t>
             </a:r>
           </a:p>
           <a:p>
             <a:pPr lvl="1"/>
             <a:r>
-              <a:rPr lang="fr-FR" dirty="0" smtClean="0"/>
+              <a:rPr lang="fr-FR" dirty="0"/>
               <a:t>Décoration @</a:t>
             </a:r>
             <a:r>
-              <a:rPr lang="fr-FR" dirty="0" err="1" smtClean="0"/>
+              <a:rPr lang="fr-FR" dirty="0" err="1"/>
               <a:t>staticmethod</a:t>
             </a:r>
             <a:r>
-              <a:rPr lang="fr-FR" dirty="0" smtClean="0"/>
+              <a:rPr lang="fr-FR" dirty="0"/>
               <a:t> ou @</a:t>
             </a:r>
             <a:r>
-              <a:rPr lang="fr-FR" dirty="0" err="1" smtClean="0"/>
+              <a:rPr lang="fr-FR" dirty="0" err="1"/>
               <a:t>classmethod</a:t>
             </a:r>
-            <a:endParaRPr lang="fr-FR" dirty="0" smtClean="0"/>
+            <a:endParaRPr lang="fr-FR" dirty="0"/>
           </a:p>
           <a:p>
             <a:pPr lvl="1"/>
             <a:r>
-              <a:rPr lang="fr-FR" dirty="0" smtClean="0"/>
+              <a:rPr lang="fr-FR" dirty="0"/>
               <a:t>@</a:t>
             </a:r>
             <a:r>
-              <a:rPr lang="fr-FR" dirty="0" err="1" smtClean="0"/>
+              <a:rPr lang="fr-FR" dirty="0" err="1"/>
               <a:t>classmethod</a:t>
             </a:r>
             <a:r>
-              <a:rPr lang="fr-FR" dirty="0" smtClean="0"/>
+              <a:rPr lang="fr-FR" dirty="0"/>
               <a:t> prend comme premier argument la classe</a:t>
             </a:r>
           </a:p>
@@ -22344,13 +22521,6 @@
   <p:clrMapOvr>
     <a:masterClrMapping/>
   </p:clrMapOvr>
-  <p:timing>
-    <p:tnLst>
-      <p:par>
-        <p:cTn id="1" dur="indefinite" restart="never" nodeType="tmRoot"/>
-      </p:par>
-    </p:tnLst>
-  </p:timing>
 </p:sld>
 </file>
 
@@ -22387,7 +22557,7 @@
           <a:lstStyle/>
           <a:p>
             <a:r>
-              <a:rPr lang="fr-FR" dirty="0" err="1" smtClean="0"/>
+              <a:rPr lang="fr-FR" dirty="0" err="1"/>
               <a:t>Enum</a:t>
             </a:r>
             <a:endParaRPr lang="fr-FR" dirty="0"/>
@@ -22410,14 +22580,14 @@
           <a:lstStyle/>
           <a:p>
             <a:r>
-              <a:rPr lang="fr-FR" dirty="0" smtClean="0"/>
+              <a:rPr lang="fr-FR" dirty="0"/>
               <a:t>Enumération de valeurs</a:t>
             </a:r>
           </a:p>
           <a:p>
             <a:pPr lvl="1"/>
             <a:r>
-              <a:rPr lang="fr-FR" dirty="0" smtClean="0"/>
+              <a:rPr lang="fr-FR" dirty="0"/>
               <a:t>Python 3.4</a:t>
             </a:r>
           </a:p>
@@ -22461,13 +22631,6 @@
   <p:clrMapOvr>
     <a:masterClrMapping/>
   </p:clrMapOvr>
-  <p:timing>
-    <p:tnLst>
-      <p:par>
-        <p:cTn id="1" dur="indefinite" restart="never" nodeType="tmRoot"/>
-      </p:par>
-    </p:tnLst>
-  </p:timing>
 </p:sld>
 </file>
 
@@ -22504,10 +22667,9 @@
           <a:lstStyle/>
           <a:p>
             <a:r>
-              <a:rPr lang="fr-FR" dirty="0" smtClean="0"/>
+              <a:rPr lang="fr-FR" dirty="0"/>
               <a:t>Associations</a:t>
             </a:r>
-            <a:endParaRPr lang="fr-FR" dirty="0"/>
           </a:p>
         </p:txBody>
       </p:sp>
@@ -22527,37 +22689,37 @@
           <a:lstStyle/>
           <a:p>
             <a:r>
-              <a:rPr lang="fr-FR" dirty="0" smtClean="0"/>
+              <a:rPr lang="fr-FR" dirty="0"/>
               <a:t>Les classes peuvent être liées par association</a:t>
             </a:r>
           </a:p>
           <a:p>
             <a:r>
-              <a:rPr lang="fr-FR" dirty="0" smtClean="0"/>
+              <a:rPr lang="fr-FR" dirty="0"/>
               <a:t>Relation 1</a:t>
             </a:r>
           </a:p>
           <a:p>
             <a:pPr lvl="1"/>
             <a:r>
-              <a:rPr lang="fr-FR" dirty="0" smtClean="0"/>
+              <a:rPr lang="fr-FR" dirty="0"/>
               <a:t>Attribut du type de la classe lié</a:t>
             </a:r>
           </a:p>
           <a:p>
             <a:r>
-              <a:rPr lang="fr-FR" dirty="0" smtClean="0"/>
+              <a:rPr lang="fr-FR" dirty="0"/>
               <a:t>Relation *</a:t>
             </a:r>
           </a:p>
           <a:p>
             <a:pPr lvl="1"/>
             <a:r>
-              <a:rPr lang="fr-FR" dirty="0" smtClean="0"/>
+              <a:rPr lang="fr-FR" dirty="0"/>
               <a:t>Attribut du type </a:t>
             </a:r>
             <a:r>
-              <a:rPr lang="fr-FR" dirty="0" err="1" smtClean="0"/>
+              <a:rPr lang="fr-FR" dirty="0" err="1"/>
               <a:t>list</a:t>
             </a:r>
             <a:endParaRPr lang="fr-FR" dirty="0"/>
@@ -22574,13 +22736,6 @@
   <p:clrMapOvr>
     <a:masterClrMapping/>
   </p:clrMapOvr>
-  <p:timing>
-    <p:tnLst>
-      <p:par>
-        <p:cTn id="1" dur="indefinite" restart="never" nodeType="tmRoot"/>
-      </p:par>
-    </p:tnLst>
-  </p:timing>
 </p:sld>
 </file>
 
@@ -22617,10 +22772,9 @@
           <a:lstStyle/>
           <a:p>
             <a:r>
-              <a:rPr lang="fr-FR" dirty="0" smtClean="0"/>
+              <a:rPr lang="fr-FR" dirty="0"/>
               <a:t>Annotations des types complexe</a:t>
             </a:r>
-            <a:endParaRPr lang="fr-FR" dirty="0"/>
           </a:p>
         </p:txBody>
       </p:sp>
@@ -22640,85 +22794,85 @@
           <a:lstStyle/>
           <a:p>
             <a:r>
-              <a:rPr lang="fr-FR" dirty="0" smtClean="0"/>
+              <a:rPr lang="fr-FR" dirty="0"/>
               <a:t>Nouveau en Python 3.6</a:t>
             </a:r>
           </a:p>
           <a:p>
             <a:r>
-              <a:rPr lang="fr-FR" dirty="0" smtClean="0"/>
+              <a:rPr lang="fr-FR" dirty="0"/>
               <a:t>Possibilité de typer les types complexes</a:t>
             </a:r>
           </a:p>
           <a:p>
             <a:pPr lvl="1"/>
             <a:r>
-              <a:rPr lang="fr-FR" dirty="0" err="1" smtClean="0"/>
+              <a:rPr lang="fr-FR" dirty="0" err="1"/>
               <a:t>my_list</a:t>
             </a:r>
             <a:r>
-              <a:rPr lang="fr-FR" dirty="0" smtClean="0"/>
+              <a:rPr lang="fr-FR" dirty="0"/>
               <a:t> : List[</a:t>
             </a:r>
             <a:r>
-              <a:rPr lang="fr-FR" dirty="0" err="1" smtClean="0"/>
+              <a:rPr lang="fr-FR" dirty="0" err="1"/>
               <a:t>int</a:t>
             </a:r>
             <a:r>
-              <a:rPr lang="fr-FR" dirty="0" smtClean="0"/>
+              <a:rPr lang="fr-FR" dirty="0"/>
               <a:t>] = []</a:t>
             </a:r>
           </a:p>
           <a:p>
             <a:pPr lvl="1"/>
             <a:r>
-              <a:rPr lang="fr-FR" dirty="0" err="1" smtClean="0"/>
+              <a:rPr lang="fr-FR" dirty="0" err="1"/>
               <a:t>m</a:t>
             </a:r>
             <a:r>
-              <a:rPr lang="fr-FR" smtClean="0"/>
+              <a:rPr lang="fr-FR"/>
               <a:t>y_dict</a:t>
             </a:r>
             <a:r>
-              <a:rPr lang="fr-FR" dirty="0" smtClean="0"/>
+              <a:rPr lang="fr-FR" dirty="0"/>
               <a:t> = </a:t>
             </a:r>
             <a:r>
-              <a:rPr lang="fr-FR" dirty="0" err="1" smtClean="0"/>
+              <a:rPr lang="fr-FR" dirty="0" err="1"/>
               <a:t>Dict</a:t>
             </a:r>
             <a:r>
-              <a:rPr lang="fr-FR" dirty="0" smtClean="0"/>
+              <a:rPr lang="fr-FR" dirty="0"/>
               <a:t>[</a:t>
             </a:r>
             <a:r>
-              <a:rPr lang="fr-FR" dirty="0" err="1" smtClean="0"/>
+              <a:rPr lang="fr-FR" dirty="0" err="1"/>
               <a:t>str</a:t>
             </a:r>
             <a:r>
-              <a:rPr lang="fr-FR" dirty="0" smtClean="0"/>
+              <a:rPr lang="fr-FR" dirty="0"/>
               <a:t>, </a:t>
             </a:r>
             <a:r>
-              <a:rPr lang="fr-FR" dirty="0" err="1" smtClean="0"/>
+              <a:rPr lang="fr-FR" dirty="0" err="1"/>
               <a:t>int</a:t>
             </a:r>
             <a:r>
-              <a:rPr lang="fr-FR" dirty="0" smtClean="0"/>
+              <a:rPr lang="fr-FR" dirty="0"/>
               <a:t>] = {}</a:t>
             </a:r>
           </a:p>
           <a:p>
             <a:pPr lvl="1"/>
             <a:r>
-              <a:rPr lang="fr-FR" dirty="0" smtClean="0"/>
+              <a:rPr lang="fr-FR" dirty="0"/>
               <a:t>Il ne s’agit pas d’un typage fort</a:t>
             </a:r>
           </a:p>
           <a:p>
             <a:pPr lvl="1"/>
             <a:r>
-              <a:rPr lang="fr-FR" dirty="0" smtClean="0"/>
+              <a:rPr lang="fr-FR" dirty="0"/>
               <a:t>C’est juste une annotation</a:t>
             </a:r>
           </a:p>
@@ -22726,11 +22880,7 @@
             <a:pPr lvl="1"/>
             <a:r>
               <a:rPr lang="fr-FR" dirty="0"/>
-              <a:t>P</a:t>
-            </a:r>
-            <a:r>
-              <a:rPr lang="fr-FR" dirty="0" smtClean="0"/>
-              <a:t>eut pas s’utiliser avec une initialisation</a:t>
+              <a:t>Peut pas s’utiliser avec une initialisation</a:t>
             </a:r>
           </a:p>
           <a:p>
@@ -22749,13 +22899,6 @@
   <p:clrMapOvr>
     <a:masterClrMapping/>
   </p:clrMapOvr>
-  <p:timing>
-    <p:tnLst>
-      <p:par>
-        <p:cTn id="1" dur="indefinite" restart="never" nodeType="tmRoot"/>
-      </p:par>
-    </p:tnLst>
-  </p:timing>
 </p:sld>
 </file>
 
@@ -22792,10 +22935,9 @@
           <a:lstStyle/>
           <a:p>
             <a:r>
-              <a:rPr lang="fr-FR" dirty="0" smtClean="0"/>
+              <a:rPr lang="fr-FR" dirty="0"/>
               <a:t>Qualité du code</a:t>
             </a:r>
-            <a:endParaRPr lang="fr-FR" dirty="0"/>
           </a:p>
         </p:txBody>
       </p:sp>
@@ -22815,37 +22957,37 @@
           <a:lstStyle/>
           <a:p>
             <a:r>
-              <a:rPr lang="fr-FR" smtClean="0"/>
+              <a:rPr lang="fr-FR"/>
               <a:t>Faut il </a:t>
             </a:r>
             <a:r>
-              <a:rPr lang="fr-FR" dirty="0" smtClean="0"/>
+              <a:rPr lang="fr-FR" dirty="0"/>
               <a:t>passer par les propriétés et attributs privés ?</a:t>
             </a:r>
           </a:p>
           <a:p>
             <a:r>
-              <a:rPr lang="fr-FR" dirty="0" smtClean="0"/>
+              <a:rPr lang="fr-FR" dirty="0"/>
               <a:t>Peut on programmer avec des attributs publiques ?</a:t>
             </a:r>
           </a:p>
           <a:p>
             <a:r>
-              <a:rPr lang="fr-FR" dirty="0" smtClean="0"/>
+              <a:rPr lang="fr-FR" dirty="0"/>
               <a:t>Peut on se passer du __</a:t>
             </a:r>
             <a:r>
-              <a:rPr lang="fr-FR" dirty="0" err="1" smtClean="0"/>
+              <a:rPr lang="fr-FR" dirty="0" err="1"/>
               <a:t>init</a:t>
             </a:r>
             <a:r>
-              <a:rPr lang="fr-FR" dirty="0" smtClean="0"/>
+              <a:rPr lang="fr-FR" dirty="0"/>
               <a:t>__ ?</a:t>
             </a:r>
           </a:p>
           <a:p>
             <a:r>
-              <a:rPr lang="fr-FR" dirty="0" smtClean="0"/>
+              <a:rPr lang="fr-FR" dirty="0"/>
               <a:t>Peut on programmer uniquement par prototypage ?</a:t>
             </a:r>
           </a:p>
@@ -22864,13 +23006,6 @@
   <p:clrMapOvr>
     <a:masterClrMapping/>
   </p:clrMapOvr>
-  <p:timing>
-    <p:tnLst>
-      <p:par>
-        <p:cTn id="1" dur="indefinite" restart="never" nodeType="tmRoot"/>
-      </p:par>
-    </p:tnLst>
-  </p:timing>
 </p:sld>
 </file>
 
@@ -22907,14 +23042,14 @@
           <a:lstStyle/>
           <a:p>
             <a:r>
-              <a:rPr lang="en-US" altLang="fr-FR" smtClean="0">
+              <a:rPr lang="en-US" altLang="fr-FR">
                 <a:solidFill>
                   <a:srgbClr val="000000"/>
                 </a:solidFill>
               </a:rPr>
               <a:t>Qu'est-ce qu'une classe ?</a:t>
             </a:r>
-            <a:endParaRPr lang="en-GB" altLang="fr-FR" smtClean="0"/>
+            <a:endParaRPr lang="en-GB" altLang="fr-FR"/>
           </a:p>
         </p:txBody>
       </p:sp>
@@ -22944,14 +23079,14 @@
               </a:lnSpc>
             </a:pPr>
             <a:r>
-              <a:rPr lang="en-US" altLang="fr-FR" sz="2200" smtClean="0">
+              <a:rPr lang="en-US" altLang="fr-FR" sz="2200">
                 <a:solidFill>
                   <a:srgbClr val="000000"/>
                 </a:solidFill>
               </a:rPr>
               <a:t>Pour le philosophe…</a:t>
             </a:r>
-            <a:endParaRPr lang="en-GB" altLang="fr-FR" sz="2200" smtClean="0"/>
+            <a:endParaRPr lang="en-GB" altLang="fr-FR" sz="2200"/>
           </a:p>
           <a:p>
             <a:pPr lvl="1">
@@ -22960,7 +23095,7 @@
               </a:lnSpc>
             </a:pPr>
             <a:r>
-              <a:rPr lang="en-US" altLang="fr-FR" sz="2200" smtClean="0">
+              <a:rPr lang="en-US" altLang="fr-FR" sz="2200">
                 <a:solidFill>
                   <a:srgbClr val="000000"/>
                 </a:solidFill>
@@ -22968,7 +23103,7 @@
               <a:t>Un artéfact de la </a:t>
             </a:r>
             <a:r>
-              <a:rPr lang="en-US" altLang="fr-FR" sz="2200" i="1" smtClean="0">
+              <a:rPr lang="en-US" altLang="fr-FR" sz="2200" i="1">
                 <a:solidFill>
                   <a:srgbClr val="000000"/>
                 </a:solidFill>
@@ -22976,14 +23111,14 @@
               <a:t>class</a:t>
             </a:r>
             <a:r>
-              <a:rPr lang="en-US" altLang="fr-FR" sz="2200" smtClean="0">
+              <a:rPr lang="en-US" altLang="fr-FR" sz="2200">
                 <a:solidFill>
                   <a:srgbClr val="000000"/>
                 </a:solidFill>
               </a:rPr>
               <a:t>ification humaine !</a:t>
             </a:r>
-            <a:endParaRPr lang="en-GB" altLang="fr-FR" sz="2200" smtClean="0"/>
+            <a:endParaRPr lang="en-GB" altLang="fr-FR" sz="2200"/>
           </a:p>
           <a:p>
             <a:pPr lvl="1">
@@ -22992,7 +23127,7 @@
               </a:lnSpc>
             </a:pPr>
             <a:r>
-              <a:rPr lang="en-US" altLang="fr-FR" sz="2200" smtClean="0">
+              <a:rPr lang="en-US" altLang="fr-FR" sz="2200">
                 <a:solidFill>
                   <a:srgbClr val="000000"/>
                 </a:solidFill>
@@ -23000,7 +23135,7 @@
               <a:t>Une </a:t>
             </a:r>
             <a:r>
-              <a:rPr lang="en-US" altLang="fr-FR" sz="2200" i="1" smtClean="0">
+              <a:rPr lang="en-US" altLang="fr-FR" sz="2200" i="1">
                 <a:solidFill>
                   <a:srgbClr val="000000"/>
                 </a:solidFill>
@@ -23008,7 +23143,7 @@
               <a:t>class</a:t>
             </a:r>
             <a:r>
-              <a:rPr lang="en-US" altLang="fr-FR" sz="2200" smtClean="0">
+              <a:rPr lang="en-US" altLang="fr-FR" sz="2200">
                 <a:solidFill>
                   <a:srgbClr val="000000"/>
                 </a:solidFill>
@@ -23016,21 +23151,21 @@
               <a:t>ification en fonction d'un </a:t>
             </a:r>
             <a:br>
-              <a:rPr lang="en-US" altLang="fr-FR" sz="2200" smtClean="0">
+              <a:rPr lang="en-US" altLang="fr-FR" sz="2200">
                 <a:solidFill>
                   <a:srgbClr val="000000"/>
                 </a:solidFill>
               </a:rPr>
             </a:br>
             <a:r>
-              <a:rPr lang="en-US" altLang="fr-FR" sz="2200" smtClean="0">
+              <a:rPr lang="en-US" altLang="fr-FR" sz="2200">
                 <a:solidFill>
                   <a:srgbClr val="000000"/>
                 </a:solidFill>
               </a:rPr>
               <a:t>comportement ou d'attributs communs</a:t>
             </a:r>
-            <a:endParaRPr lang="en-GB" altLang="fr-FR" sz="2200" smtClean="0"/>
+            <a:endParaRPr lang="en-GB" altLang="fr-FR" sz="2200"/>
           </a:p>
           <a:p>
             <a:pPr lvl="1">
@@ -23039,7 +23174,7 @@
               </a:lnSpc>
             </a:pPr>
             <a:r>
-              <a:rPr lang="en-US" altLang="fr-FR" sz="2200" smtClean="0">
+              <a:rPr lang="en-US" altLang="fr-FR" sz="2200">
                 <a:solidFill>
                   <a:srgbClr val="000000"/>
                 </a:solidFill>
@@ -23047,14 +23182,14 @@
               <a:t>Un accord portant sur les descriptions et les noms </a:t>
             </a:r>
             <a:br>
-              <a:rPr lang="en-US" altLang="fr-FR" sz="2200" smtClean="0">
+              <a:rPr lang="en-US" altLang="fr-FR" sz="2200">
                 <a:solidFill>
                   <a:srgbClr val="000000"/>
                 </a:solidFill>
               </a:rPr>
             </a:br>
             <a:r>
-              <a:rPr lang="en-US" altLang="fr-FR" sz="2200" smtClean="0">
+              <a:rPr lang="en-US" altLang="fr-FR" sz="2200">
                 <a:solidFill>
                   <a:srgbClr val="000000"/>
                 </a:solidFill>
@@ -23062,7 +23197,7 @@
               <a:t>des </a:t>
             </a:r>
             <a:r>
-              <a:rPr lang="en-US" altLang="fr-FR" sz="2200" i="1" smtClean="0">
+              <a:rPr lang="en-US" altLang="fr-FR" sz="2200" i="1">
                 <a:solidFill>
                   <a:srgbClr val="000000"/>
                 </a:solidFill>
@@ -23070,14 +23205,14 @@
               <a:t>class</a:t>
             </a:r>
             <a:r>
-              <a:rPr lang="en-US" altLang="fr-FR" sz="2200" smtClean="0">
+              <a:rPr lang="en-US" altLang="fr-FR" sz="2200">
                 <a:solidFill>
                   <a:srgbClr val="000000"/>
                 </a:solidFill>
               </a:rPr>
               <a:t>es utiles</a:t>
             </a:r>
-            <a:endParaRPr lang="en-GB" altLang="fr-FR" sz="2200" smtClean="0"/>
+            <a:endParaRPr lang="en-GB" altLang="fr-FR" sz="2200"/>
           </a:p>
           <a:p>
             <a:pPr lvl="1">
@@ -23086,7 +23221,7 @@
               </a:lnSpc>
             </a:pPr>
             <a:r>
-              <a:rPr lang="en-US" altLang="fr-FR" sz="2200" smtClean="0">
+              <a:rPr lang="en-US" altLang="fr-FR" sz="2200">
                 <a:solidFill>
                   <a:srgbClr val="000000"/>
                 </a:solidFill>
@@ -23094,21 +23229,21 @@
               <a:t>La création d'un vocabulaire ; nous communiquons ; </a:t>
             </a:r>
             <a:br>
-              <a:rPr lang="en-US" altLang="fr-FR" sz="2200" smtClean="0">
+              <a:rPr lang="en-US" altLang="fr-FR" sz="2200">
                 <a:solidFill>
                   <a:srgbClr val="000000"/>
                 </a:solidFill>
               </a:rPr>
             </a:br>
             <a:r>
-              <a:rPr lang="en-US" altLang="fr-FR" sz="2200" smtClean="0">
+              <a:rPr lang="en-US" altLang="fr-FR" sz="2200">
                 <a:solidFill>
                   <a:srgbClr val="000000"/>
                 </a:solidFill>
               </a:rPr>
               <a:t>nous pensons !</a:t>
             </a:r>
-            <a:endParaRPr lang="en-GB" altLang="fr-FR" sz="2200" smtClean="0"/>
+            <a:endParaRPr lang="en-GB" altLang="fr-FR" sz="2200"/>
           </a:p>
           <a:p>
             <a:pPr>
@@ -23117,14 +23252,14 @@
               </a:lnSpc>
             </a:pPr>
             <a:r>
-              <a:rPr lang="en-US" altLang="fr-FR" sz="2200" smtClean="0">
+              <a:rPr lang="en-US" altLang="fr-FR" sz="2200">
                 <a:solidFill>
                   <a:srgbClr val="000000"/>
                 </a:solidFill>
               </a:rPr>
               <a:t>Pour le programmeur orienté objet…</a:t>
             </a:r>
-            <a:endParaRPr lang="en-GB" altLang="fr-FR" sz="2200" smtClean="0"/>
+            <a:endParaRPr lang="en-GB" altLang="fr-FR" sz="2200"/>
           </a:p>
           <a:p>
             <a:pPr lvl="1">
@@ -23133,7 +23268,7 @@
               </a:lnSpc>
             </a:pPr>
             <a:r>
-              <a:rPr lang="en-US" altLang="fr-FR" sz="2200" smtClean="0">
+              <a:rPr lang="en-US" altLang="fr-FR" sz="2200">
                 <a:solidFill>
                   <a:srgbClr val="000000"/>
                 </a:solidFill>
@@ -23141,21 +23276,21 @@
               <a:t>Une construction syntaxique nommée qui décrit </a:t>
             </a:r>
             <a:br>
-              <a:rPr lang="en-US" altLang="fr-FR" sz="2200" smtClean="0">
+              <a:rPr lang="en-US" altLang="fr-FR" sz="2200">
                 <a:solidFill>
                   <a:srgbClr val="000000"/>
                 </a:solidFill>
               </a:rPr>
             </a:br>
             <a:r>
-              <a:rPr lang="en-US" altLang="fr-FR" sz="2200" smtClean="0">
+              <a:rPr lang="en-US" altLang="fr-FR" sz="2200">
                 <a:solidFill>
                   <a:srgbClr val="000000"/>
                 </a:solidFill>
               </a:rPr>
               <a:t>un comportement et des attributs communs</a:t>
             </a:r>
-            <a:endParaRPr lang="en-GB" altLang="fr-FR" sz="2200" smtClean="0"/>
+            <a:endParaRPr lang="en-GB" altLang="fr-FR" sz="2200"/>
           </a:p>
           <a:p>
             <a:pPr lvl="1">
@@ -23164,7 +23299,7 @@
               </a:lnSpc>
             </a:pPr>
             <a:r>
-              <a:rPr lang="en-US" altLang="fr-FR" sz="2200" smtClean="0">
+              <a:rPr lang="en-US" altLang="fr-FR" sz="2200">
                 <a:solidFill>
                   <a:srgbClr val="000000"/>
                 </a:solidFill>
@@ -23172,21 +23307,21 @@
               <a:t>Une structure de données qui inclut les données </a:t>
             </a:r>
             <a:br>
-              <a:rPr lang="en-US" altLang="fr-FR" sz="2200" smtClean="0">
+              <a:rPr lang="en-US" altLang="fr-FR" sz="2200">
                 <a:solidFill>
                   <a:srgbClr val="000000"/>
                 </a:solidFill>
               </a:rPr>
             </a:br>
             <a:r>
-              <a:rPr lang="en-US" altLang="fr-FR" sz="2200" smtClean="0">
+              <a:rPr lang="en-US" altLang="fr-FR" sz="2200">
                 <a:solidFill>
                   <a:srgbClr val="000000"/>
                 </a:solidFill>
               </a:rPr>
               <a:t>et les fonctions</a:t>
             </a:r>
-            <a:endParaRPr lang="en-GB" altLang="fr-FR" sz="2200" smtClean="0">
+            <a:endParaRPr lang="en-GB" altLang="fr-FR" sz="2200">
               <a:solidFill>
                 <a:srgbClr val="000000"/>
               </a:solidFill>
@@ -40958,13 +41093,6 @@
   <p:clrMapOvr>
     <a:masterClrMapping/>
   </p:clrMapOvr>
-  <p:timing>
-    <p:tnLst>
-      <p:par>
-        <p:cTn id="1" dur="indefinite" restart="never" nodeType="tmRoot"/>
-      </p:par>
-    </p:tnLst>
-  </p:timing>
 </p:sld>
 </file>
 
@@ -41159,14 +41287,14 @@
           <a:lstStyle/>
           <a:p>
             <a:r>
-              <a:rPr lang="en-US" altLang="fr-FR" smtClean="0">
+              <a:rPr lang="en-US" altLang="fr-FR">
                 <a:solidFill>
                   <a:srgbClr val="000000"/>
                 </a:solidFill>
               </a:rPr>
               <a:t>Abstraction</a:t>
             </a:r>
-            <a:endParaRPr lang="en-GB" altLang="fr-FR" smtClean="0"/>
+            <a:endParaRPr lang="en-GB" altLang="fr-FR"/>
           </a:p>
         </p:txBody>
       </p:sp>
@@ -41191,31 +41319,31 @@
           <a:lstStyle/>
           <a:p>
             <a:r>
-              <a:rPr lang="en-US" altLang="fr-FR" smtClean="0">
+              <a:rPr lang="en-US" altLang="fr-FR">
                 <a:solidFill>
                   <a:srgbClr val="000000"/>
                 </a:solidFill>
               </a:rPr>
               <a:t>L'abstraction est une ignorance sélective</a:t>
             </a:r>
-            <a:endParaRPr lang="en-GB" altLang="fr-FR" smtClean="0"/>
+            <a:endParaRPr lang="en-GB" altLang="fr-FR"/>
           </a:p>
           <a:p>
             <a:pPr lvl="1"/>
             <a:r>
-              <a:rPr lang="en-US" altLang="fr-FR" smtClean="0">
+              <a:rPr lang="en-US" altLang="fr-FR">
                 <a:solidFill>
                   <a:srgbClr val="000000"/>
                 </a:solidFill>
               </a:rPr>
               <a:t>Décidez ce qui est important et ce qui ne l'est pas</a:t>
             </a:r>
-            <a:endParaRPr lang="en-GB" altLang="fr-FR" smtClean="0"/>
+            <a:endParaRPr lang="en-GB" altLang="fr-FR"/>
           </a:p>
           <a:p>
             <a:pPr lvl="1"/>
             <a:r>
-              <a:rPr lang="en-US" altLang="fr-FR" smtClean="0">
+              <a:rPr lang="en-US" altLang="fr-FR">
                 <a:solidFill>
                   <a:srgbClr val="000000"/>
                 </a:solidFill>
@@ -41223,7 +41351,7 @@
               <a:t>Concentrez-vous </a:t>
             </a:r>
             <a:r>
-              <a:rPr lang="fr-FR" altLang="fr-FR" smtClean="0">
+              <a:rPr lang="fr-FR" altLang="fr-FR">
                 <a:solidFill>
                   <a:srgbClr val="000000"/>
                 </a:solidFill>
@@ -41231,7 +41359,7 @@
               <a:t>sur </a:t>
             </a:r>
             <a:r>
-              <a:rPr lang="en-US" altLang="fr-FR" smtClean="0">
+              <a:rPr lang="en-US" altLang="fr-FR">
                 <a:solidFill>
                   <a:srgbClr val="000000"/>
                 </a:solidFill>
@@ -41239,7 +41367,7 @@
               <a:t>ce qui est important</a:t>
             </a:r>
             <a:r>
-              <a:rPr lang="fr-FR" altLang="fr-FR" smtClean="0">
+              <a:rPr lang="fr-FR" altLang="fr-FR">
                 <a:solidFill>
                   <a:srgbClr val="000000"/>
                 </a:solidFill>
@@ -41247,45 +41375,45 @@
               <a:t> et agissez </a:t>
             </a:r>
             <a:br>
-              <a:rPr lang="fr-FR" altLang="fr-FR" smtClean="0">
+              <a:rPr lang="fr-FR" altLang="fr-FR">
                 <a:solidFill>
                   <a:srgbClr val="000000"/>
                 </a:solidFill>
               </a:rPr>
             </a:br>
             <a:r>
-              <a:rPr lang="fr-FR" altLang="fr-FR" smtClean="0">
+              <a:rPr lang="fr-FR" altLang="fr-FR">
                 <a:solidFill>
                   <a:srgbClr val="000000"/>
                 </a:solidFill>
               </a:rPr>
               <a:t>en fonction</a:t>
             </a:r>
-            <a:endParaRPr lang="en-GB" altLang="fr-FR" smtClean="0"/>
+            <a:endParaRPr lang="en-GB" altLang="fr-FR"/>
           </a:p>
           <a:p>
             <a:pPr lvl="1"/>
             <a:r>
-              <a:rPr lang="en-US" altLang="fr-FR" smtClean="0">
+              <a:rPr lang="en-US" altLang="fr-FR">
                 <a:solidFill>
                   <a:srgbClr val="000000"/>
                 </a:solidFill>
               </a:rPr>
               <a:t>Ignorez et ne dépendez pas de ce qui est sans importance</a:t>
             </a:r>
-            <a:endParaRPr lang="en-GB" altLang="fr-FR" smtClean="0"/>
+            <a:endParaRPr lang="en-GB" altLang="fr-FR"/>
           </a:p>
           <a:p>
             <a:pPr lvl="1"/>
             <a:r>
-              <a:rPr lang="en-US" altLang="fr-FR" smtClean="0">
+              <a:rPr lang="en-US" altLang="fr-FR">
                 <a:solidFill>
                   <a:srgbClr val="000000"/>
                 </a:solidFill>
               </a:rPr>
               <a:t>Utilisez l'encapsulation pour mettre en œuvre l'abstraction</a:t>
             </a:r>
-            <a:endParaRPr lang="en-GB" altLang="fr-FR" smtClean="0">
+            <a:endParaRPr lang="en-GB" altLang="fr-FR">
               <a:solidFill>
                 <a:srgbClr val="000000"/>
               </a:solidFill>
@@ -41631,10 +41759,9 @@
           <a:lstStyle/>
           <a:p>
             <a:r>
-              <a:rPr lang="fr-FR" dirty="0" smtClean="0"/>
+              <a:rPr lang="fr-FR" dirty="0"/>
               <a:t>Classe</a:t>
             </a:r>
-            <a:endParaRPr lang="fr-FR" dirty="0"/>
           </a:p>
         </p:txBody>
       </p:sp>
@@ -41654,14 +41781,14 @@
           <a:lstStyle/>
           <a:p>
             <a:r>
-              <a:rPr lang="fr-FR" dirty="0" smtClean="0"/>
+              <a:rPr lang="fr-FR" dirty="0"/>
               <a:t>Syntaxe</a:t>
             </a:r>
           </a:p>
           <a:p>
             <a:pPr lvl="1"/>
             <a:r>
-              <a:rPr lang="fr-FR" dirty="0" smtClean="0"/>
+              <a:rPr lang="fr-FR" dirty="0"/>
               <a:t>Par convention les classes commencent par une majuscule</a:t>
             </a:r>
           </a:p>
@@ -41686,7 +41813,7 @@
               <a:t>class </a:t>
             </a:r>
             <a:r>
-              <a:rPr lang="fr-BE" altLang="fr-FR" dirty="0" err="1" smtClean="0">
+              <a:rPr lang="fr-BE" altLang="fr-FR" dirty="0" err="1">
                 <a:solidFill>
                   <a:schemeClr val="accent2"/>
                 </a:solidFill>
@@ -41761,7 +41888,7 @@
               <a:t>instructionN</a:t>
             </a:r>
             <a:r>
-              <a:rPr lang="fr-BE" altLang="fr-FR" dirty="0" smtClean="0">
+              <a:rPr lang="fr-BE" altLang="fr-FR" dirty="0">
                 <a:solidFill>
                   <a:schemeClr val="accent2"/>
                 </a:solidFill>
@@ -41791,13 +41918,6 @@
   <p:clrMapOvr>
     <a:masterClrMapping/>
   </p:clrMapOvr>
-  <p:timing>
-    <p:tnLst>
-      <p:par>
-        <p:cTn id="1" dur="indefinite" restart="never" nodeType="tmRoot"/>
-      </p:par>
-    </p:tnLst>
-  </p:timing>
 </p:sld>
 </file>
 
@@ -41834,10 +41954,9 @@
           <a:lstStyle/>
           <a:p>
             <a:r>
-              <a:rPr lang="fr-FR" dirty="0" smtClean="0"/>
+              <a:rPr lang="fr-FR" dirty="0"/>
               <a:t>Exemple de classe</a:t>
             </a:r>
-            <a:endParaRPr lang="fr-FR" dirty="0"/>
           </a:p>
         </p:txBody>
       </p:sp>
@@ -41856,32 +41975,31 @@
           <a:bodyPr/>
           <a:lstStyle/>
           <a:p>
-            <a:endParaRPr lang="fr-FR" dirty="0" smtClean="0"/>
+            <a:endParaRPr lang="fr-FR" dirty="0"/>
           </a:p>
           <a:p>
             <a:endParaRPr lang="fr-FR" dirty="0"/>
           </a:p>
           <a:p>
-            <a:endParaRPr lang="fr-FR" dirty="0" smtClean="0"/>
+            <a:endParaRPr lang="fr-FR" dirty="0"/>
           </a:p>
           <a:p>
             <a:endParaRPr lang="fr-FR" dirty="0"/>
           </a:p>
           <a:p>
-            <a:endParaRPr lang="fr-FR" dirty="0" smtClean="0"/>
+            <a:endParaRPr lang="fr-FR" dirty="0"/>
           </a:p>
           <a:p>
             <a:r>
-              <a:rPr lang="fr-FR" dirty="0" smtClean="0"/>
+              <a:rPr lang="fr-FR" dirty="0"/>
               <a:t>Classe = DATA</a:t>
             </a:r>
           </a:p>
           <a:p>
             <a:r>
-              <a:rPr lang="fr-FR" dirty="0" smtClean="0"/>
+              <a:rPr lang="fr-FR" dirty="0"/>
               <a:t>Classe = Quoi ?</a:t>
             </a:r>
-            <a:endParaRPr lang="fr-FR" dirty="0"/>
           </a:p>
         </p:txBody>
       </p:sp>
@@ -41919,13 +42037,6 @@
   <p:clrMapOvr>
     <a:masterClrMapping/>
   </p:clrMapOvr>
-  <p:timing>
-    <p:tnLst>
-      <p:par>
-        <p:cTn id="1" dur="indefinite" restart="never" nodeType="tmRoot"/>
-      </p:par>
-    </p:tnLst>
-  </p:timing>
 </p:sld>
 </file>
 
@@ -41962,10 +42073,9 @@
           <a:lstStyle/>
           <a:p>
             <a:r>
-              <a:rPr lang="fr-FR" dirty="0" smtClean="0"/>
+              <a:rPr lang="fr-FR" dirty="0"/>
               <a:t>Instanciation</a:t>
             </a:r>
-            <a:endParaRPr lang="fr-FR" dirty="0"/>
           </a:p>
         </p:txBody>
       </p:sp>
@@ -41985,24 +42095,23 @@
           <a:lstStyle/>
           <a:p>
             <a:r>
-              <a:rPr lang="fr-FR" dirty="0" smtClean="0"/>
+              <a:rPr lang="fr-FR" dirty="0"/>
               <a:t>Contrairement à la plupart des langages il n’y a pas de mot clé new pour instancier une classe</a:t>
             </a:r>
           </a:p>
           <a:p>
             <a:r>
-              <a:rPr lang="fr-FR" dirty="0" smtClean="0"/>
+              <a:rPr lang="fr-FR" dirty="0"/>
               <a:t>Il suffit de faire x = </a:t>
             </a:r>
             <a:r>
-              <a:rPr lang="fr-FR" dirty="0" err="1" smtClean="0"/>
+              <a:rPr lang="fr-FR" dirty="0" err="1"/>
               <a:t>NomClasse</a:t>
             </a:r>
             <a:r>
-              <a:rPr lang="fr-FR" dirty="0" smtClean="0"/>
+              <a:rPr lang="fr-FR" dirty="0"/>
               <a:t>()</a:t>
             </a:r>
-            <a:endParaRPr lang="fr-FR" dirty="0"/>
           </a:p>
         </p:txBody>
       </p:sp>
@@ -42040,13 +42149,6 @@
   <p:clrMapOvr>
     <a:masterClrMapping/>
   </p:clrMapOvr>
-  <p:timing>
-    <p:tnLst>
-      <p:par>
-        <p:cTn id="1" dur="indefinite" restart="never" nodeType="tmRoot"/>
-      </p:par>
-    </p:tnLst>
-  </p:timing>
 </p:sld>
 </file>
 
@@ -42241,14 +42343,14 @@
           <a:lstStyle/>
           <a:p>
             <a:r>
-              <a:rPr lang="en-US" altLang="fr-FR" smtClean="0">
+              <a:rPr lang="en-US" altLang="fr-FR">
                 <a:solidFill>
                   <a:srgbClr val="000000"/>
                 </a:solidFill>
               </a:rPr>
               <a:t>Combinaison de données et de méthodes</a:t>
             </a:r>
-            <a:endParaRPr lang="en-GB" altLang="fr-FR" smtClean="0"/>
+            <a:endParaRPr lang="en-GB" altLang="fr-FR"/>
           </a:p>
         </p:txBody>
       </p:sp>
@@ -42273,7 +42375,7 @@
           <a:lstStyle/>
           <a:p>
             <a:r>
-              <a:rPr lang="en-US" altLang="fr-FR" smtClean="0">
+              <a:rPr lang="en-US" altLang="fr-FR">
                 <a:solidFill>
                   <a:srgbClr val="000000"/>
                 </a:solidFill>
@@ -42281,14 +42383,14 @@
               <a:t>Combiner données et méthodes au sein d'une </a:t>
             </a:r>
             <a:br>
-              <a:rPr lang="en-US" altLang="fr-FR" smtClean="0">
+              <a:rPr lang="en-US" altLang="fr-FR">
                 <a:solidFill>
                   <a:srgbClr val="000000"/>
                 </a:solidFill>
               </a:rPr>
             </a:br>
             <a:r>
-              <a:rPr lang="en-US" altLang="fr-FR" smtClean="0">
+              <a:rPr lang="en-US" altLang="fr-FR">
                 <a:solidFill>
                   <a:srgbClr val="000000"/>
                 </a:solidFill>
@@ -42296,18 +42398,18 @@
               <a:t>même </a:t>
             </a:r>
             <a:r>
-              <a:rPr lang="en-US" altLang="fr-FR" i="1" smtClean="0">
+              <a:rPr lang="en-US" altLang="fr-FR" i="1">
                 <a:solidFill>
                   <a:srgbClr val="000000"/>
                 </a:solidFill>
               </a:rPr>
               <a:t>capsule</a:t>
             </a:r>
-            <a:endParaRPr lang="en-GB" altLang="fr-FR" i="1" smtClean="0"/>
+            <a:endParaRPr lang="en-GB" altLang="fr-FR" i="1"/>
           </a:p>
           <a:p>
             <a:r>
-              <a:rPr lang="en-US" altLang="fr-FR" smtClean="0">
+              <a:rPr lang="en-US" altLang="fr-FR">
                 <a:solidFill>
                   <a:srgbClr val="000000"/>
                 </a:solidFill>
@@ -42315,24 +42417,24 @@
               <a:t>Les limites de la capsule forment un intérieur </a:t>
             </a:r>
             <a:br>
-              <a:rPr lang="en-US" altLang="fr-FR" smtClean="0">
+              <a:rPr lang="en-US" altLang="fr-FR">
                 <a:solidFill>
                   <a:srgbClr val="000000"/>
                 </a:solidFill>
               </a:rPr>
             </a:br>
             <a:r>
-              <a:rPr lang="en-US" altLang="fr-FR" smtClean="0">
+              <a:rPr lang="en-US" altLang="fr-FR">
                 <a:solidFill>
                   <a:srgbClr val="000000"/>
                 </a:solidFill>
               </a:rPr>
               <a:t>et un extérieur</a:t>
             </a:r>
-            <a:endParaRPr lang="en-GB" altLang="fr-FR" smtClean="0"/>
+            <a:endParaRPr lang="en-GB" altLang="fr-FR"/>
           </a:p>
           <a:p>
-            <a:endParaRPr lang="en-GB" altLang="fr-FR" smtClean="0"/>
+            <a:endParaRPr lang="en-GB" altLang="fr-FR"/>
           </a:p>
         </p:txBody>
       </p:sp>
@@ -44447,13 +44549,6 @@
   <p:clrMapOvr>
     <a:masterClrMapping/>
   </p:clrMapOvr>
-  <p:timing>
-    <p:tnLst>
-      <p:par>
-        <p:cTn id="1" dur="indefinite" restart="never" nodeType="tmRoot"/>
-      </p:par>
-    </p:tnLst>
-  </p:timing>
 </p:sld>
 </file>
 

--- a/PPT/Python08-OO.pptx
+++ b/PPT/Python08-OO.pptx
@@ -5,10 +5,10 @@
     <p:sldMasterId id="2147483653" r:id="rId1"/>
   </p:sldMasterIdLst>
   <p:notesMasterIdLst>
-    <p:notesMasterId r:id="rId36"/>
+    <p:notesMasterId r:id="rId35"/>
   </p:notesMasterIdLst>
   <p:handoutMasterIdLst>
-    <p:handoutMasterId r:id="rId37"/>
+    <p:handoutMasterId r:id="rId36"/>
   </p:handoutMasterIdLst>
   <p:sldIdLst>
     <p:sldId id="264" r:id="rId2"/>
@@ -41,10 +41,9 @@
     <p:sldId id="308" r:id="rId29"/>
     <p:sldId id="278" r:id="rId30"/>
     <p:sldId id="311" r:id="rId31"/>
-    <p:sldId id="320" r:id="rId32"/>
-    <p:sldId id="317" r:id="rId33"/>
-    <p:sldId id="321" r:id="rId34"/>
-    <p:sldId id="318" r:id="rId35"/>
+    <p:sldId id="317" r:id="rId32"/>
+    <p:sldId id="321" r:id="rId33"/>
+    <p:sldId id="318" r:id="rId34"/>
   </p:sldIdLst>
   <p:sldSz cx="9144000" cy="6858000" type="screen4x3"/>
   <p:notesSz cx="6648450" cy="9782175"/>
@@ -439,101 +438,6 @@
   </p:cSld>
   <p:clrMap bg1="lt1" tx1="dk1" bg2="lt2" tx2="dk2" accent1="accent1" accent2="accent2" accent3="accent3" accent4="accent4" accent5="accent5" accent6="accent6" hlink="hlink" folHlink="folHlink"/>
 </p:handoutMaster>
-</file>
-
-<file path=ppt/ink/ink1.xml><?xml version="1.0" encoding="utf-8"?>
-<inkml:ink xmlns:inkml="http://www.w3.org/2003/InkML">
-  <inkml:definitions>
-    <inkml:context xml:id="ctx0">
-      <inkml:inkSource xml:id="inkSrc0">
-        <inkml:traceFormat>
-          <inkml:channel name="X" type="integer" min="-1366" max="1920" units="cm"/>
-          <inkml:channel name="Y" type="integer" max="1080" units="cm"/>
-          <inkml:channel name="T" type="integer" max="2.14748E9" units="dev"/>
-        </inkml:traceFormat>
-        <inkml:channelProperties>
-          <inkml:channelProperty channel="X" name="resolution" value="95.52325" units="1/cm"/>
-          <inkml:channelProperty channel="Y" name="resolution" value="55.6701" units="1/cm"/>
-          <inkml:channelProperty channel="T" name="resolution" value="1" units="1/dev"/>
-        </inkml:channelProperties>
-      </inkml:inkSource>
-      <inkml:timestamp xml:id="ts0" timeString="2020-06-29T14:08:23.780"/>
-    </inkml:context>
-    <inkml:brush xml:id="br0">
-      <inkml:brushProperty name="width" value="0.05292" units="cm"/>
-      <inkml:brushProperty name="height" value="0.05292" units="cm"/>
-      <inkml:brushProperty name="color" value="#FF0000"/>
-    </inkml:brush>
-  </inkml:definitions>
-  <inkml:trace contextRef="#ctx0" brushRef="#br0">14039 13247 0,'-24'0'62,"-26"0"-31,0 0-31,26 0 16,-1 0 0,0 0-16,-25 0 15,26 0 95,-1 0-95,25 25-15,0 0 16,-25 0-16,25-1 16,0 51-16,0-50 15,-50-25-15,50 24 16,0 26-16,0-25 15,-24 0-15,24-1 16,0 26 0,0-25 15,-25-25 0,25 25-31,0-1 16,0 26-1,0-25 1,0 0-16,0 0 16,0 24-16,0 1 15,49-25-15,-49 24 16,25-24-16,-25 25 16,25-50-16,-25 49 15,25-49-15,-25 25 16,49 0-1,-24 0-15,0-25 16,-25 49 0,25-49-16,24 25 15,-24 0-15,0-25 16,0 25-16,24-25 16,-24 0-16,0 49 15,0-49-15,24 0 16,-24 25-1,0-25-15,0 25 16,24-25 0,-24 0-16,0 0 15,50 0-15,-26 0 16,26 0-16,-51 0 16,26 0-16,0 0 15,24 0-15,0 0 16,50 0-16,-24 0 15,24 0-15,0-50 16,25 50-16,-50-25 16,-25 25-16,25-24 15,1 24-15,-76-25 16,1 25-16,25-50 16,-25 50-16,-25-25 15,24 25 1,-24-49-16,25 49 15,-25-50-15,50 25 16,-50 1-16,0-1 16,25-25-16,-25 25 15,0 1 1,0-1-16,0-25 16,0 25-1,0 1 1,0-1-1,0-25 1,0 25-16,0 0 16,0 1-16,-25-26 15,25 25-15,0 0 16,0 1-16,-25-26 16,25 25-1,-25 25-15,25-25 16,-25 25-1,-24 0-15,49-24 16,-25-26 0,0 25-1,0 25 1,-24-25 0,24 1-1,0 24 1,25-50-16,-25 50 15,-24 0-15,24-25 32,0 25-17,0 0-15,-24-25 16,24 25-16,-25 0 16,1 0-16,-1-24 15,25 24 1,-49 0-16,49 0 15,-49 0-15,49 0 16,-25 0-16,1 0 16,24 0-16,0 0 15,0 0-15,-24 0 16,24 0 0,0 0 15,0 0-16,-24 0 1,24 0-16,0 0 16,25 24-16,-25-24 15,-24 0-15,24 0 16,0 0 0,0 0-1,-24 0 16,24 50-15,0-50 0,-49 0-16,24 0 0,25 0 15,-49 25 1,49-25-16,-50 0 16,26 0-16,24 0 15,-25 25-15,26-25 16,-1 0-16,0 0 15,-25 0 1,26 0 31,-1 0 15</inkml:trace>
-  <inkml:trace contextRef="#ctx0" brushRef="#br0" timeOffset="2712.96">14238 13644 0,'0'25'78,"0"0"-63,0-1 1,0 26 15,0-25-15,0 0 0,0 0 15,-25-25-16,25 49 17,0-24 15,0 0-1,-50-25-30,50 25-16,-24-25 16,24 49 46,0-24-46,0 0-1,0 0 17,24-25 311,-24-25-311,0-25-1,0 25-15,0 1-16,0-1 15,0-25 16,0 25-15,0 1 0,0-1-1,0-25 17,0 25-1,0 0 47,25 25-31,-25-24-16,25 24-15,-25-50-1,25 50 1,-25-25 0,49 25 15,-24 0-16,-25-25 1,25 25 15,0 0 1,25 0-17,-50-24 1,24 24 15,1-50-15,0 50-1,25 0 1,-26 0 0,1 0 30,0 0-14,25 0-17</inkml:trace>
-  <inkml:trace contextRef="#ctx0" brushRef="#br0" timeOffset="4777.49">14908 13892 0,'0'-25'110,"0"1"-95,24 24-15,-24-25 16,0-25-16,25 25 16,-25 0-16,25 1 15,-25-26 1,50 50 0,-26-25-1,-24 0 1,25 25-16,0 0 15,-25-24-15,50 24 16,-26-50 0,1 50-1,-25-25 1,25 0 15,-25 1-15,0 48 234,0 26-250,0-25 15,0 0-15,0-1 16,0 26-16,0-25 16,0 0 31,0-1-16,50-24-31,-50 50 15,0-25 1,0 0-16,0 0 16,0 24 15,0-24-15,0 0-1,0 0 16,0 24-31,0-24 16,0 0 0,0 0-1,0 24 282,0-24-281,0 0-1,0 0 17,0 24 140,-25-49-157</inkml:trace>
-  <inkml:trace contextRef="#ctx0" brushRef="#br0" timeOffset="7376.01">14610 7814 0,'0'50'94,"0"-25"-94,50 74 15,-50-25-15,0 1 16,24 49-16,-24-25 16,25 25-16,0 0 15,-25-25 1,50 25-16,-50 0 0,0-24 15,0-51-15,0 26 16,0-26-16,0 26 16,0-26-16,0 26 15,0-26-15,0 26 16,0-26-16,0 26 16,-25-26-16,25 26 15,0-1-15,-25 1 16,25 49-16,-25-25 15,25 25-15,0-50 16,0 26-16,0 24 16,-49-25-1,24 0-15,25-24 16,-25 24-16,25-25 16,-25 1-16,25-1 15,0-24-15,0 24 16,-49-24-16,49-1 15,0 1-15,0 24 16,0-49-16,24 25 16,-24 24-16,0-24 15,0 74-15,0-50 16,0 50-16,-24-24 16,-1 24-16,25 0 15,-25-50-15,25 50 16,-25-25-16,25 25 15,-49-24-15,49-1 16,-25-50-16,25 51 16,-25-51-16,25 1 15,-25 0-15,-25-26 16,50 26-16,0-25 16,0 0-16,0-1 15,0 26-15,0-25 47,0 0-31</inkml:trace>
-  <inkml:trace contextRef="#ctx0" brushRef="#br0" timeOffset="9400.35">13965 12726 0,'25'0'62,"-25"50"-46,49-25 0,-24-1-16,-25 1 15,25 25 1,0-25-16,-25-1 15,49 1 1,-24 25 31,0-25-16,0-1 32,24 1-32,-49 25-31,25-25 16,-25 0-1,25-25 1,-25 24 15,25-24-31,-25 50 109,0-25-93,50-25 250,-26 0-251,-24-25-15,50 0 16,24 25-16,-49-25 16,50 1-16,-26-26 15,26 50-15,-26-25 16,26 0-16,-26 0 15,-24 25 1,25-49-16,-26 49 16,1-25 93,0 25-93,25-50-16,-26 50 15,1-49-15,50 24 16,-50 0-16,-25 0 16</inkml:trace>
-</inkml:ink>
-</file>
-
-<file path=ppt/ink/ink2.xml><?xml version="1.0" encoding="utf-8"?>
-<inkml:ink xmlns:inkml="http://www.w3.org/2003/InkML">
-  <inkml:definitions>
-    <inkml:context xml:id="ctx0">
-      <inkml:inkSource xml:id="inkSrc0">
-        <inkml:traceFormat>
-          <inkml:channel name="X" type="integer" min="-1366" max="1920" units="cm"/>
-          <inkml:channel name="Y" type="integer" max="1080" units="cm"/>
-          <inkml:channel name="T" type="integer" max="2.14748E9" units="dev"/>
-        </inkml:traceFormat>
-        <inkml:channelProperties>
-          <inkml:channelProperty channel="X" name="resolution" value="95.52325" units="1/cm"/>
-          <inkml:channelProperty channel="Y" name="resolution" value="55.6701" units="1/cm"/>
-          <inkml:channelProperty channel="T" name="resolution" value="1" units="1/dev"/>
-        </inkml:channelProperties>
-      </inkml:inkSource>
-      <inkml:timestamp xml:id="ts0" timeString="2020-06-29T14:09:11.779"/>
-    </inkml:context>
-    <inkml:brush xml:id="br0">
-      <inkml:brushProperty name="width" value="0.05292" units="cm"/>
-      <inkml:brushProperty name="height" value="0.05292" units="cm"/>
-      <inkml:brushProperty name="color" value="#FF0000"/>
-    </inkml:brush>
-  </inkml:definitions>
-  <inkml:trace contextRef="#ctx0" brushRef="#br0">19472 12949 0,'-25'0'47,"0"0"-47,0 0 15,-24 0 1,-1 0-16,-24 0 15,24 0 1,-49 0-16,-25 0 16,0 0-16,25 25 15,24 25-15,-49-50 16,25 25-16,0-25 16,0 24-16,74-24 15,-25 0-15,1 25 16,24 25-1,25 0 1,0-26-16,-25 51 16,0-26-16,-24 26 15,49-26-15,0 51 16,0-26-16,0-24 16,0 24-16,0-49 15,0 25-15,0 24 16,0-24-16,24 24 15,26 25-15,24-49 16,-24 24-16,0 1 16,-1-26-16,26-24 15,-1 0-15,25 49 16,25-49 0,0 0-16,25 49 15,-25-74-15,50 0 16,-25 25-16,-1-25 15,1 0-15,-25 0 16,50-25-16,-100 25 16,26-24-16,-76-1 15,26-50-15,-50 26 16,0 24-16,25-50 16,-25 51-16,0-51 15,0 26 1,0-26-16,0 50 15,0-24-15,0-1 16,0 1-16,0-26 16,25 50-16,-25-24 15,24-26-15,-24 26 16,0-26-16,0 26 16,0-26-16,0 50 15,0 1-15,0-26 16,0 25-16,-24 0 15,-26 1-15,25-26 16,0 25 0,-49 25-16,24-25 15,-24 1-15,24-26 16,26 50-16,-26-25 16,25 25-16,0-25 15,1 25-15,-26 0 16,25 0-1,25-25 1,-25 25 0,1-49 31,-26 49-32,25 0 1,0 0-1</inkml:trace>
-  <inkml:trace contextRef="#ctx0" brushRef="#br0" timeOffset="2377.21">18653 13694 0,'0'24'140,"0"26"-124,0-25 0,0 0-16,0 0 31,0 24-15,0-24-1,0 0-15,25 0 16,-25 24-1,0-24 1,0 0 0,0 0-1,0 24 1,0-74 328,0 1-344,0-1 15,0-25 1,0 25 0,0 1-1,0-1 16,-25 25-15,25-50-16,0 25 31,0 1-15,0-1 0,0-25-1,0 25-15,0 0 78,0 1-31,25 24-16,25-50-15,-25 50-16,-1 0 16,-24-25-16,25 25 15,25 0 126,-25-25-125,-1 25-1,1-24 1,25 24-1,-25 0 1,-1 0 187,1 0-187,25 0-1,-25 0-15,-1 0 32</inkml:trace>
-  <inkml:trace contextRef="#ctx0" brushRef="#br0" timeOffset="4649.84">19298 13421 0,'0'-25'78,"0"0"-47,50 25-15,-25 0 31,-1 0-47,51 25 15,-50-25 1,-1 0 0,1 0-16,25 25 15,-50 0 48,25-1-63,-25 26 15,0-25 1,25-25-16,-25 25 16,24-1-1,26 26 16,-25-25-31,-25 0 16,0-1 0,0 26-1,0-25 1,0 0-16,0 0 16,0 24-16,0-24 15,0 0-15,-25-25 16,25 25-16,0 24 15,-25-49-15,25 25 32,-25-25-32,1 25 15,-26-25 1,25 0 0,0 25-16,0-25 15,-24 0-15,24 0 16,0 0-1,0 49 17,-24-49-17,24 25 1,25 0 15,-25-25-15,100 25 312,-26-25-312,26 0-16,-26 0 15,26 0-15,-26 0 16,1 0-16,-25 0 15,0 0 110,-1 0-62,26 0-63,-25 0 16,24 0-16,1 0 15,-25 0-15,0 0 16,-1 0-16,26 0 15,-25 0 1,0 0 0</inkml:trace>
-  <inkml:trace contextRef="#ctx0" brushRef="#br0" timeOffset="6520.92">15974 7864 0,'25'0'32,"0"0"-32,0 0 31,0 0-16,24 25 1,-24 24-16,0-24 16,49 25-16,-49 24 15,74-24-15,-24 49 16,24 0-16,25 1 16,0 24-16,25 24 15,-50-48-15,25 73 16,-25-49-16,25 25 15,25 50-15,-50-51 16,25 76-16,-24-51 16,24 26-16,-75-26 15,50 51-15,1-75 16,-26 24-16,0-24 16,-49-25-16,50 0 15,-26-25 1,26 50-16,-1-50 15,25 26-15,-74-51 16,50 50-16,24-25 16,-74 0-16,24-49 15,26 24-15,-51-24 16,1 24-16,25-74 16,-25 25-16,-25 0 62,24 25-62,1-25 16,-25-1-1,50-24-15,-50 25 16,0 25 0,25-50-16,-25 25 15,0-1-15,24 1 16,-24 25-16,0-25 15,0-1-15,0 1 16,0 25 0,0-25-1</inkml:trace>
-  <inkml:trace contextRef="#ctx0" brushRef="#br0" timeOffset="8472.93">19596 12329 0,'0'25'203,"0"25"-203,0-26 16,0 1-16,-25 0 15,25 25-15,0-1 16,-25-24-16,25 25 15,-25-50 1,25 25-16,0-1 31,0 1-15,-49 25 31,49-25 0,-25-25 15,25 24 1,0 1-48,0 25 1,-25-50 0,25-25 234,0 0-250,-25 25 15,25-25 1,-49 25-16,24-49 15,0-1-15,0 50 16,-49-74-16,49 74 16,0-25-16,-24 25 15,24-25-15,0 0 16,0 25-16,-24 0 16,24 0-1,0 0-15,0 0 16,-24 0-1</inkml:trace>
-</inkml:ink>
-</file>
-
-<file path=ppt/ink/ink3.xml><?xml version="1.0" encoding="utf-8"?>
-<inkml:ink xmlns:inkml="http://www.w3.org/2003/InkML">
-  <inkml:definitions>
-    <inkml:context xml:id="ctx0">
-      <inkml:inkSource xml:id="inkSrc0">
-        <inkml:traceFormat>
-          <inkml:channel name="X" type="integer" min="-1366" max="1920" units="cm"/>
-          <inkml:channel name="Y" type="integer" max="1080" units="cm"/>
-          <inkml:channel name="T" type="integer" max="2.14748E9" units="dev"/>
-        </inkml:traceFormat>
-        <inkml:channelProperties>
-          <inkml:channelProperty channel="X" name="resolution" value="95.52325" units="1/cm"/>
-          <inkml:channelProperty channel="Y" name="resolution" value="55.6701" units="1/cm"/>
-          <inkml:channelProperty channel="T" name="resolution" value="1" units="1/dev"/>
-        </inkml:channelProperties>
-      </inkml:inkSource>
-      <inkml:timestamp xml:id="ts0" timeString="2020-06-29T14:10:29.794"/>
-    </inkml:context>
-    <inkml:brush xml:id="br0">
-      <inkml:brushProperty name="width" value="0.05292" units="cm"/>
-      <inkml:brushProperty name="height" value="0.05292" units="cm"/>
-      <inkml:brushProperty name="color" value="#FF0000"/>
-    </inkml:brush>
-  </inkml:definitions>
-  <inkml:trace contextRef="#ctx0" brushRef="#br0">14039 9402 0,'25'0'62,"0"0"-15,25 0-31,-26 0-1,1 0-15,0 0 16,25 0-1,-26 25-15,1-25 16,0 0 62,-25 25-62,50-25-16,-25 0 15,-1 24 1,1-24 0,25 25-16,-50 25 15,25-25-15,-1-25 16,1 24-16,-25 1 16,50 25-16,-25-50 15,-1 25-15,1-25 16,-25 24-16,50-24 15,-25 25-15,-1 25 16,1-25 0,25 0-1,-25-25 1,-25 24 0,24-24-16,1 50 15,50-25 1,-51 0-16,1-1 15,25 26 1,-25-50 0,-1 25-16,1 0 15,25-1 1,-25-24 0,-25 50-16,25-50 31,-25 25-31,24 0 31,26-1-31,-25 26 31,0-25-15,-1 0 0,26-1-1,-25 26 1,0-25-1,-1-25 1,26 25 15,-75-75 110,0 25-125</inkml:trace>
-  <inkml:trace contextRef="#ctx0" brushRef="#br0" timeOffset="1474.71">15453 9377 0,'-24'0'157,"-26"0"-157,25 50 15,-24-25-15,-1 24 16,0 1-16,-24-25 16,49-1-16,0 1 15,0 25-15,-24-25 16,24-25-16,25 24 15,-25-24 1,25 25 0,-25-25-16,-24 0 15,49 50-15,-25-50 16,0 25-16,0-25 16,-24 25-1,49-1-15,-25-24 16,0 50-1,0-50 1,25 25 0,-49 0-16,24-25 15,0 0-15,0 24 16,-24-24-16,24 50 16,0-50-16,-49 0 15,49 25-15,0-25 16,-49 25-16,49-25 15,0 24-15,0-24 16,-24 50-16,24-50 16,0 25-16,25 0 15,-25-25 1</inkml:trace>
-  <inkml:trace contextRef="#ctx0" brushRef="#br0" timeOffset="3746.32">15007 7864 0,'25'25'94,"-1"24"-94,1 1 16,25-25-16,-1 49 15,-24-24-15,50 24 16,-50-49-16,-1 74 15,51-74-15,-26 74 16,1-74-16,24 74 16,26 1-16,24-26 15,24 25-15,-23 0 16,-1 1-16,-25-75 16,25 24-16,-50 26 15,-24-51-15,24 51 16,-24-50-16,-25 24 15,24 1-15,-24-1 16,-25-24-16,50 25 16,-50-25-16,49 24 15,-24 26-15,0-51 16,0 51-16,-25-25 16,49 24-16,-24-49 15,0 74-15,0-74 16,-25 24-1,49 26-15,-24-26 16,0 26-16,0-26 16,24 26-16,-24-25 15,0 74-15,49-25 16,-49 0-16,25-49 16,-50 49-16,74 0 15,-74-49-15,50 24 16,-50-24-16,49 24 15,-24-24-15,0-1 16,0 1-16,24-25 16,-24 24-16,0-24 15,-25 0 1,25-25 0,-25 25-16,50 24 15,-50-24-15,24 0 16,-24 0-16,25 25 15,-25-26-15,25 1 16,-25 50-16,50-51 16,-26 76-16,1-51 15,0 50-15,25 1 16,-1-51-16,26 50 16,-51-49-1,26 49-15,0-24 16,-50-1-16,24-24 15,1-1-15,-25 26 16,25-26-16,25-24 16,-26 50-16,-24-51 15,25 51-15,0-50 16,-25 0-16,50-1 16,-50 26-16,0-25 15,24-25 141,-24-25 16,0 0-156,0 0-16,0 1 16</inkml:trace>
-  <inkml:trace contextRef="#ctx0" brushRef="#br0" timeOffset="5362.3">18628 12354 0,'0'-25'16,"0"50"62,0 25-63,0-26-15,0 1 16,0 0 0,0 25-1,0-25 1,0-1-16,0 1 16,0 25-16,0-25 15,0-1-15,0 1 16,0 25-16,0-1 15,-24-24-15,24 25 16,0-25-16,-25-1 16,25 1-16,-25 25 15,25-25-15,0-1 16,0 1 15,-25-25-15,25 50 31,-49-75 187,24 25-234,0-25 16,0 0-16,-49-24 15,49 24-15,0 0 16,-49 0-16,49-24 16,-49-1-16,49 50 15,0 0-15,-49-25 16,49-24-1,0 49 1,0-25 0,-24 25-1,24-25 17,0 25-17,0-25 1,-25-24 93</inkml:trace>
-</inkml:ink>
 </file>
 
 <file path=ppt/notesMasters/notesMaster1.xml><?xml version="1.0" encoding="utf-8"?>
@@ -9613,194 +9517,6 @@
           </a:p>
         </p:txBody>
       </p:sp>
-      <p:sp>
-        <p:nvSpPr>
-          <p:cNvPr id="4" name="ZoneTexte 3">
-            <a:extLst>
-              <a:ext uri="{FF2B5EF4-FFF2-40B4-BE49-F238E27FC236}">
-                <a16:creationId xmlns:a16="http://schemas.microsoft.com/office/drawing/2014/main" id="{1707D883-DEE2-435A-8AB7-B90648B931ED}"/>
-              </a:ext>
-            </a:extLst>
-          </p:cNvPr>
-          <p:cNvSpPr txBox="1"/>
-          <p:nvPr/>
-        </p:nvSpPr>
-        <p:spPr>
-          <a:xfrm>
-            <a:off x="4572000" y="2408447"/>
-            <a:ext cx="3960440" cy="461665"/>
-          </a:xfrm>
-          <a:prstGeom prst="rect">
-            <a:avLst/>
-          </a:prstGeom>
-          <a:noFill/>
-        </p:spPr>
-        <p:txBody>
-          <a:bodyPr wrap="square" rtlCol="0">
-            <a:spAutoFit/>
-          </a:bodyPr>
-          <a:lstStyle/>
-          <a:p>
-            <a:r>
-              <a:rPr lang="fr-FR" dirty="0"/>
-              <a:t>3 3 r1 r2</a:t>
-            </a:r>
-          </a:p>
-        </p:txBody>
-      </p:sp>
-      <mc:AlternateContent xmlns:mc="http://schemas.openxmlformats.org/markup-compatibility/2006">
-        <mc:Choice xmlns:p14="http://schemas.microsoft.com/office/powerpoint/2010/main" Requires="p14">
-          <p:contentPart p14:bwMode="auto" r:id="rId2">
-            <p14:nvContentPartPr>
-              <p14:cNvPr id="5" name="Encre 4">
-                <a:extLst>
-                  <a:ext uri="{FF2B5EF4-FFF2-40B4-BE49-F238E27FC236}">
-                    <a16:creationId xmlns:a16="http://schemas.microsoft.com/office/drawing/2014/main" id="{DFE6D682-4455-4E45-B321-8462DB285E99}"/>
-                  </a:ext>
-                </a:extLst>
-              </p14:cNvPr>
-              <p14:cNvContentPartPr/>
-              <p14:nvPr/>
-            </p14:nvContentPartPr>
-            <p14:xfrm>
-              <a:off x="4902480" y="2813040"/>
-              <a:ext cx="875520" cy="2385000"/>
-            </p14:xfrm>
-          </p:contentPart>
-        </mc:Choice>
-        <mc:Fallback>
-          <p:pic>
-            <p:nvPicPr>
-              <p:cNvPr id="5" name="Encre 4">
-                <a:extLst>
-                  <a:ext uri="{FF2B5EF4-FFF2-40B4-BE49-F238E27FC236}">
-                    <a16:creationId xmlns:a16="http://schemas.microsoft.com/office/drawing/2014/main" id="{DFE6D682-4455-4E45-B321-8462DB285E99}"/>
-                  </a:ext>
-                </a:extLst>
-              </p:cNvPr>
-              <p:cNvPicPr/>
-              <p:nvPr/>
-            </p:nvPicPr>
-            <p:blipFill>
-              <a:blip r:embed="rId3"/>
-              <a:stretch>
-                <a:fillRect/>
-              </a:stretch>
-            </p:blipFill>
-            <p:spPr>
-              <a:xfrm>
-                <a:off x="4893120" y="2803680"/>
-                <a:ext cx="894240" cy="2403720"/>
-              </a:xfrm>
-              <a:prstGeom prst="rect">
-                <a:avLst/>
-              </a:prstGeom>
-            </p:spPr>
-          </p:pic>
-        </mc:Fallback>
-      </mc:AlternateContent>
-      <mc:AlternateContent xmlns:mc="http://schemas.openxmlformats.org/markup-compatibility/2006">
-        <mc:Choice xmlns:p14="http://schemas.microsoft.com/office/powerpoint/2010/main" Requires="p14">
-          <p:contentPart p14:bwMode="auto" r:id="rId4">
-            <p14:nvContentPartPr>
-              <p14:cNvPr id="6" name="Encre 5">
-                <a:extLst>
-                  <a:ext uri="{FF2B5EF4-FFF2-40B4-BE49-F238E27FC236}">
-                    <a16:creationId xmlns:a16="http://schemas.microsoft.com/office/drawing/2014/main" id="{71A0DD20-4965-4694-836B-799A7198476C}"/>
-                  </a:ext>
-                </a:extLst>
-              </p14:cNvPr>
-              <p14:cNvContentPartPr/>
-              <p14:nvPr/>
-            </p14:nvContentPartPr>
-            <p14:xfrm>
-              <a:off x="5750640" y="2831040"/>
-              <a:ext cx="1554120" cy="2447280"/>
-            </p14:xfrm>
-          </p:contentPart>
-        </mc:Choice>
-        <mc:Fallback>
-          <p:pic>
-            <p:nvPicPr>
-              <p:cNvPr id="6" name="Encre 5">
-                <a:extLst>
-                  <a:ext uri="{FF2B5EF4-FFF2-40B4-BE49-F238E27FC236}">
-                    <a16:creationId xmlns:a16="http://schemas.microsoft.com/office/drawing/2014/main" id="{71A0DD20-4965-4694-836B-799A7198476C}"/>
-                  </a:ext>
-                </a:extLst>
-              </p:cNvPr>
-              <p:cNvPicPr/>
-              <p:nvPr/>
-            </p:nvPicPr>
-            <p:blipFill>
-              <a:blip r:embed="rId5"/>
-              <a:stretch>
-                <a:fillRect/>
-              </a:stretch>
-            </p:blipFill>
-            <p:spPr>
-              <a:xfrm>
-                <a:off x="5741280" y="2821680"/>
-                <a:ext cx="1572840" cy="2466000"/>
-              </a:xfrm>
-              <a:prstGeom prst="rect">
-                <a:avLst/>
-              </a:prstGeom>
-            </p:spPr>
-          </p:pic>
-        </mc:Fallback>
-      </mc:AlternateContent>
-      <mc:AlternateContent xmlns:mc="http://schemas.openxmlformats.org/markup-compatibility/2006">
-        <mc:Choice xmlns:p14="http://schemas.microsoft.com/office/powerpoint/2010/main" Requires="p14">
-          <p:contentPart p14:bwMode="auto" r:id="rId6">
-            <p14:nvContentPartPr>
-              <p14:cNvPr id="7" name="Encre 6">
-                <a:extLst>
-                  <a:ext uri="{FF2B5EF4-FFF2-40B4-BE49-F238E27FC236}">
-                    <a16:creationId xmlns:a16="http://schemas.microsoft.com/office/drawing/2014/main" id="{E505DBAB-17AA-4D6B-B9D6-7C3AD4F0B2F0}"/>
-                  </a:ext>
-                </a:extLst>
-              </p14:cNvPr>
-              <p14:cNvContentPartPr/>
-              <p14:nvPr/>
-            </p14:nvContentPartPr>
-            <p14:xfrm>
-              <a:off x="5054040" y="2831040"/>
-              <a:ext cx="1652400" cy="1956240"/>
-            </p14:xfrm>
-          </p:contentPart>
-        </mc:Choice>
-        <mc:Fallback>
-          <p:pic>
-            <p:nvPicPr>
-              <p:cNvPr id="7" name="Encre 6">
-                <a:extLst>
-                  <a:ext uri="{FF2B5EF4-FFF2-40B4-BE49-F238E27FC236}">
-                    <a16:creationId xmlns:a16="http://schemas.microsoft.com/office/drawing/2014/main" id="{E505DBAB-17AA-4D6B-B9D6-7C3AD4F0B2F0}"/>
-                  </a:ext>
-                </a:extLst>
-              </p:cNvPr>
-              <p:cNvPicPr/>
-              <p:nvPr/>
-            </p:nvPicPr>
-            <p:blipFill>
-              <a:blip r:embed="rId7"/>
-              <a:stretch>
-                <a:fillRect/>
-              </a:stretch>
-            </p:blipFill>
-            <p:spPr>
-              <a:xfrm>
-                <a:off x="5044680" y="2821680"/>
-                <a:ext cx="1671120" cy="1974960"/>
-              </a:xfrm>
-              <a:prstGeom prst="rect">
-                <a:avLst/>
-              </a:prstGeom>
-            </p:spPr>
-          </p:pic>
-        </mc:Fallback>
-      </mc:AlternateContent>
     </p:spTree>
     <p:extLst>
       <p:ext uri="{BB962C8B-B14F-4D97-AF65-F5344CB8AC3E}">
@@ -15907,15 +15623,7 @@
           <a:p>
             <a:r>
               <a:rPr lang="fr-FR" dirty="0"/>
-              <a:t>Pour cela il faut utiliser les décoration @</a:t>
-            </a:r>
-            <a:r>
-              <a:rPr lang="fr-FR" dirty="0" err="1"/>
-              <a:t>property</a:t>
-            </a:r>
-            <a:r>
-              <a:rPr lang="fr-FR" dirty="0"/>
-              <a:t> et @.setter</a:t>
+              <a:t>Pour cela il faut utiliser les décorations @property et @.setter</a:t>
             </a:r>
           </a:p>
           <a:p>
@@ -17474,7 +17182,7 @@
           </a:lstStyle>
           <a:p>
             <a:r>
-              <a:rPr lang="en-US" altLang="fr-FR" sz="1800" b="1">
+              <a:rPr lang="en-US" altLang="fr-FR" sz="1800" b="1" dirty="0">
                 <a:solidFill>
                   <a:srgbClr val="000000"/>
                 </a:solidFill>
@@ -17482,7 +17190,7 @@
               </a:rPr>
               <a:t>interest 7%</a:t>
             </a:r>
-            <a:endParaRPr lang="en-US" altLang="fr-FR" sz="1800" b="1">
+            <a:endParaRPr lang="en-US" altLang="fr-FR" sz="1800" b="1" dirty="0">
               <a:latin typeface="Lucida Sans Typewriter" pitchFamily="49" charset="0"/>
             </a:endParaRPr>
           </a:p>
@@ -22557,10 +22265,9 @@
           <a:lstStyle/>
           <a:p>
             <a:r>
-              <a:rPr lang="fr-FR" dirty="0" err="1"/>
-              <a:t>Enum</a:t>
-            </a:r>
-            <a:endParaRPr lang="fr-FR" dirty="0"/>
+              <a:rPr lang="fr-FR" dirty="0"/>
+              <a:t>Associations</a:t>
+            </a:r>
           </a:p>
         </p:txBody>
       </p:sp>
@@ -22581,50 +22288,46 @@
           <a:p>
             <a:r>
               <a:rPr lang="fr-FR" dirty="0"/>
-              <a:t>Enumération de valeurs</a:t>
+              <a:t>Les classes peuvent être liées par association</a:t>
+            </a:r>
+          </a:p>
+          <a:p>
+            <a:r>
+              <a:rPr lang="fr-FR" dirty="0"/>
+              <a:t>Relation 1</a:t>
             </a:r>
           </a:p>
           <a:p>
             <a:pPr lvl="1"/>
             <a:r>
               <a:rPr lang="fr-FR" dirty="0"/>
-              <a:t>Python 3.4</a:t>
+              <a:t>Attribut du type de la classe lié</a:t>
+            </a:r>
+          </a:p>
+          <a:p>
+            <a:r>
+              <a:rPr lang="fr-FR" dirty="0"/>
+              <a:t>Relation *</a:t>
             </a:r>
           </a:p>
           <a:p>
             <a:pPr lvl="1"/>
+            <a:r>
+              <a:rPr lang="fr-FR" dirty="0"/>
+              <a:t>Attribut du type </a:t>
+            </a:r>
+            <a:r>
+              <a:rPr lang="fr-FR" dirty="0" err="1"/>
+              <a:t>list</a:t>
+            </a:r>
             <a:endParaRPr lang="fr-FR" dirty="0"/>
           </a:p>
         </p:txBody>
       </p:sp>
-      <p:pic>
-        <p:nvPicPr>
-          <p:cNvPr id="4" name="Image 3"/>
-          <p:cNvPicPr>
-            <a:picLocks noChangeAspect="1"/>
-          </p:cNvPicPr>
-          <p:nvPr/>
-        </p:nvPicPr>
-        <p:blipFill>
-          <a:blip r:embed="rId2"/>
-          <a:stretch>
-            <a:fillRect/>
-          </a:stretch>
-        </p:blipFill>
-        <p:spPr>
-          <a:xfrm>
-            <a:off x="2339752" y="2636912"/>
-            <a:ext cx="4847815" cy="2664295"/>
-          </a:xfrm>
-          <a:prstGeom prst="rect">
-            <a:avLst/>
-          </a:prstGeom>
-        </p:spPr>
-      </p:pic>
     </p:spTree>
     <p:extLst>
       <p:ext uri="{BB962C8B-B14F-4D97-AF65-F5344CB8AC3E}">
-        <p14:creationId xmlns:p14="http://schemas.microsoft.com/office/powerpoint/2010/main" val="195516760"/>
+        <p14:creationId xmlns:p14="http://schemas.microsoft.com/office/powerpoint/2010/main" val="62270567"/>
       </p:ext>
     </p:extLst>
   </p:cSld>
@@ -22668,111 +22371,6 @@
           <a:p>
             <a:r>
               <a:rPr lang="fr-FR" dirty="0"/>
-              <a:t>Associations</a:t>
-            </a:r>
-          </a:p>
-        </p:txBody>
-      </p:sp>
-      <p:sp>
-        <p:nvSpPr>
-          <p:cNvPr id="3" name="Espace réservé du contenu 2"/>
-          <p:cNvSpPr>
-            <a:spLocks noGrp="1"/>
-          </p:cNvSpPr>
-          <p:nvPr>
-            <p:ph idx="1"/>
-          </p:nvPr>
-        </p:nvSpPr>
-        <p:spPr/>
-        <p:txBody>
-          <a:bodyPr/>
-          <a:lstStyle/>
-          <a:p>
-            <a:r>
-              <a:rPr lang="fr-FR" dirty="0"/>
-              <a:t>Les classes peuvent être liées par association</a:t>
-            </a:r>
-          </a:p>
-          <a:p>
-            <a:r>
-              <a:rPr lang="fr-FR" dirty="0"/>
-              <a:t>Relation 1</a:t>
-            </a:r>
-          </a:p>
-          <a:p>
-            <a:pPr lvl="1"/>
-            <a:r>
-              <a:rPr lang="fr-FR" dirty="0"/>
-              <a:t>Attribut du type de la classe lié</a:t>
-            </a:r>
-          </a:p>
-          <a:p>
-            <a:r>
-              <a:rPr lang="fr-FR" dirty="0"/>
-              <a:t>Relation *</a:t>
-            </a:r>
-          </a:p>
-          <a:p>
-            <a:pPr lvl="1"/>
-            <a:r>
-              <a:rPr lang="fr-FR" dirty="0"/>
-              <a:t>Attribut du type </a:t>
-            </a:r>
-            <a:r>
-              <a:rPr lang="fr-FR" dirty="0" err="1"/>
-              <a:t>list</a:t>
-            </a:r>
-            <a:endParaRPr lang="fr-FR" dirty="0"/>
-          </a:p>
-        </p:txBody>
-      </p:sp>
-    </p:spTree>
-    <p:extLst>
-      <p:ext uri="{BB962C8B-B14F-4D97-AF65-F5344CB8AC3E}">
-        <p14:creationId xmlns:p14="http://schemas.microsoft.com/office/powerpoint/2010/main" val="62270567"/>
-      </p:ext>
-    </p:extLst>
-  </p:cSld>
-  <p:clrMapOvr>
-    <a:masterClrMapping/>
-  </p:clrMapOvr>
-</p:sld>
-</file>
-
-<file path=ppt/slides/slide33.xml><?xml version="1.0" encoding="utf-8"?>
-<p:sld xmlns:a="http://schemas.openxmlformats.org/drawingml/2006/main" xmlns:r="http://schemas.openxmlformats.org/officeDocument/2006/relationships" xmlns:p="http://schemas.openxmlformats.org/presentationml/2006/main">
-  <p:cSld>
-    <p:spTree>
-      <p:nvGrpSpPr>
-        <p:cNvPr id="1" name=""/>
-        <p:cNvGrpSpPr/>
-        <p:nvPr/>
-      </p:nvGrpSpPr>
-      <p:grpSpPr>
-        <a:xfrm>
-          <a:off x="0" y="0"/>
-          <a:ext cx="0" cy="0"/>
-          <a:chOff x="0" y="0"/>
-          <a:chExt cx="0" cy="0"/>
-        </a:xfrm>
-      </p:grpSpPr>
-      <p:sp>
-        <p:nvSpPr>
-          <p:cNvPr id="2" name="Titre 1"/>
-          <p:cNvSpPr>
-            <a:spLocks noGrp="1"/>
-          </p:cNvSpPr>
-          <p:nvPr>
-            <p:ph type="title"/>
-          </p:nvPr>
-        </p:nvSpPr>
-        <p:spPr/>
-        <p:txBody>
-          <a:bodyPr/>
-          <a:lstStyle/>
-          <a:p>
-            <a:r>
-              <a:rPr lang="fr-FR" dirty="0"/>
               <a:t>Annotations des types complexe</a:t>
             </a:r>
           </a:p>
@@ -22902,7 +22500,7 @@
 </p:sld>
 </file>
 
-<file path=ppt/slides/slide34.xml><?xml version="1.0" encoding="utf-8"?>
+<file path=ppt/slides/slide33.xml><?xml version="1.0" encoding="utf-8"?>
 <p:sld xmlns:a="http://schemas.openxmlformats.org/drawingml/2006/main" xmlns:r="http://schemas.openxmlformats.org/officeDocument/2006/relationships" xmlns:p="http://schemas.openxmlformats.org/presentationml/2006/main">
   <p:cSld>
     <p:spTree>

--- a/PPT/Python08-OO.pptx
+++ b/PPT/Python08-OO.pptx
@@ -5,10 +5,10 @@
     <p:sldMasterId id="2147483653" r:id="rId1"/>
   </p:sldMasterIdLst>
   <p:notesMasterIdLst>
-    <p:notesMasterId r:id="rId35"/>
+    <p:notesMasterId r:id="rId37"/>
   </p:notesMasterIdLst>
   <p:handoutMasterIdLst>
-    <p:handoutMasterId r:id="rId36"/>
+    <p:handoutMasterId r:id="rId38"/>
   </p:handoutMasterIdLst>
   <p:sldIdLst>
     <p:sldId id="264" r:id="rId2"/>
@@ -37,13 +37,15 @@
     <p:sldId id="316" r:id="rId25"/>
     <p:sldId id="314" r:id="rId26"/>
     <p:sldId id="315" r:id="rId27"/>
-    <p:sldId id="277" r:id="rId28"/>
-    <p:sldId id="308" r:id="rId29"/>
-    <p:sldId id="278" r:id="rId30"/>
-    <p:sldId id="311" r:id="rId31"/>
-    <p:sldId id="317" r:id="rId32"/>
-    <p:sldId id="321" r:id="rId33"/>
-    <p:sldId id="318" r:id="rId34"/>
+    <p:sldId id="322" r:id="rId28"/>
+    <p:sldId id="323" r:id="rId29"/>
+    <p:sldId id="277" r:id="rId30"/>
+    <p:sldId id="308" r:id="rId31"/>
+    <p:sldId id="278" r:id="rId32"/>
+    <p:sldId id="311" r:id="rId33"/>
+    <p:sldId id="317" r:id="rId34"/>
+    <p:sldId id="321" r:id="rId35"/>
+    <p:sldId id="318" r:id="rId36"/>
   </p:sldIdLst>
   <p:sldSz cx="9144000" cy="6858000" type="screen4x3"/>
   <p:notesSz cx="6648450" cy="9782175"/>
@@ -1247,7 +1249,7 @@
             <a:fld id="{128995A5-4EA1-46DC-8F5B-4368CF269E26}" type="slidenum">
               <a:rPr lang="en-US" altLang="fr-FR" sz="1200"/>
               <a:pPr/>
-              <a:t>27</a:t>
+              <a:t>29</a:t>
             </a:fld>
             <a:endParaRPr lang="en-US" altLang="fr-FR" sz="1200"/>
           </a:p>
@@ -1443,7 +1445,7 @@
             <a:fld id="{E0672C6E-802E-4888-B97E-D5F7E1E72B2C}" type="slidenum">
               <a:rPr lang="en-US" altLang="fr-FR" sz="1200"/>
               <a:pPr/>
-              <a:t>29</a:t>
+              <a:t>31</a:t>
             </a:fld>
             <a:endParaRPr lang="en-US" altLang="fr-FR" sz="1200"/>
           </a:p>
@@ -9603,47 +9605,116 @@
           <a:lstStyle/>
           <a:p>
             <a:r>
-              <a:rPr lang="en-US" altLang="fr-FR">
+              <a:rPr lang="en-US" altLang="fr-FR" dirty="0" err="1">
                 <a:solidFill>
                   <a:srgbClr val="000000"/>
                 </a:solidFill>
               </a:rPr>
-              <a:t>Qu'est-ce qu'une classe ?</a:t>
-            </a:r>
-            <a:endParaRPr lang="en-GB" altLang="fr-FR"/>
+              <a:t>Qu'est-ce</a:t>
+            </a:r>
+            <a:r>
+              <a:rPr lang="en-US" altLang="fr-FR" dirty="0">
+                <a:solidFill>
+                  <a:srgbClr val="000000"/>
+                </a:solidFill>
+              </a:rPr>
+              <a:t> </a:t>
+            </a:r>
+            <a:r>
+              <a:rPr lang="en-US" altLang="fr-FR" dirty="0" err="1">
+                <a:solidFill>
+                  <a:srgbClr val="000000"/>
+                </a:solidFill>
+              </a:rPr>
+              <a:t>qu'une</a:t>
+            </a:r>
+            <a:r>
+              <a:rPr lang="en-US" altLang="fr-FR" dirty="0">
+                <a:solidFill>
+                  <a:srgbClr val="000000"/>
+                </a:solidFill>
+              </a:rPr>
+              <a:t> </a:t>
+            </a:r>
+            <a:r>
+              <a:rPr lang="en-US" altLang="fr-FR" dirty="0" err="1">
+                <a:solidFill>
+                  <a:srgbClr val="000000"/>
+                </a:solidFill>
+              </a:rPr>
+              <a:t>classe</a:t>
+            </a:r>
+            <a:r>
+              <a:rPr lang="en-US" altLang="fr-FR" dirty="0">
+                <a:solidFill>
+                  <a:srgbClr val="000000"/>
+                </a:solidFill>
+              </a:rPr>
+              <a:t> ?</a:t>
+            </a:r>
+            <a:endParaRPr lang="en-GB" altLang="fr-FR" dirty="0"/>
           </a:p>
           <a:p>
             <a:r>
-              <a:rPr lang="en-US" altLang="fr-FR">
+              <a:rPr lang="en-US" altLang="fr-FR" dirty="0" err="1">
                 <a:solidFill>
                   <a:srgbClr val="000000"/>
                 </a:solidFill>
               </a:rPr>
-              <a:t>Qu'est-ce qu'un objet ?</a:t>
-            </a:r>
-            <a:endParaRPr lang="en-GB" altLang="fr-FR"/>
+              <a:t>Qu'est-ce</a:t>
+            </a:r>
+            <a:r>
+              <a:rPr lang="en-US" altLang="fr-FR" dirty="0">
+                <a:solidFill>
+                  <a:srgbClr val="000000"/>
+                </a:solidFill>
+              </a:rPr>
+              <a:t> </a:t>
+            </a:r>
+            <a:r>
+              <a:rPr lang="en-US" altLang="fr-FR" dirty="0" err="1">
+                <a:solidFill>
+                  <a:srgbClr val="000000"/>
+                </a:solidFill>
+              </a:rPr>
+              <a:t>qu'un</a:t>
+            </a:r>
+            <a:r>
+              <a:rPr lang="en-US" altLang="fr-FR" dirty="0">
+                <a:solidFill>
+                  <a:srgbClr val="000000"/>
+                </a:solidFill>
+              </a:rPr>
+              <a:t> </a:t>
+            </a:r>
+            <a:r>
+              <a:rPr lang="en-US" altLang="fr-FR" dirty="0" err="1">
+                <a:solidFill>
+                  <a:srgbClr val="000000"/>
+                </a:solidFill>
+              </a:rPr>
+              <a:t>objet</a:t>
+            </a:r>
+            <a:r>
+              <a:rPr lang="en-US" altLang="fr-FR" dirty="0">
+                <a:solidFill>
+                  <a:srgbClr val="000000"/>
+                </a:solidFill>
+              </a:rPr>
+              <a:t> ?</a:t>
+            </a:r>
+            <a:endParaRPr lang="en-GB" altLang="fr-FR" dirty="0"/>
           </a:p>
           <a:p>
             <a:r>
-              <a:rPr lang="en-US" altLang="fr-FR">
-                <a:solidFill>
-                  <a:srgbClr val="000000"/>
-                </a:solidFill>
-              </a:rPr>
-              <a:t>Comparaison entre classes et structs</a:t>
-            </a:r>
-            <a:endParaRPr lang="en-GB" altLang="fr-FR"/>
-          </a:p>
-          <a:p>
-            <a:r>
-              <a:rPr lang="en-US" altLang="fr-FR">
+              <a:rPr lang="en-US" altLang="fr-FR" dirty="0">
                 <a:solidFill>
                   <a:srgbClr val="000000"/>
                 </a:solidFill>
               </a:rPr>
               <a:t>Abstraction</a:t>
             </a:r>
-            <a:endParaRPr lang="en-GB" altLang="fr-FR">
+            <a:endParaRPr lang="en-GB" altLang="fr-FR" dirty="0">
               <a:solidFill>
                 <a:srgbClr val="000000"/>
               </a:solidFill>
@@ -15777,6 +15848,367 @@
       </p:grpSpPr>
       <p:sp>
         <p:nvSpPr>
+          <p:cNvPr id="2" name="Titre 1">
+            <a:extLst>
+              <a:ext uri="{FF2B5EF4-FFF2-40B4-BE49-F238E27FC236}">
+                <a16:creationId xmlns:a16="http://schemas.microsoft.com/office/drawing/2014/main" id="{2AD24241-2FF6-4127-ADA4-A2A5E619EB32}"/>
+              </a:ext>
+            </a:extLst>
+          </p:cNvPr>
+          <p:cNvSpPr>
+            <a:spLocks noGrp="1"/>
+          </p:cNvSpPr>
+          <p:nvPr>
+            <p:ph type="title"/>
+          </p:nvPr>
+        </p:nvSpPr>
+        <p:spPr/>
+        <p:txBody>
+          <a:bodyPr/>
+          <a:lstStyle/>
+          <a:p>
+            <a:r>
+              <a:rPr lang="fr-FR" dirty="0"/>
+              <a:t>Data Class</a:t>
+            </a:r>
+          </a:p>
+        </p:txBody>
+      </p:sp>
+      <p:sp>
+        <p:nvSpPr>
+          <p:cNvPr id="3" name="Espace réservé du contenu 2">
+            <a:extLst>
+              <a:ext uri="{FF2B5EF4-FFF2-40B4-BE49-F238E27FC236}">
+                <a16:creationId xmlns:a16="http://schemas.microsoft.com/office/drawing/2014/main" id="{EA0FD85B-1A10-4668-97A1-580B838B8F6D}"/>
+              </a:ext>
+            </a:extLst>
+          </p:cNvPr>
+          <p:cNvSpPr>
+            <a:spLocks noGrp="1"/>
+          </p:cNvSpPr>
+          <p:nvPr>
+            <p:ph idx="1"/>
+          </p:nvPr>
+        </p:nvSpPr>
+        <p:spPr/>
+        <p:txBody>
+          <a:bodyPr/>
+          <a:lstStyle/>
+          <a:p>
+            <a:r>
+              <a:rPr lang="fr-FR" dirty="0"/>
+              <a:t>Il est fastidieux de créer des constructeurs paramétrés avec des attributs</a:t>
+            </a:r>
+          </a:p>
+          <a:p>
+            <a:endParaRPr lang="fr-FR" dirty="0"/>
+          </a:p>
+          <a:p>
+            <a:endParaRPr lang="fr-FR" dirty="0"/>
+          </a:p>
+          <a:p>
+            <a:endParaRPr lang="fr-FR" dirty="0"/>
+          </a:p>
+          <a:p>
+            <a:r>
+              <a:rPr lang="fr-FR" dirty="0"/>
+              <a:t>Les data classes simplifie cela</a:t>
+            </a:r>
+          </a:p>
+          <a:p>
+            <a:pPr lvl="1"/>
+            <a:r>
+              <a:rPr lang="fr-FR" dirty="0"/>
+              <a:t>Python 3.7</a:t>
+            </a:r>
+          </a:p>
+          <a:p>
+            <a:pPr lvl="1"/>
+            <a:r>
+              <a:rPr lang="fr-FR" dirty="0"/>
+              <a:t>__init__() automatique</a:t>
+            </a:r>
+          </a:p>
+        </p:txBody>
+      </p:sp>
+      <p:pic>
+        <p:nvPicPr>
+          <p:cNvPr id="4" name="Image 3">
+            <a:extLst>
+              <a:ext uri="{FF2B5EF4-FFF2-40B4-BE49-F238E27FC236}">
+                <a16:creationId xmlns:a16="http://schemas.microsoft.com/office/drawing/2014/main" id="{3FE83930-424C-4AC5-83D3-4EE7CABAF698}"/>
+              </a:ext>
+            </a:extLst>
+          </p:cNvPr>
+          <p:cNvPicPr>
+            <a:picLocks noChangeAspect="1"/>
+          </p:cNvPicPr>
+          <p:nvPr/>
+        </p:nvPicPr>
+        <p:blipFill>
+          <a:blip r:embed="rId2"/>
+          <a:stretch>
+            <a:fillRect/>
+          </a:stretch>
+        </p:blipFill>
+        <p:spPr>
+          <a:xfrm>
+            <a:off x="1835696" y="2420888"/>
+            <a:ext cx="5067300" cy="1123950"/>
+          </a:xfrm>
+          <a:prstGeom prst="rect">
+            <a:avLst/>
+          </a:prstGeom>
+        </p:spPr>
+      </p:pic>
+      <p:pic>
+        <p:nvPicPr>
+          <p:cNvPr id="5" name="Image 4">
+            <a:extLst>
+              <a:ext uri="{FF2B5EF4-FFF2-40B4-BE49-F238E27FC236}">
+                <a16:creationId xmlns:a16="http://schemas.microsoft.com/office/drawing/2014/main" id="{3EE0189F-D4C6-4B69-B5A7-EDFF0D68D219}"/>
+              </a:ext>
+            </a:extLst>
+          </p:cNvPr>
+          <p:cNvPicPr>
+            <a:picLocks noChangeAspect="1"/>
+          </p:cNvPicPr>
+          <p:nvPr/>
+        </p:nvPicPr>
+        <p:blipFill>
+          <a:blip r:embed="rId3"/>
+          <a:stretch>
+            <a:fillRect/>
+          </a:stretch>
+        </p:blipFill>
+        <p:spPr>
+          <a:xfrm>
+            <a:off x="5436096" y="4563067"/>
+            <a:ext cx="1952625" cy="1162050"/>
+          </a:xfrm>
+          <a:prstGeom prst="rect">
+            <a:avLst/>
+          </a:prstGeom>
+        </p:spPr>
+      </p:pic>
+    </p:spTree>
+    <p:extLst>
+      <p:ext uri="{BB962C8B-B14F-4D97-AF65-F5344CB8AC3E}">
+        <p14:creationId xmlns:p14="http://schemas.microsoft.com/office/powerpoint/2010/main" val="3063864920"/>
+      </p:ext>
+    </p:extLst>
+  </p:cSld>
+  <p:clrMapOvr>
+    <a:masterClrMapping/>
+  </p:clrMapOvr>
+</p:sld>
+</file>
+
+<file path=ppt/slides/slide28.xml><?xml version="1.0" encoding="utf-8"?>
+<p:sld xmlns:a="http://schemas.openxmlformats.org/drawingml/2006/main" xmlns:r="http://schemas.openxmlformats.org/officeDocument/2006/relationships" xmlns:p="http://schemas.openxmlformats.org/presentationml/2006/main">
+  <p:cSld>
+    <p:spTree>
+      <p:nvGrpSpPr>
+        <p:cNvPr id="1" name=""/>
+        <p:cNvGrpSpPr/>
+        <p:nvPr/>
+      </p:nvGrpSpPr>
+      <p:grpSpPr>
+        <a:xfrm>
+          <a:off x="0" y="0"/>
+          <a:ext cx="0" cy="0"/>
+          <a:chOff x="0" y="0"/>
+          <a:chExt cx="0" cy="0"/>
+        </a:xfrm>
+      </p:grpSpPr>
+      <p:sp>
+        <p:nvSpPr>
+          <p:cNvPr id="2" name="Titre 1">
+            <a:extLst>
+              <a:ext uri="{FF2B5EF4-FFF2-40B4-BE49-F238E27FC236}">
+                <a16:creationId xmlns:a16="http://schemas.microsoft.com/office/drawing/2014/main" id="{CBE27C63-EBFD-4A80-A434-1AE8FD81BAFA}"/>
+              </a:ext>
+            </a:extLst>
+          </p:cNvPr>
+          <p:cNvSpPr>
+            <a:spLocks noGrp="1"/>
+          </p:cNvSpPr>
+          <p:nvPr>
+            <p:ph type="title"/>
+          </p:nvPr>
+        </p:nvSpPr>
+        <p:spPr/>
+        <p:txBody>
+          <a:bodyPr/>
+          <a:lstStyle/>
+          <a:p>
+            <a:r>
+              <a:rPr lang="fr-FR" dirty="0"/>
+              <a:t>Instanciation JSON</a:t>
+            </a:r>
+          </a:p>
+        </p:txBody>
+      </p:sp>
+      <p:sp>
+        <p:nvSpPr>
+          <p:cNvPr id="3" name="Espace réservé du contenu 2">
+            <a:extLst>
+              <a:ext uri="{FF2B5EF4-FFF2-40B4-BE49-F238E27FC236}">
+                <a16:creationId xmlns:a16="http://schemas.microsoft.com/office/drawing/2014/main" id="{AD3FFF62-7B08-4BFC-B42F-91F96651FEB0}"/>
+              </a:ext>
+            </a:extLst>
+          </p:cNvPr>
+          <p:cNvSpPr>
+            <a:spLocks noGrp="1"/>
+          </p:cNvSpPr>
+          <p:nvPr>
+            <p:ph idx="1"/>
+          </p:nvPr>
+        </p:nvSpPr>
+        <p:spPr/>
+        <p:txBody>
+          <a:bodyPr/>
+          <a:lstStyle/>
+          <a:p>
+            <a:r>
+              <a:rPr lang="fr-FR" dirty="0"/>
+              <a:t>Instanciation par dictionnaire d'une data class</a:t>
+            </a:r>
+          </a:p>
+          <a:p>
+            <a:pPr lvl="1"/>
+            <a:r>
+              <a:rPr lang="fr-FR" dirty="0"/>
+              <a:t>dico = {"</a:t>
+            </a:r>
+            <a:r>
+              <a:rPr lang="fr-FR" dirty="0" err="1"/>
+              <a:t>var_a":"A</a:t>
+            </a:r>
+            <a:r>
+              <a:rPr lang="fr-FR" dirty="0"/>
+              <a:t>", "</a:t>
+            </a:r>
+            <a:r>
+              <a:rPr lang="fr-FR" dirty="0" err="1"/>
+              <a:t>var_b":"B</a:t>
+            </a:r>
+            <a:r>
+              <a:rPr lang="fr-FR" dirty="0"/>
+              <a:t>"}</a:t>
+            </a:r>
+          </a:p>
+          <a:p>
+            <a:pPr lvl="1"/>
+            <a:r>
+              <a:rPr lang="fr-FR" dirty="0" err="1"/>
+              <a:t>MyClass</a:t>
+            </a:r>
+            <a:r>
+              <a:rPr lang="fr-FR" dirty="0"/>
+              <a:t>(**dico)</a:t>
+            </a:r>
+          </a:p>
+          <a:p>
+            <a:r>
+              <a:rPr lang="fr-FR" dirty="0"/>
+              <a:t>Redéfinition de __init__()</a:t>
+            </a:r>
+          </a:p>
+          <a:p>
+            <a:pPr lvl="1"/>
+            <a:r>
+              <a:rPr lang="fr-FR" dirty="0"/>
+              <a:t>Il est déconseillé de modifier __init__()</a:t>
+            </a:r>
+          </a:p>
+          <a:p>
+            <a:pPr lvl="1"/>
+            <a:r>
+              <a:rPr lang="fr-FR" dirty="0"/>
+              <a:t>Utiliser __</a:t>
+            </a:r>
+            <a:r>
+              <a:rPr lang="fr-FR" dirty="0" err="1"/>
+              <a:t>post_init</a:t>
+            </a:r>
+            <a:r>
+              <a:rPr lang="fr-FR" dirty="0"/>
+              <a:t>__()</a:t>
+            </a:r>
+          </a:p>
+          <a:p>
+            <a:pPr lvl="1"/>
+            <a:endParaRPr lang="fr-FR" dirty="0"/>
+          </a:p>
+          <a:p>
+            <a:pPr lvl="1"/>
+            <a:endParaRPr lang="fr-FR" dirty="0"/>
+          </a:p>
+        </p:txBody>
+      </p:sp>
+      <p:pic>
+        <p:nvPicPr>
+          <p:cNvPr id="4" name="Image 3">
+            <a:extLst>
+              <a:ext uri="{FF2B5EF4-FFF2-40B4-BE49-F238E27FC236}">
+                <a16:creationId xmlns:a16="http://schemas.microsoft.com/office/drawing/2014/main" id="{E8F920FC-F879-41B8-AA08-5ACC0012A522}"/>
+              </a:ext>
+            </a:extLst>
+          </p:cNvPr>
+          <p:cNvPicPr>
+            <a:picLocks noChangeAspect="1"/>
+          </p:cNvPicPr>
+          <p:nvPr/>
+        </p:nvPicPr>
+        <p:blipFill>
+          <a:blip r:embed="rId2"/>
+          <a:stretch>
+            <a:fillRect/>
+          </a:stretch>
+        </p:blipFill>
+        <p:spPr>
+          <a:xfrm>
+            <a:off x="164493" y="4365104"/>
+            <a:ext cx="8782050" cy="847725"/>
+          </a:xfrm>
+          <a:prstGeom prst="rect">
+            <a:avLst/>
+          </a:prstGeom>
+        </p:spPr>
+      </p:pic>
+    </p:spTree>
+    <p:extLst>
+      <p:ext uri="{BB962C8B-B14F-4D97-AF65-F5344CB8AC3E}">
+        <p14:creationId xmlns:p14="http://schemas.microsoft.com/office/powerpoint/2010/main" val="546203606"/>
+      </p:ext>
+    </p:extLst>
+  </p:cSld>
+  <p:clrMapOvr>
+    <a:masterClrMapping/>
+  </p:clrMapOvr>
+</p:sld>
+</file>
+
+<file path=ppt/slides/slide29.xml><?xml version="1.0" encoding="utf-8"?>
+<p:sld xmlns:a="http://schemas.openxmlformats.org/drawingml/2006/main" xmlns:r="http://schemas.openxmlformats.org/officeDocument/2006/relationships" xmlns:p="http://schemas.openxmlformats.org/presentationml/2006/main">
+  <p:cSld>
+    <p:spTree>
+      <p:nvGrpSpPr>
+        <p:cNvPr id="1" name=""/>
+        <p:cNvGrpSpPr/>
+        <p:nvPr/>
+      </p:nvGrpSpPr>
+      <p:grpSpPr>
+        <a:xfrm>
+          <a:off x="0" y="0"/>
+          <a:ext cx="0" cy="0"/>
+          <a:chOff x="0" y="0"/>
+          <a:chExt cx="0" cy="0"/>
+        </a:xfrm>
+      </p:grpSpPr>
+      <p:sp>
+        <p:nvSpPr>
           <p:cNvPr id="28674" name="Rectangle 21"/>
           <p:cNvSpPr>
             <a:spLocks noChangeArrowheads="1"/>
@@ -18333,7 +18765,557 @@
 </p:sld>
 </file>
 
-<file path=ppt/slides/slide28.xml><?xml version="1.0" encoding="utf-8"?>
+<file path=ppt/slides/slide3.xml><?xml version="1.0" encoding="utf-8"?>
+<p:sld xmlns:a="http://schemas.openxmlformats.org/drawingml/2006/main" xmlns:r="http://schemas.openxmlformats.org/officeDocument/2006/relationships" xmlns:p="http://schemas.openxmlformats.org/presentationml/2006/main">
+  <p:cSld>
+    <p:spTree>
+      <p:nvGrpSpPr>
+        <p:cNvPr id="1" name=""/>
+        <p:cNvGrpSpPr/>
+        <p:nvPr/>
+      </p:nvGrpSpPr>
+      <p:grpSpPr>
+        <a:xfrm>
+          <a:off x="0" y="0"/>
+          <a:ext cx="0" cy="0"/>
+          <a:chOff x="0" y="0"/>
+          <a:chExt cx="0" cy="0"/>
+        </a:xfrm>
+      </p:grpSpPr>
+      <p:sp>
+        <p:nvSpPr>
+          <p:cNvPr id="12290" name="Rectangle 7"/>
+          <p:cNvSpPr>
+            <a:spLocks noChangeArrowheads="1"/>
+          </p:cNvSpPr>
+          <p:nvPr/>
+        </p:nvSpPr>
+        <p:spPr bwMode="auto">
+          <a:xfrm>
+            <a:off x="860425" y="1112838"/>
+            <a:ext cx="7378700" cy="5029200"/>
+          </a:xfrm>
+          <a:prstGeom prst="rect">
+            <a:avLst/>
+          </a:prstGeom>
+          <a:gradFill rotWithShape="0">
+            <a:gsLst>
+              <a:gs pos="0">
+                <a:srgbClr val="FCFEB9"/>
+              </a:gs>
+              <a:gs pos="100000">
+                <a:srgbClr val="FFCC66"/>
+              </a:gs>
+            </a:gsLst>
+            <a:lin ang="5400000" scaled="1"/>
+          </a:gradFill>
+          <a:ln>
+            <a:noFill/>
+          </a:ln>
+          <a:effectLst/>
+          <a:extLst>
+            <a:ext uri="{91240B29-F687-4F45-9708-019B960494DF}">
+              <a14:hiddenLine xmlns:a14="http://schemas.microsoft.com/office/drawing/2010/main" w="9525">
+                <a:solidFill>
+                  <a:schemeClr val="tx1"/>
+                </a:solidFill>
+                <a:miter lim="800000"/>
+                <a:headEnd/>
+                <a:tailEnd/>
+              </a14:hiddenLine>
+            </a:ext>
+            <a:ext uri="{AF507438-7753-43E0-B8FC-AC1667EBCBE1}">
+              <a14:hiddenEffects xmlns:a14="http://schemas.microsoft.com/office/drawing/2010/main">
+                <a:effectLst>
+                  <a:outerShdw dist="35921" dir="2700000" algn="ctr" rotWithShape="0">
+                    <a:schemeClr val="bg2"/>
+                  </a:outerShdw>
+                </a:effectLst>
+              </a14:hiddenEffects>
+            </a:ext>
+          </a:extLst>
+        </p:spPr>
+        <p:txBody>
+          <a:bodyPr wrap="none" anchor="ctr"/>
+          <a:lstStyle>
+            <a:lvl1pPr>
+              <a:defRPr sz="3000">
+                <a:solidFill>
+                  <a:schemeClr val="tx1"/>
+                </a:solidFill>
+                <a:latin typeface="Arial Narrow" panose="020B0606020202030204" pitchFamily="34" charset="0"/>
+              </a:defRPr>
+            </a:lvl1pPr>
+            <a:lvl2pPr marL="742950" indent="-285750">
+              <a:defRPr sz="3000">
+                <a:solidFill>
+                  <a:schemeClr val="tx1"/>
+                </a:solidFill>
+                <a:latin typeface="Arial Narrow" panose="020B0606020202030204" pitchFamily="34" charset="0"/>
+              </a:defRPr>
+            </a:lvl2pPr>
+            <a:lvl3pPr marL="1143000" indent="-228600">
+              <a:defRPr sz="3000">
+                <a:solidFill>
+                  <a:schemeClr val="tx1"/>
+                </a:solidFill>
+                <a:latin typeface="Arial Narrow" panose="020B0606020202030204" pitchFamily="34" charset="0"/>
+              </a:defRPr>
+            </a:lvl3pPr>
+            <a:lvl4pPr marL="1600200" indent="-228600">
+              <a:defRPr sz="3000">
+                <a:solidFill>
+                  <a:schemeClr val="tx1"/>
+                </a:solidFill>
+                <a:latin typeface="Arial Narrow" panose="020B0606020202030204" pitchFamily="34" charset="0"/>
+              </a:defRPr>
+            </a:lvl4pPr>
+            <a:lvl5pPr marL="2057400" indent="-228600">
+              <a:defRPr sz="3000">
+                <a:solidFill>
+                  <a:schemeClr val="tx1"/>
+                </a:solidFill>
+                <a:latin typeface="Arial Narrow" panose="020B0606020202030204" pitchFamily="34" charset="0"/>
+              </a:defRPr>
+            </a:lvl5pPr>
+            <a:lvl6pPr marL="2514600" indent="-228600" eaLnBrk="0" fontAlgn="base" hangingPunct="0">
+              <a:spcBef>
+                <a:spcPct val="0"/>
+              </a:spcBef>
+              <a:spcAft>
+                <a:spcPct val="0"/>
+              </a:spcAft>
+              <a:defRPr sz="3000">
+                <a:solidFill>
+                  <a:schemeClr val="tx1"/>
+                </a:solidFill>
+                <a:latin typeface="Arial Narrow" panose="020B0606020202030204" pitchFamily="34" charset="0"/>
+              </a:defRPr>
+            </a:lvl6pPr>
+            <a:lvl7pPr marL="2971800" indent="-228600" eaLnBrk="0" fontAlgn="base" hangingPunct="0">
+              <a:spcBef>
+                <a:spcPct val="0"/>
+              </a:spcBef>
+              <a:spcAft>
+                <a:spcPct val="0"/>
+              </a:spcAft>
+              <a:defRPr sz="3000">
+                <a:solidFill>
+                  <a:schemeClr val="tx1"/>
+                </a:solidFill>
+                <a:latin typeface="Arial Narrow" panose="020B0606020202030204" pitchFamily="34" charset="0"/>
+              </a:defRPr>
+            </a:lvl7pPr>
+            <a:lvl8pPr marL="3429000" indent="-228600" eaLnBrk="0" fontAlgn="base" hangingPunct="0">
+              <a:spcBef>
+                <a:spcPct val="0"/>
+              </a:spcBef>
+              <a:spcAft>
+                <a:spcPct val="0"/>
+              </a:spcAft>
+              <a:defRPr sz="3000">
+                <a:solidFill>
+                  <a:schemeClr val="tx1"/>
+                </a:solidFill>
+                <a:latin typeface="Arial Narrow" panose="020B0606020202030204" pitchFamily="34" charset="0"/>
+              </a:defRPr>
+            </a:lvl8pPr>
+            <a:lvl9pPr marL="3886200" indent="-228600" eaLnBrk="0" fontAlgn="base" hangingPunct="0">
+              <a:spcBef>
+                <a:spcPct val="0"/>
+              </a:spcBef>
+              <a:spcAft>
+                <a:spcPct val="0"/>
+              </a:spcAft>
+              <a:defRPr sz="3000">
+                <a:solidFill>
+                  <a:schemeClr val="tx1"/>
+                </a:solidFill>
+                <a:latin typeface="Arial Narrow" panose="020B0606020202030204" pitchFamily="34" charset="0"/>
+              </a:defRPr>
+            </a:lvl9pPr>
+          </a:lstStyle>
+          <a:p>
+            <a:endParaRPr lang="fr-FR" altLang="fr-FR"/>
+          </a:p>
+        </p:txBody>
+      </p:sp>
+      <p:sp>
+        <p:nvSpPr>
+          <p:cNvPr id="12291" name="Rectangle 2"/>
+          <p:cNvSpPr>
+            <a:spLocks noGrp="1" noChangeArrowheads="1"/>
+          </p:cNvSpPr>
+          <p:nvPr>
+            <p:ph type="title"/>
+          </p:nvPr>
+        </p:nvSpPr>
+        <p:spPr/>
+        <p:txBody>
+          <a:bodyPr/>
+          <a:lstStyle/>
+          <a:p>
+            <a:r>
+              <a:rPr lang="en-US" altLang="fr-FR">
+                <a:solidFill>
+                  <a:srgbClr val="000000"/>
+                </a:solidFill>
+              </a:rPr>
+              <a:t>Qu'est-ce qu'un objet ?</a:t>
+            </a:r>
+            <a:endParaRPr lang="en-GB" altLang="fr-FR"/>
+          </a:p>
+        </p:txBody>
+      </p:sp>
+      <p:sp>
+        <p:nvSpPr>
+          <p:cNvPr id="12292" name="Rectangle 3"/>
+          <p:cNvSpPr>
+            <a:spLocks noGrp="1" noChangeArrowheads="1"/>
+          </p:cNvSpPr>
+          <p:nvPr>
+            <p:ph type="body" idx="1"/>
+          </p:nvPr>
+        </p:nvSpPr>
+        <p:spPr>
+          <a:xfrm>
+            <a:off x="1050925" y="1808163"/>
+            <a:ext cx="7194550" cy="4287837"/>
+          </a:xfrm>
+        </p:spPr>
+        <p:txBody>
+          <a:bodyPr/>
+          <a:lstStyle/>
+          <a:p>
+            <a:r>
+              <a:rPr lang="en-US" altLang="fr-FR">
+                <a:solidFill>
+                  <a:srgbClr val="000000"/>
+                </a:solidFill>
+              </a:rPr>
+              <a:t>Un objet est une instance d'une classe</a:t>
+            </a:r>
+            <a:endParaRPr lang="en-GB" altLang="fr-FR"/>
+          </a:p>
+          <a:p>
+            <a:r>
+              <a:rPr lang="en-US" altLang="fr-FR">
+                <a:solidFill>
+                  <a:srgbClr val="000000"/>
+                </a:solidFill>
+              </a:rPr>
+              <a:t>Les objets ont :</a:t>
+            </a:r>
+            <a:endParaRPr lang="en-GB" altLang="fr-FR"/>
+          </a:p>
+          <a:p>
+            <a:pPr lvl="1"/>
+            <a:r>
+              <a:rPr lang="en-US" altLang="fr-FR">
+                <a:solidFill>
+                  <a:srgbClr val="000000"/>
+                </a:solidFill>
+              </a:rPr>
+              <a:t>Une identité :</a:t>
+            </a:r>
+            <a:r>
+              <a:rPr lang="en-GB" altLang="fr-FR"/>
+              <a:t> </a:t>
+            </a:r>
+            <a:r>
+              <a:rPr lang="fr-FR" altLang="fr-FR">
+                <a:solidFill>
+                  <a:srgbClr val="000000"/>
+                </a:solidFill>
+              </a:rPr>
+              <a:t>ils </a:t>
+            </a:r>
+            <a:r>
+              <a:rPr lang="en-US" altLang="fr-FR">
+                <a:solidFill>
+                  <a:srgbClr val="000000"/>
+                </a:solidFill>
+              </a:rPr>
+              <a:t>sont reconnaissables les uns des autres</a:t>
+            </a:r>
+            <a:endParaRPr lang="en-GB" altLang="fr-FR"/>
+          </a:p>
+          <a:p>
+            <a:pPr lvl="1"/>
+            <a:r>
+              <a:rPr lang="en-US" altLang="fr-FR">
+                <a:solidFill>
+                  <a:srgbClr val="000000"/>
+                </a:solidFill>
+              </a:rPr>
+              <a:t>Un comportement :</a:t>
+            </a:r>
+            <a:r>
+              <a:rPr lang="en-GB" altLang="fr-FR"/>
+              <a:t> </a:t>
+            </a:r>
+            <a:r>
+              <a:rPr lang="fr-FR" altLang="fr-FR">
+                <a:solidFill>
+                  <a:srgbClr val="000000"/>
+                </a:solidFill>
+              </a:rPr>
+              <a:t>ils </a:t>
+            </a:r>
+            <a:r>
+              <a:rPr lang="en-US" altLang="fr-FR">
+                <a:solidFill>
+                  <a:srgbClr val="000000"/>
+                </a:solidFill>
+              </a:rPr>
+              <a:t>peuvent réaliser des tâches</a:t>
+            </a:r>
+            <a:endParaRPr lang="en-GB" altLang="fr-FR"/>
+          </a:p>
+          <a:p>
+            <a:pPr lvl="1"/>
+            <a:r>
+              <a:rPr lang="en-US" altLang="fr-FR">
+                <a:solidFill>
+                  <a:srgbClr val="000000"/>
+                </a:solidFill>
+              </a:rPr>
+              <a:t>Un état :</a:t>
+            </a:r>
+            <a:r>
+              <a:rPr lang="en-GB" altLang="fr-FR"/>
+              <a:t> </a:t>
+            </a:r>
+            <a:r>
+              <a:rPr lang="fr-FR" altLang="fr-FR">
+                <a:solidFill>
+                  <a:srgbClr val="000000"/>
+                </a:solidFill>
+              </a:rPr>
+              <a:t>ils </a:t>
+            </a:r>
+            <a:r>
+              <a:rPr lang="en-US" altLang="fr-FR">
+                <a:solidFill>
+                  <a:srgbClr val="000000"/>
+                </a:solidFill>
+              </a:rPr>
+              <a:t>stockent des informations</a:t>
+            </a:r>
+            <a:endParaRPr lang="en-GB" altLang="fr-FR">
+              <a:solidFill>
+                <a:srgbClr val="000000"/>
+              </a:solidFill>
+            </a:endParaRPr>
+          </a:p>
+        </p:txBody>
+      </p:sp>
+      <p:pic>
+        <p:nvPicPr>
+          <p:cNvPr id="12293" name="Picture 4"/>
+          <p:cNvPicPr>
+            <a:picLocks noChangeAspect="1" noChangeArrowheads="1"/>
+          </p:cNvPicPr>
+          <p:nvPr/>
+        </p:nvPicPr>
+        <p:blipFill>
+          <a:blip r:embed="rId3" cstate="print">
+            <a:extLst>
+              <a:ext uri="{28A0092B-C50C-407E-A947-70E740481C1C}">
+                <a14:useLocalDpi xmlns:a14="http://schemas.microsoft.com/office/drawing/2010/main" val="0"/>
+              </a:ext>
+            </a:extLst>
+          </a:blip>
+          <a:srcRect/>
+          <a:stretch>
+            <a:fillRect/>
+          </a:stretch>
+        </p:blipFill>
+        <p:spPr bwMode="auto">
+          <a:xfrm>
+            <a:off x="1371600" y="4784725"/>
+            <a:ext cx="1905000" cy="1133475"/>
+          </a:xfrm>
+          <a:prstGeom prst="rect">
+            <a:avLst/>
+          </a:prstGeom>
+          <a:noFill/>
+          <a:ln>
+            <a:noFill/>
+          </a:ln>
+          <a:effectLst/>
+          <a:extLst>
+            <a:ext uri="{909E8E84-426E-40DD-AFC4-6F175D3DCCD1}">
+              <a14:hiddenFill xmlns:a14="http://schemas.microsoft.com/office/drawing/2010/main">
+                <a:solidFill>
+                  <a:schemeClr val="accent1"/>
+                </a:solidFill>
+              </a14:hiddenFill>
+            </a:ext>
+            <a:ext uri="{91240B29-F687-4F45-9708-019B960494DF}">
+              <a14:hiddenLine xmlns:a14="http://schemas.microsoft.com/office/drawing/2010/main" w="9525">
+                <a:solidFill>
+                  <a:srgbClr val="000000"/>
+                </a:solidFill>
+                <a:miter lim="800000"/>
+                <a:headEnd/>
+                <a:tailEnd/>
+              </a14:hiddenLine>
+            </a:ext>
+            <a:ext uri="{AF507438-7753-43E0-B8FC-AC1667EBCBE1}">
+              <a14:hiddenEffects xmlns:a14="http://schemas.microsoft.com/office/drawing/2010/main">
+                <a:effectLst>
+                  <a:outerShdw dist="35921" dir="2700000" algn="ctr" rotWithShape="0">
+                    <a:srgbClr val="808080"/>
+                  </a:outerShdw>
+                </a:effectLst>
+              </a14:hiddenEffects>
+            </a:ext>
+          </a:extLst>
+        </p:spPr>
+      </p:pic>
+      <p:pic>
+        <p:nvPicPr>
+          <p:cNvPr id="12294" name="Picture 5"/>
+          <p:cNvPicPr>
+            <a:picLocks noChangeAspect="1" noChangeArrowheads="1"/>
+          </p:cNvPicPr>
+          <p:nvPr/>
+        </p:nvPicPr>
+        <p:blipFill>
+          <a:blip r:embed="rId4" cstate="print">
+            <a:extLst>
+              <a:ext uri="{28A0092B-C50C-407E-A947-70E740481C1C}">
+                <a14:useLocalDpi xmlns:a14="http://schemas.microsoft.com/office/drawing/2010/main" val="0"/>
+              </a:ext>
+            </a:extLst>
+          </a:blip>
+          <a:srcRect/>
+          <a:stretch>
+            <a:fillRect/>
+          </a:stretch>
+        </p:blipFill>
+        <p:spPr bwMode="auto">
+          <a:xfrm>
+            <a:off x="3429000" y="4648200"/>
+            <a:ext cx="2155825" cy="1274763"/>
+          </a:xfrm>
+          <a:prstGeom prst="rect">
+            <a:avLst/>
+          </a:prstGeom>
+          <a:noFill/>
+          <a:ln>
+            <a:noFill/>
+          </a:ln>
+          <a:effectLst/>
+          <a:extLst>
+            <a:ext uri="{909E8E84-426E-40DD-AFC4-6F175D3DCCD1}">
+              <a14:hiddenFill xmlns:a14="http://schemas.microsoft.com/office/drawing/2010/main">
+                <a:solidFill>
+                  <a:schemeClr val="accent1"/>
+                </a:solidFill>
+              </a14:hiddenFill>
+            </a:ext>
+            <a:ext uri="{91240B29-F687-4F45-9708-019B960494DF}">
+              <a14:hiddenLine xmlns:a14="http://schemas.microsoft.com/office/drawing/2010/main" w="9525">
+                <a:solidFill>
+                  <a:srgbClr val="000000"/>
+                </a:solidFill>
+                <a:miter lim="800000"/>
+                <a:headEnd/>
+                <a:tailEnd/>
+              </a14:hiddenLine>
+            </a:ext>
+            <a:ext uri="{AF507438-7753-43E0-B8FC-AC1667EBCBE1}">
+              <a14:hiddenEffects xmlns:a14="http://schemas.microsoft.com/office/drawing/2010/main">
+                <a:effectLst>
+                  <a:outerShdw dist="35921" dir="2700000" algn="ctr" rotWithShape="0">
+                    <a:srgbClr val="808080"/>
+                  </a:outerShdw>
+                </a:effectLst>
+              </a14:hiddenEffects>
+            </a:ext>
+          </a:extLst>
+        </p:spPr>
+      </p:pic>
+      <p:pic>
+        <p:nvPicPr>
+          <p:cNvPr id="12295" name="Picture 6"/>
+          <p:cNvPicPr>
+            <a:picLocks noChangeAspect="1" noChangeArrowheads="1"/>
+          </p:cNvPicPr>
+          <p:nvPr/>
+        </p:nvPicPr>
+        <p:blipFill>
+          <a:blip r:embed="rId5" cstate="print">
+            <a:extLst>
+              <a:ext uri="{28A0092B-C50C-407E-A947-70E740481C1C}">
+                <a14:useLocalDpi xmlns:a14="http://schemas.microsoft.com/office/drawing/2010/main" val="0"/>
+              </a:ext>
+            </a:extLst>
+          </a:blip>
+          <a:srcRect/>
+          <a:stretch>
+            <a:fillRect/>
+          </a:stretch>
+        </p:blipFill>
+        <p:spPr bwMode="auto">
+          <a:xfrm>
+            <a:off x="5791200" y="4802188"/>
+            <a:ext cx="1981200" cy="1141412"/>
+          </a:xfrm>
+          <a:prstGeom prst="rect">
+            <a:avLst/>
+          </a:prstGeom>
+          <a:noFill/>
+          <a:ln>
+            <a:noFill/>
+          </a:ln>
+          <a:effectLst/>
+          <a:extLst>
+            <a:ext uri="{909E8E84-426E-40DD-AFC4-6F175D3DCCD1}">
+              <a14:hiddenFill xmlns:a14="http://schemas.microsoft.com/office/drawing/2010/main">
+                <a:solidFill>
+                  <a:schemeClr val="accent1"/>
+                </a:solidFill>
+              </a14:hiddenFill>
+            </a:ext>
+            <a:ext uri="{91240B29-F687-4F45-9708-019B960494DF}">
+              <a14:hiddenLine xmlns:a14="http://schemas.microsoft.com/office/drawing/2010/main" w="9525">
+                <a:solidFill>
+                  <a:srgbClr val="000000"/>
+                </a:solidFill>
+                <a:miter lim="800000"/>
+                <a:headEnd/>
+                <a:tailEnd/>
+              </a14:hiddenLine>
+            </a:ext>
+            <a:ext uri="{AF507438-7753-43E0-B8FC-AC1667EBCBE1}">
+              <a14:hiddenEffects xmlns:a14="http://schemas.microsoft.com/office/drawing/2010/main">
+                <a:effectLst>
+                  <a:outerShdw dist="35921" dir="2700000" algn="ctr" rotWithShape="0">
+                    <a:srgbClr val="808080"/>
+                  </a:outerShdw>
+                </a:effectLst>
+              </a14:hiddenEffects>
+            </a:ext>
+          </a:extLst>
+        </p:spPr>
+      </p:pic>
+    </p:spTree>
+    <p:extLst>
+      <p:ext uri="{BB962C8B-B14F-4D97-AF65-F5344CB8AC3E}">
+        <p14:creationId xmlns:p14="http://schemas.microsoft.com/office/powerpoint/2010/main" val="2140405800"/>
+      </p:ext>
+    </p:extLst>
+  </p:cSld>
+  <p:clrMapOvr>
+    <a:masterClrMapping/>
+  </p:clrMapOvr>
+</p:sld>
+</file>
+
+<file path=ppt/slides/slide30.xml><?xml version="1.0" encoding="utf-8"?>
 <p:sld xmlns:a="http://schemas.openxmlformats.org/drawingml/2006/main" xmlns:r="http://schemas.openxmlformats.org/officeDocument/2006/relationships" xmlns:p="http://schemas.openxmlformats.org/presentationml/2006/main">
   <p:cSld>
     <p:spTree>
@@ -18450,7 +19432,7 @@
 </p:sld>
 </file>
 
-<file path=ppt/slides/slide29.xml><?xml version="1.0" encoding="utf-8"?>
+<file path=ppt/slides/slide31.xml><?xml version="1.0" encoding="utf-8"?>
 <p:sld xmlns:a="http://schemas.openxmlformats.org/drawingml/2006/main" xmlns:r="http://schemas.openxmlformats.org/officeDocument/2006/relationships" xmlns:p="http://schemas.openxmlformats.org/presentationml/2006/main">
   <p:cSld>
     <p:spTree>
@@ -21549,557 +22531,7 @@
 </p:sld>
 </file>
 
-<file path=ppt/slides/slide3.xml><?xml version="1.0" encoding="utf-8"?>
-<p:sld xmlns:a="http://schemas.openxmlformats.org/drawingml/2006/main" xmlns:r="http://schemas.openxmlformats.org/officeDocument/2006/relationships" xmlns:p="http://schemas.openxmlformats.org/presentationml/2006/main">
-  <p:cSld>
-    <p:spTree>
-      <p:nvGrpSpPr>
-        <p:cNvPr id="1" name=""/>
-        <p:cNvGrpSpPr/>
-        <p:nvPr/>
-      </p:nvGrpSpPr>
-      <p:grpSpPr>
-        <a:xfrm>
-          <a:off x="0" y="0"/>
-          <a:ext cx="0" cy="0"/>
-          <a:chOff x="0" y="0"/>
-          <a:chExt cx="0" cy="0"/>
-        </a:xfrm>
-      </p:grpSpPr>
-      <p:sp>
-        <p:nvSpPr>
-          <p:cNvPr id="12290" name="Rectangle 7"/>
-          <p:cNvSpPr>
-            <a:spLocks noChangeArrowheads="1"/>
-          </p:cNvSpPr>
-          <p:nvPr/>
-        </p:nvSpPr>
-        <p:spPr bwMode="auto">
-          <a:xfrm>
-            <a:off x="860425" y="1112838"/>
-            <a:ext cx="7378700" cy="5029200"/>
-          </a:xfrm>
-          <a:prstGeom prst="rect">
-            <a:avLst/>
-          </a:prstGeom>
-          <a:gradFill rotWithShape="0">
-            <a:gsLst>
-              <a:gs pos="0">
-                <a:srgbClr val="FCFEB9"/>
-              </a:gs>
-              <a:gs pos="100000">
-                <a:srgbClr val="FFCC66"/>
-              </a:gs>
-            </a:gsLst>
-            <a:lin ang="5400000" scaled="1"/>
-          </a:gradFill>
-          <a:ln>
-            <a:noFill/>
-          </a:ln>
-          <a:effectLst/>
-          <a:extLst>
-            <a:ext uri="{91240B29-F687-4F45-9708-019B960494DF}">
-              <a14:hiddenLine xmlns:a14="http://schemas.microsoft.com/office/drawing/2010/main" w="9525">
-                <a:solidFill>
-                  <a:schemeClr val="tx1"/>
-                </a:solidFill>
-                <a:miter lim="800000"/>
-                <a:headEnd/>
-                <a:tailEnd/>
-              </a14:hiddenLine>
-            </a:ext>
-            <a:ext uri="{AF507438-7753-43E0-B8FC-AC1667EBCBE1}">
-              <a14:hiddenEffects xmlns:a14="http://schemas.microsoft.com/office/drawing/2010/main">
-                <a:effectLst>
-                  <a:outerShdw dist="35921" dir="2700000" algn="ctr" rotWithShape="0">
-                    <a:schemeClr val="bg2"/>
-                  </a:outerShdw>
-                </a:effectLst>
-              </a14:hiddenEffects>
-            </a:ext>
-          </a:extLst>
-        </p:spPr>
-        <p:txBody>
-          <a:bodyPr wrap="none" anchor="ctr"/>
-          <a:lstStyle>
-            <a:lvl1pPr>
-              <a:defRPr sz="3000">
-                <a:solidFill>
-                  <a:schemeClr val="tx1"/>
-                </a:solidFill>
-                <a:latin typeface="Arial Narrow" panose="020B0606020202030204" pitchFamily="34" charset="0"/>
-              </a:defRPr>
-            </a:lvl1pPr>
-            <a:lvl2pPr marL="742950" indent="-285750">
-              <a:defRPr sz="3000">
-                <a:solidFill>
-                  <a:schemeClr val="tx1"/>
-                </a:solidFill>
-                <a:latin typeface="Arial Narrow" panose="020B0606020202030204" pitchFamily="34" charset="0"/>
-              </a:defRPr>
-            </a:lvl2pPr>
-            <a:lvl3pPr marL="1143000" indent="-228600">
-              <a:defRPr sz="3000">
-                <a:solidFill>
-                  <a:schemeClr val="tx1"/>
-                </a:solidFill>
-                <a:latin typeface="Arial Narrow" panose="020B0606020202030204" pitchFamily="34" charset="0"/>
-              </a:defRPr>
-            </a:lvl3pPr>
-            <a:lvl4pPr marL="1600200" indent="-228600">
-              <a:defRPr sz="3000">
-                <a:solidFill>
-                  <a:schemeClr val="tx1"/>
-                </a:solidFill>
-                <a:latin typeface="Arial Narrow" panose="020B0606020202030204" pitchFamily="34" charset="0"/>
-              </a:defRPr>
-            </a:lvl4pPr>
-            <a:lvl5pPr marL="2057400" indent="-228600">
-              <a:defRPr sz="3000">
-                <a:solidFill>
-                  <a:schemeClr val="tx1"/>
-                </a:solidFill>
-                <a:latin typeface="Arial Narrow" panose="020B0606020202030204" pitchFamily="34" charset="0"/>
-              </a:defRPr>
-            </a:lvl5pPr>
-            <a:lvl6pPr marL="2514600" indent="-228600" eaLnBrk="0" fontAlgn="base" hangingPunct="0">
-              <a:spcBef>
-                <a:spcPct val="0"/>
-              </a:spcBef>
-              <a:spcAft>
-                <a:spcPct val="0"/>
-              </a:spcAft>
-              <a:defRPr sz="3000">
-                <a:solidFill>
-                  <a:schemeClr val="tx1"/>
-                </a:solidFill>
-                <a:latin typeface="Arial Narrow" panose="020B0606020202030204" pitchFamily="34" charset="0"/>
-              </a:defRPr>
-            </a:lvl6pPr>
-            <a:lvl7pPr marL="2971800" indent="-228600" eaLnBrk="0" fontAlgn="base" hangingPunct="0">
-              <a:spcBef>
-                <a:spcPct val="0"/>
-              </a:spcBef>
-              <a:spcAft>
-                <a:spcPct val="0"/>
-              </a:spcAft>
-              <a:defRPr sz="3000">
-                <a:solidFill>
-                  <a:schemeClr val="tx1"/>
-                </a:solidFill>
-                <a:latin typeface="Arial Narrow" panose="020B0606020202030204" pitchFamily="34" charset="0"/>
-              </a:defRPr>
-            </a:lvl7pPr>
-            <a:lvl8pPr marL="3429000" indent="-228600" eaLnBrk="0" fontAlgn="base" hangingPunct="0">
-              <a:spcBef>
-                <a:spcPct val="0"/>
-              </a:spcBef>
-              <a:spcAft>
-                <a:spcPct val="0"/>
-              </a:spcAft>
-              <a:defRPr sz="3000">
-                <a:solidFill>
-                  <a:schemeClr val="tx1"/>
-                </a:solidFill>
-                <a:latin typeface="Arial Narrow" panose="020B0606020202030204" pitchFamily="34" charset="0"/>
-              </a:defRPr>
-            </a:lvl8pPr>
-            <a:lvl9pPr marL="3886200" indent="-228600" eaLnBrk="0" fontAlgn="base" hangingPunct="0">
-              <a:spcBef>
-                <a:spcPct val="0"/>
-              </a:spcBef>
-              <a:spcAft>
-                <a:spcPct val="0"/>
-              </a:spcAft>
-              <a:defRPr sz="3000">
-                <a:solidFill>
-                  <a:schemeClr val="tx1"/>
-                </a:solidFill>
-                <a:latin typeface="Arial Narrow" panose="020B0606020202030204" pitchFamily="34" charset="0"/>
-              </a:defRPr>
-            </a:lvl9pPr>
-          </a:lstStyle>
-          <a:p>
-            <a:endParaRPr lang="fr-FR" altLang="fr-FR"/>
-          </a:p>
-        </p:txBody>
-      </p:sp>
-      <p:sp>
-        <p:nvSpPr>
-          <p:cNvPr id="12291" name="Rectangle 2"/>
-          <p:cNvSpPr>
-            <a:spLocks noGrp="1" noChangeArrowheads="1"/>
-          </p:cNvSpPr>
-          <p:nvPr>
-            <p:ph type="title"/>
-          </p:nvPr>
-        </p:nvSpPr>
-        <p:spPr/>
-        <p:txBody>
-          <a:bodyPr/>
-          <a:lstStyle/>
-          <a:p>
-            <a:r>
-              <a:rPr lang="en-US" altLang="fr-FR">
-                <a:solidFill>
-                  <a:srgbClr val="000000"/>
-                </a:solidFill>
-              </a:rPr>
-              <a:t>Qu'est-ce qu'un objet ?</a:t>
-            </a:r>
-            <a:endParaRPr lang="en-GB" altLang="fr-FR"/>
-          </a:p>
-        </p:txBody>
-      </p:sp>
-      <p:sp>
-        <p:nvSpPr>
-          <p:cNvPr id="12292" name="Rectangle 3"/>
-          <p:cNvSpPr>
-            <a:spLocks noGrp="1" noChangeArrowheads="1"/>
-          </p:cNvSpPr>
-          <p:nvPr>
-            <p:ph type="body" idx="1"/>
-          </p:nvPr>
-        </p:nvSpPr>
-        <p:spPr>
-          <a:xfrm>
-            <a:off x="1050925" y="1808163"/>
-            <a:ext cx="7194550" cy="4287837"/>
-          </a:xfrm>
-        </p:spPr>
-        <p:txBody>
-          <a:bodyPr/>
-          <a:lstStyle/>
-          <a:p>
-            <a:r>
-              <a:rPr lang="en-US" altLang="fr-FR">
-                <a:solidFill>
-                  <a:srgbClr val="000000"/>
-                </a:solidFill>
-              </a:rPr>
-              <a:t>Un objet est une instance d'une classe</a:t>
-            </a:r>
-            <a:endParaRPr lang="en-GB" altLang="fr-FR"/>
-          </a:p>
-          <a:p>
-            <a:r>
-              <a:rPr lang="en-US" altLang="fr-FR">
-                <a:solidFill>
-                  <a:srgbClr val="000000"/>
-                </a:solidFill>
-              </a:rPr>
-              <a:t>Les objets ont :</a:t>
-            </a:r>
-            <a:endParaRPr lang="en-GB" altLang="fr-FR"/>
-          </a:p>
-          <a:p>
-            <a:pPr lvl="1"/>
-            <a:r>
-              <a:rPr lang="en-US" altLang="fr-FR">
-                <a:solidFill>
-                  <a:srgbClr val="000000"/>
-                </a:solidFill>
-              </a:rPr>
-              <a:t>Une identité :</a:t>
-            </a:r>
-            <a:r>
-              <a:rPr lang="en-GB" altLang="fr-FR"/>
-              <a:t> </a:t>
-            </a:r>
-            <a:r>
-              <a:rPr lang="fr-FR" altLang="fr-FR">
-                <a:solidFill>
-                  <a:srgbClr val="000000"/>
-                </a:solidFill>
-              </a:rPr>
-              <a:t>ils </a:t>
-            </a:r>
-            <a:r>
-              <a:rPr lang="en-US" altLang="fr-FR">
-                <a:solidFill>
-                  <a:srgbClr val="000000"/>
-                </a:solidFill>
-              </a:rPr>
-              <a:t>sont reconnaissables les uns des autres</a:t>
-            </a:r>
-            <a:endParaRPr lang="en-GB" altLang="fr-FR"/>
-          </a:p>
-          <a:p>
-            <a:pPr lvl="1"/>
-            <a:r>
-              <a:rPr lang="en-US" altLang="fr-FR">
-                <a:solidFill>
-                  <a:srgbClr val="000000"/>
-                </a:solidFill>
-              </a:rPr>
-              <a:t>Un comportement :</a:t>
-            </a:r>
-            <a:r>
-              <a:rPr lang="en-GB" altLang="fr-FR"/>
-              <a:t> </a:t>
-            </a:r>
-            <a:r>
-              <a:rPr lang="fr-FR" altLang="fr-FR">
-                <a:solidFill>
-                  <a:srgbClr val="000000"/>
-                </a:solidFill>
-              </a:rPr>
-              <a:t>ils </a:t>
-            </a:r>
-            <a:r>
-              <a:rPr lang="en-US" altLang="fr-FR">
-                <a:solidFill>
-                  <a:srgbClr val="000000"/>
-                </a:solidFill>
-              </a:rPr>
-              <a:t>peuvent réaliser des tâches</a:t>
-            </a:r>
-            <a:endParaRPr lang="en-GB" altLang="fr-FR"/>
-          </a:p>
-          <a:p>
-            <a:pPr lvl="1"/>
-            <a:r>
-              <a:rPr lang="en-US" altLang="fr-FR">
-                <a:solidFill>
-                  <a:srgbClr val="000000"/>
-                </a:solidFill>
-              </a:rPr>
-              <a:t>Un état :</a:t>
-            </a:r>
-            <a:r>
-              <a:rPr lang="en-GB" altLang="fr-FR"/>
-              <a:t> </a:t>
-            </a:r>
-            <a:r>
-              <a:rPr lang="fr-FR" altLang="fr-FR">
-                <a:solidFill>
-                  <a:srgbClr val="000000"/>
-                </a:solidFill>
-              </a:rPr>
-              <a:t>ils </a:t>
-            </a:r>
-            <a:r>
-              <a:rPr lang="en-US" altLang="fr-FR">
-                <a:solidFill>
-                  <a:srgbClr val="000000"/>
-                </a:solidFill>
-              </a:rPr>
-              <a:t>stockent des informations</a:t>
-            </a:r>
-            <a:endParaRPr lang="en-GB" altLang="fr-FR">
-              <a:solidFill>
-                <a:srgbClr val="000000"/>
-              </a:solidFill>
-            </a:endParaRPr>
-          </a:p>
-        </p:txBody>
-      </p:sp>
-      <p:pic>
-        <p:nvPicPr>
-          <p:cNvPr id="12293" name="Picture 4"/>
-          <p:cNvPicPr>
-            <a:picLocks noChangeAspect="1" noChangeArrowheads="1"/>
-          </p:cNvPicPr>
-          <p:nvPr/>
-        </p:nvPicPr>
-        <p:blipFill>
-          <a:blip r:embed="rId3" cstate="print">
-            <a:extLst>
-              <a:ext uri="{28A0092B-C50C-407E-A947-70E740481C1C}">
-                <a14:useLocalDpi xmlns:a14="http://schemas.microsoft.com/office/drawing/2010/main" val="0"/>
-              </a:ext>
-            </a:extLst>
-          </a:blip>
-          <a:srcRect/>
-          <a:stretch>
-            <a:fillRect/>
-          </a:stretch>
-        </p:blipFill>
-        <p:spPr bwMode="auto">
-          <a:xfrm>
-            <a:off x="1371600" y="4784725"/>
-            <a:ext cx="1905000" cy="1133475"/>
-          </a:xfrm>
-          <a:prstGeom prst="rect">
-            <a:avLst/>
-          </a:prstGeom>
-          <a:noFill/>
-          <a:ln>
-            <a:noFill/>
-          </a:ln>
-          <a:effectLst/>
-          <a:extLst>
-            <a:ext uri="{909E8E84-426E-40DD-AFC4-6F175D3DCCD1}">
-              <a14:hiddenFill xmlns:a14="http://schemas.microsoft.com/office/drawing/2010/main">
-                <a:solidFill>
-                  <a:schemeClr val="accent1"/>
-                </a:solidFill>
-              </a14:hiddenFill>
-            </a:ext>
-            <a:ext uri="{91240B29-F687-4F45-9708-019B960494DF}">
-              <a14:hiddenLine xmlns:a14="http://schemas.microsoft.com/office/drawing/2010/main" w="9525">
-                <a:solidFill>
-                  <a:srgbClr val="000000"/>
-                </a:solidFill>
-                <a:miter lim="800000"/>
-                <a:headEnd/>
-                <a:tailEnd/>
-              </a14:hiddenLine>
-            </a:ext>
-            <a:ext uri="{AF507438-7753-43E0-B8FC-AC1667EBCBE1}">
-              <a14:hiddenEffects xmlns:a14="http://schemas.microsoft.com/office/drawing/2010/main">
-                <a:effectLst>
-                  <a:outerShdw dist="35921" dir="2700000" algn="ctr" rotWithShape="0">
-                    <a:srgbClr val="808080"/>
-                  </a:outerShdw>
-                </a:effectLst>
-              </a14:hiddenEffects>
-            </a:ext>
-          </a:extLst>
-        </p:spPr>
-      </p:pic>
-      <p:pic>
-        <p:nvPicPr>
-          <p:cNvPr id="12294" name="Picture 5"/>
-          <p:cNvPicPr>
-            <a:picLocks noChangeAspect="1" noChangeArrowheads="1"/>
-          </p:cNvPicPr>
-          <p:nvPr/>
-        </p:nvPicPr>
-        <p:blipFill>
-          <a:blip r:embed="rId4" cstate="print">
-            <a:extLst>
-              <a:ext uri="{28A0092B-C50C-407E-A947-70E740481C1C}">
-                <a14:useLocalDpi xmlns:a14="http://schemas.microsoft.com/office/drawing/2010/main" val="0"/>
-              </a:ext>
-            </a:extLst>
-          </a:blip>
-          <a:srcRect/>
-          <a:stretch>
-            <a:fillRect/>
-          </a:stretch>
-        </p:blipFill>
-        <p:spPr bwMode="auto">
-          <a:xfrm>
-            <a:off x="3429000" y="4648200"/>
-            <a:ext cx="2155825" cy="1274763"/>
-          </a:xfrm>
-          <a:prstGeom prst="rect">
-            <a:avLst/>
-          </a:prstGeom>
-          <a:noFill/>
-          <a:ln>
-            <a:noFill/>
-          </a:ln>
-          <a:effectLst/>
-          <a:extLst>
-            <a:ext uri="{909E8E84-426E-40DD-AFC4-6F175D3DCCD1}">
-              <a14:hiddenFill xmlns:a14="http://schemas.microsoft.com/office/drawing/2010/main">
-                <a:solidFill>
-                  <a:schemeClr val="accent1"/>
-                </a:solidFill>
-              </a14:hiddenFill>
-            </a:ext>
-            <a:ext uri="{91240B29-F687-4F45-9708-019B960494DF}">
-              <a14:hiddenLine xmlns:a14="http://schemas.microsoft.com/office/drawing/2010/main" w="9525">
-                <a:solidFill>
-                  <a:srgbClr val="000000"/>
-                </a:solidFill>
-                <a:miter lim="800000"/>
-                <a:headEnd/>
-                <a:tailEnd/>
-              </a14:hiddenLine>
-            </a:ext>
-            <a:ext uri="{AF507438-7753-43E0-B8FC-AC1667EBCBE1}">
-              <a14:hiddenEffects xmlns:a14="http://schemas.microsoft.com/office/drawing/2010/main">
-                <a:effectLst>
-                  <a:outerShdw dist="35921" dir="2700000" algn="ctr" rotWithShape="0">
-                    <a:srgbClr val="808080"/>
-                  </a:outerShdw>
-                </a:effectLst>
-              </a14:hiddenEffects>
-            </a:ext>
-          </a:extLst>
-        </p:spPr>
-      </p:pic>
-      <p:pic>
-        <p:nvPicPr>
-          <p:cNvPr id="12295" name="Picture 6"/>
-          <p:cNvPicPr>
-            <a:picLocks noChangeAspect="1" noChangeArrowheads="1"/>
-          </p:cNvPicPr>
-          <p:nvPr/>
-        </p:nvPicPr>
-        <p:blipFill>
-          <a:blip r:embed="rId5" cstate="print">
-            <a:extLst>
-              <a:ext uri="{28A0092B-C50C-407E-A947-70E740481C1C}">
-                <a14:useLocalDpi xmlns:a14="http://schemas.microsoft.com/office/drawing/2010/main" val="0"/>
-              </a:ext>
-            </a:extLst>
-          </a:blip>
-          <a:srcRect/>
-          <a:stretch>
-            <a:fillRect/>
-          </a:stretch>
-        </p:blipFill>
-        <p:spPr bwMode="auto">
-          <a:xfrm>
-            <a:off x="5791200" y="4802188"/>
-            <a:ext cx="1981200" cy="1141412"/>
-          </a:xfrm>
-          <a:prstGeom prst="rect">
-            <a:avLst/>
-          </a:prstGeom>
-          <a:noFill/>
-          <a:ln>
-            <a:noFill/>
-          </a:ln>
-          <a:effectLst/>
-          <a:extLst>
-            <a:ext uri="{909E8E84-426E-40DD-AFC4-6F175D3DCCD1}">
-              <a14:hiddenFill xmlns:a14="http://schemas.microsoft.com/office/drawing/2010/main">
-                <a:solidFill>
-                  <a:schemeClr val="accent1"/>
-                </a:solidFill>
-              </a14:hiddenFill>
-            </a:ext>
-            <a:ext uri="{91240B29-F687-4F45-9708-019B960494DF}">
-              <a14:hiddenLine xmlns:a14="http://schemas.microsoft.com/office/drawing/2010/main" w="9525">
-                <a:solidFill>
-                  <a:srgbClr val="000000"/>
-                </a:solidFill>
-                <a:miter lim="800000"/>
-                <a:headEnd/>
-                <a:tailEnd/>
-              </a14:hiddenLine>
-            </a:ext>
-            <a:ext uri="{AF507438-7753-43E0-B8FC-AC1667EBCBE1}">
-              <a14:hiddenEffects xmlns:a14="http://schemas.microsoft.com/office/drawing/2010/main">
-                <a:effectLst>
-                  <a:outerShdw dist="35921" dir="2700000" algn="ctr" rotWithShape="0">
-                    <a:srgbClr val="808080"/>
-                  </a:outerShdw>
-                </a:effectLst>
-              </a14:hiddenEffects>
-            </a:ext>
-          </a:extLst>
-        </p:spPr>
-      </p:pic>
-    </p:spTree>
-    <p:extLst>
-      <p:ext uri="{BB962C8B-B14F-4D97-AF65-F5344CB8AC3E}">
-        <p14:creationId xmlns:p14="http://schemas.microsoft.com/office/powerpoint/2010/main" val="2140405800"/>
-      </p:ext>
-    </p:extLst>
-  </p:cSld>
-  <p:clrMapOvr>
-    <a:masterClrMapping/>
-  </p:clrMapOvr>
-</p:sld>
-</file>
-
-<file path=ppt/slides/slide30.xml><?xml version="1.0" encoding="utf-8"?>
+<file path=ppt/slides/slide32.xml><?xml version="1.0" encoding="utf-8"?>
 <p:sld xmlns:a="http://schemas.openxmlformats.org/drawingml/2006/main" xmlns:r="http://schemas.openxmlformats.org/officeDocument/2006/relationships" xmlns:p="http://schemas.openxmlformats.org/presentationml/2006/main">
   <p:cSld>
     <p:spTree>
@@ -22232,7 +22664,7 @@
 </p:sld>
 </file>
 
-<file path=ppt/slides/slide31.xml><?xml version="1.0" encoding="utf-8"?>
+<file path=ppt/slides/slide33.xml><?xml version="1.0" encoding="utf-8"?>
 <p:sld xmlns:a="http://schemas.openxmlformats.org/drawingml/2006/main" xmlns:r="http://schemas.openxmlformats.org/officeDocument/2006/relationships" xmlns:p="http://schemas.openxmlformats.org/presentationml/2006/main">
   <p:cSld>
     <p:spTree>
@@ -22337,7 +22769,7 @@
 </p:sld>
 </file>
 
-<file path=ppt/slides/slide32.xml><?xml version="1.0" encoding="utf-8"?>
+<file path=ppt/slides/slide34.xml><?xml version="1.0" encoding="utf-8"?>
 <p:sld xmlns:a="http://schemas.openxmlformats.org/drawingml/2006/main" xmlns:r="http://schemas.openxmlformats.org/officeDocument/2006/relationships" xmlns:p="http://schemas.openxmlformats.org/presentationml/2006/main">
   <p:cSld>
     <p:spTree>
@@ -22500,7 +22932,7 @@
 </p:sld>
 </file>
 
-<file path=ppt/slides/slide33.xml><?xml version="1.0" encoding="utf-8"?>
+<file path=ppt/slides/slide35.xml><?xml version="1.0" encoding="utf-8"?>
 <p:sld xmlns:a="http://schemas.openxmlformats.org/drawingml/2006/main" xmlns:r="http://schemas.openxmlformats.org/officeDocument/2006/relationships" xmlns:p="http://schemas.openxmlformats.org/presentationml/2006/main">
   <p:cSld>
     <p:spTree>

--- a/PPT/Python08-OO.pptx
+++ b/PPT/Python08-OO.pptx
@@ -5,10 +5,10 @@
     <p:sldMasterId id="2147483653" r:id="rId1"/>
   </p:sldMasterIdLst>
   <p:notesMasterIdLst>
-    <p:notesMasterId r:id="rId37"/>
+    <p:notesMasterId r:id="rId36"/>
   </p:notesMasterIdLst>
   <p:handoutMasterIdLst>
-    <p:handoutMasterId r:id="rId38"/>
+    <p:handoutMasterId r:id="rId37"/>
   </p:handoutMasterIdLst>
   <p:sldIdLst>
     <p:sldId id="264" r:id="rId2"/>
@@ -45,7 +45,6 @@
     <p:sldId id="311" r:id="rId33"/>
     <p:sldId id="317" r:id="rId34"/>
     <p:sldId id="321" r:id="rId35"/>
-    <p:sldId id="318" r:id="rId36"/>
   </p:sldIdLst>
   <p:sldSz cx="9144000" cy="6858000" type="screen4x3"/>
   <p:notesSz cx="6648450" cy="9782175"/>
@@ -22923,113 +22922,6 @@
     <p:extLst>
       <p:ext uri="{BB962C8B-B14F-4D97-AF65-F5344CB8AC3E}">
         <p14:creationId xmlns:p14="http://schemas.microsoft.com/office/powerpoint/2010/main" val="806311911"/>
-      </p:ext>
-    </p:extLst>
-  </p:cSld>
-  <p:clrMapOvr>
-    <a:masterClrMapping/>
-  </p:clrMapOvr>
-</p:sld>
-</file>
-
-<file path=ppt/slides/slide35.xml><?xml version="1.0" encoding="utf-8"?>
-<p:sld xmlns:a="http://schemas.openxmlformats.org/drawingml/2006/main" xmlns:r="http://schemas.openxmlformats.org/officeDocument/2006/relationships" xmlns:p="http://schemas.openxmlformats.org/presentationml/2006/main">
-  <p:cSld>
-    <p:spTree>
-      <p:nvGrpSpPr>
-        <p:cNvPr id="1" name=""/>
-        <p:cNvGrpSpPr/>
-        <p:nvPr/>
-      </p:nvGrpSpPr>
-      <p:grpSpPr>
-        <a:xfrm>
-          <a:off x="0" y="0"/>
-          <a:ext cx="0" cy="0"/>
-          <a:chOff x="0" y="0"/>
-          <a:chExt cx="0" cy="0"/>
-        </a:xfrm>
-      </p:grpSpPr>
-      <p:sp>
-        <p:nvSpPr>
-          <p:cNvPr id="2" name="Titre 1"/>
-          <p:cNvSpPr>
-            <a:spLocks noGrp="1"/>
-          </p:cNvSpPr>
-          <p:nvPr>
-            <p:ph type="title"/>
-          </p:nvPr>
-        </p:nvSpPr>
-        <p:spPr/>
-        <p:txBody>
-          <a:bodyPr/>
-          <a:lstStyle/>
-          <a:p>
-            <a:r>
-              <a:rPr lang="fr-FR" dirty="0"/>
-              <a:t>Qualité du code</a:t>
-            </a:r>
-          </a:p>
-        </p:txBody>
-      </p:sp>
-      <p:sp>
-        <p:nvSpPr>
-          <p:cNvPr id="3" name="Espace réservé du contenu 2"/>
-          <p:cNvSpPr>
-            <a:spLocks noGrp="1"/>
-          </p:cNvSpPr>
-          <p:nvPr>
-            <p:ph idx="1"/>
-          </p:nvPr>
-        </p:nvSpPr>
-        <p:spPr/>
-        <p:txBody>
-          <a:bodyPr/>
-          <a:lstStyle/>
-          <a:p>
-            <a:r>
-              <a:rPr lang="fr-FR"/>
-              <a:t>Faut il </a:t>
-            </a:r>
-            <a:r>
-              <a:rPr lang="fr-FR" dirty="0"/>
-              <a:t>passer par les propriétés et attributs privés ?</a:t>
-            </a:r>
-          </a:p>
-          <a:p>
-            <a:r>
-              <a:rPr lang="fr-FR" dirty="0"/>
-              <a:t>Peut on programmer avec des attributs publiques ?</a:t>
-            </a:r>
-          </a:p>
-          <a:p>
-            <a:r>
-              <a:rPr lang="fr-FR" dirty="0"/>
-              <a:t>Peut on se passer du __</a:t>
-            </a:r>
-            <a:r>
-              <a:rPr lang="fr-FR" dirty="0" err="1"/>
-              <a:t>init</a:t>
-            </a:r>
-            <a:r>
-              <a:rPr lang="fr-FR" dirty="0"/>
-              <a:t>__ ?</a:t>
-            </a:r>
-          </a:p>
-          <a:p>
-            <a:r>
-              <a:rPr lang="fr-FR" dirty="0"/>
-              <a:t>Peut on programmer uniquement par prototypage ?</a:t>
-            </a:r>
-          </a:p>
-          <a:p>
-            <a:endParaRPr lang="fr-FR" dirty="0"/>
-          </a:p>
-        </p:txBody>
-      </p:sp>
-    </p:spTree>
-    <p:extLst>
-      <p:ext uri="{BB962C8B-B14F-4D97-AF65-F5344CB8AC3E}">
-        <p14:creationId xmlns:p14="http://schemas.microsoft.com/office/powerpoint/2010/main" val="1822016816"/>
       </p:ext>
     </p:extLst>
   </p:cSld>

--- a/PPT/Python08-OO.pptx
+++ b/PPT/Python08-OO.pptx
@@ -5,10 +5,10 @@
     <p:sldMasterId id="2147483653" r:id="rId1"/>
   </p:sldMasterIdLst>
   <p:notesMasterIdLst>
-    <p:notesMasterId r:id="rId36"/>
+    <p:notesMasterId r:id="rId35"/>
   </p:notesMasterIdLst>
   <p:handoutMasterIdLst>
-    <p:handoutMasterId r:id="rId37"/>
+    <p:handoutMasterId r:id="rId36"/>
   </p:handoutMasterIdLst>
   <p:sldIdLst>
     <p:sldId id="264" r:id="rId2"/>
@@ -38,13 +38,12 @@
     <p:sldId id="314" r:id="rId26"/>
     <p:sldId id="315" r:id="rId27"/>
     <p:sldId id="322" r:id="rId28"/>
-    <p:sldId id="323" r:id="rId29"/>
-    <p:sldId id="277" r:id="rId30"/>
-    <p:sldId id="308" r:id="rId31"/>
-    <p:sldId id="278" r:id="rId32"/>
-    <p:sldId id="311" r:id="rId33"/>
-    <p:sldId id="317" r:id="rId34"/>
-    <p:sldId id="321" r:id="rId35"/>
+    <p:sldId id="277" r:id="rId29"/>
+    <p:sldId id="308" r:id="rId30"/>
+    <p:sldId id="278" r:id="rId31"/>
+    <p:sldId id="311" r:id="rId32"/>
+    <p:sldId id="317" r:id="rId33"/>
+    <p:sldId id="321" r:id="rId34"/>
   </p:sldIdLst>
   <p:sldSz cx="9144000" cy="6858000" type="screen4x3"/>
   <p:notesSz cx="6648450" cy="9782175"/>
@@ -1130,6 +1129,130 @@
       </p:grpSpPr>
       <p:sp>
         <p:nvSpPr>
+          <p:cNvPr id="2" name="Espace réservé de l'image des diapositives 1"/>
+          <p:cNvSpPr>
+            <a:spLocks noGrp="1" noRot="1" noChangeAspect="1"/>
+          </p:cNvSpPr>
+          <p:nvPr>
+            <p:ph type="sldImg"/>
+          </p:nvPr>
+        </p:nvSpPr>
+        <p:spPr>
+          <a:xfrm>
+            <a:off x="877888" y="733425"/>
+            <a:ext cx="4892675" cy="3670300"/>
+          </a:xfrm>
+        </p:spPr>
+      </p:sp>
+      <p:sp>
+        <p:nvSpPr>
+          <p:cNvPr id="3" name="Espace réservé des commentaires 2"/>
+          <p:cNvSpPr>
+            <a:spLocks noGrp="1"/>
+          </p:cNvSpPr>
+          <p:nvPr>
+            <p:ph type="body" idx="1"/>
+          </p:nvPr>
+        </p:nvSpPr>
+        <p:spPr/>
+        <p:txBody>
+          <a:bodyPr/>
+          <a:lstStyle/>
+          <a:p>
+            <a:endParaRPr lang="fr-FR" dirty="0"/>
+          </a:p>
+        </p:txBody>
+      </p:sp>
+      <p:sp>
+        <p:nvSpPr>
+          <p:cNvPr id="4" name="Espace réservé du pied de page 3"/>
+          <p:cNvSpPr>
+            <a:spLocks noGrp="1"/>
+          </p:cNvSpPr>
+          <p:nvPr>
+            <p:ph type="ftr" sz="quarter" idx="10"/>
+          </p:nvPr>
+        </p:nvSpPr>
+        <p:spPr/>
+        <p:txBody>
+          <a:bodyPr/>
+          <a:lstStyle/>
+          <a:p>
+            <a:pPr>
+              <a:defRPr/>
+            </a:pPr>
+            <a:r>
+              <a:rPr lang="fr-FR"/>
+              <a:t>© HANDSHAKE - Philippe MASINA</a:t>
+            </a:r>
+          </a:p>
+        </p:txBody>
+      </p:sp>
+      <p:sp>
+        <p:nvSpPr>
+          <p:cNvPr id="5" name="Espace réservé du numéro de diapositive 4"/>
+          <p:cNvSpPr>
+            <a:spLocks noGrp="1"/>
+          </p:cNvSpPr>
+          <p:nvPr>
+            <p:ph type="sldNum" sz="quarter" idx="11"/>
+          </p:nvPr>
+        </p:nvSpPr>
+        <p:spPr/>
+        <p:txBody>
+          <a:bodyPr/>
+          <a:lstStyle/>
+          <a:p>
+            <a:pPr>
+              <a:defRPr/>
+            </a:pPr>
+            <a:r>
+              <a:rPr lang="fr-FR"/>
+              <a:t>I-</a:t>
+            </a:r>
+            <a:fld id="{88B410AF-14E7-4D87-8C8E-6E377E0C2388}" type="slidenum">
+              <a:rPr lang="fr-FR" smtClean="0"/>
+              <a:pPr>
+                <a:defRPr/>
+              </a:pPr>
+              <a:t>24</a:t>
+            </a:fld>
+            <a:endParaRPr lang="fr-FR"/>
+          </a:p>
+        </p:txBody>
+      </p:sp>
+    </p:spTree>
+    <p:extLst>
+      <p:ext uri="{BB962C8B-B14F-4D97-AF65-F5344CB8AC3E}">
+        <p14:creationId xmlns:p14="http://schemas.microsoft.com/office/powerpoint/2010/main" val="221260208"/>
+      </p:ext>
+    </p:extLst>
+  </p:cSld>
+  <p:clrMapOvr>
+    <a:masterClrMapping/>
+  </p:clrMapOvr>
+</p:notes>
+</file>
+
+<file path=ppt/notesSlides/notesSlide11.xml><?xml version="1.0" encoding="utf-8"?>
+<p:notes xmlns:a="http://schemas.openxmlformats.org/drawingml/2006/main" xmlns:r="http://schemas.openxmlformats.org/officeDocument/2006/relationships" xmlns:p="http://schemas.openxmlformats.org/presentationml/2006/main">
+  <p:cSld>
+    <p:spTree>
+      <p:nvGrpSpPr>
+        <p:cNvPr id="1" name=""/>
+        <p:cNvGrpSpPr/>
+        <p:nvPr/>
+      </p:nvGrpSpPr>
+      <p:grpSpPr>
+        <a:xfrm>
+          <a:off x="0" y="0"/>
+          <a:ext cx="0" cy="0"/>
+          <a:chOff x="0" y="0"/>
+          <a:chExt cx="0" cy="0"/>
+        </a:xfrm>
+      </p:grpSpPr>
+      <p:sp>
+        <p:nvSpPr>
           <p:cNvPr id="29698" name="Rectangle 7"/>
           <p:cNvSpPr>
             <a:spLocks noGrp="1" noChangeArrowheads="1"/>
@@ -1248,7 +1371,7 @@
             <a:fld id="{128995A5-4EA1-46DC-8F5B-4368CF269E26}" type="slidenum">
               <a:rPr lang="en-US" altLang="fr-FR" sz="1200"/>
               <a:pPr/>
-              <a:t>29</a:t>
+              <a:t>28</a:t>
             </a:fld>
             <a:endParaRPr lang="en-US" altLang="fr-FR" sz="1200"/>
           </a:p>
@@ -1307,7 +1430,7 @@
 </p:notes>
 </file>
 
-<file path=ppt/notesSlides/notesSlide11.xml><?xml version="1.0" encoding="utf-8"?>
+<file path=ppt/notesSlides/notesSlide12.xml><?xml version="1.0" encoding="utf-8"?>
 <p:notes xmlns:a="http://schemas.openxmlformats.org/drawingml/2006/main" xmlns:r="http://schemas.openxmlformats.org/officeDocument/2006/relationships" xmlns:p="http://schemas.openxmlformats.org/presentationml/2006/main">
   <p:cSld>
     <p:spTree>
@@ -1444,7 +1567,7 @@
             <a:fld id="{E0672C6E-802E-4888-B97E-D5F7E1E72B2C}" type="slidenum">
               <a:rPr lang="en-US" altLang="fr-FR" sz="1200"/>
               <a:pPr/>
-              <a:t>31</a:t>
+              <a:t>30</a:t>
             </a:fld>
             <a:endParaRPr lang="en-US" altLang="fr-FR" sz="1200"/>
           </a:p>
@@ -2458,7 +2581,7 @@
           <a:lstStyle/>
           <a:p>
             <a:pPr eaLnBrk="1" hangingPunct="1"/>
-            <a:endParaRPr lang="en-US" altLang="fr-FR"/>
+            <a:endParaRPr lang="en-US" altLang="fr-FR" dirty="0"/>
           </a:p>
         </p:txBody>
       </p:sp>
@@ -2895,7 +3018,7 @@
       </p:sp>
       <p:sp>
         <p:nvSpPr>
-          <p:cNvPr id="3" name="Espace réservé des commentaires 2"/>
+          <p:cNvPr id="3" name="Espace réservé des notes 2"/>
           <p:cNvSpPr>
             <a:spLocks noGrp="1"/>
           </p:cNvSpPr>
@@ -2919,7 +3042,7 @@
             <a:spLocks noGrp="1"/>
           </p:cNvSpPr>
           <p:nvPr>
-            <p:ph type="ftr" sz="quarter" idx="10"/>
+            <p:ph type="ftr" sz="quarter" idx="4"/>
           </p:nvPr>
         </p:nvSpPr>
         <p:spPr/>
@@ -2944,7 +3067,7 @@
             <a:spLocks noGrp="1"/>
           </p:cNvSpPr>
           <p:nvPr>
-            <p:ph type="sldNum" sz="quarter" idx="11"/>
+            <p:ph type="sldNum" sz="quarter" idx="5"/>
           </p:nvPr>
         </p:nvSpPr>
         <p:spPr/>
@@ -2964,7 +3087,7 @@
               <a:pPr>
                 <a:defRPr/>
               </a:pPr>
-              <a:t>24</a:t>
+              <a:t>23</a:t>
             </a:fld>
             <a:endParaRPr lang="fr-FR"/>
           </a:p>
@@ -2973,7 +3096,7 @@
     </p:spTree>
     <p:extLst>
       <p:ext uri="{BB962C8B-B14F-4D97-AF65-F5344CB8AC3E}">
-        <p14:creationId xmlns:p14="http://schemas.microsoft.com/office/powerpoint/2010/main" val="221260208"/>
+        <p14:creationId xmlns:p14="http://schemas.microsoft.com/office/powerpoint/2010/main" val="2403429447"/>
       </p:ext>
     </p:extLst>
   </p:cSld>
@@ -8248,15 +8371,15 @@
           </a:lstStyle>
           <a:p>
             <a:r>
-              <a:rPr lang="en-US" altLang="fr-FR" sz="1800" b="1">
+              <a:rPr lang="en-US" altLang="fr-FR" sz="1800" b="1" dirty="0">
                 <a:solidFill>
                   <a:srgbClr val="000000"/>
                 </a:solidFill>
                 <a:latin typeface="Lucida Sans Typewriter" pitchFamily="49" charset="0"/>
               </a:rPr>
-              <a:t>Withdraw( )</a:t>
-            </a:r>
-            <a:endParaRPr lang="en-US" altLang="fr-FR" sz="1800" b="1">
+              <a:t>Withdraw( ) </a:t>
+            </a:r>
+            <a:endParaRPr lang="en-US" altLang="fr-FR" sz="1800" b="1" dirty="0">
               <a:latin typeface="Lucida Sans Typewriter" pitchFamily="49" charset="0"/>
             </a:endParaRPr>
           </a:p>
@@ -16022,192 +16145,6 @@
       </p:grpSpPr>
       <p:sp>
         <p:nvSpPr>
-          <p:cNvPr id="2" name="Titre 1">
-            <a:extLst>
-              <a:ext uri="{FF2B5EF4-FFF2-40B4-BE49-F238E27FC236}">
-                <a16:creationId xmlns:a16="http://schemas.microsoft.com/office/drawing/2014/main" id="{CBE27C63-EBFD-4A80-A434-1AE8FD81BAFA}"/>
-              </a:ext>
-            </a:extLst>
-          </p:cNvPr>
-          <p:cNvSpPr>
-            <a:spLocks noGrp="1"/>
-          </p:cNvSpPr>
-          <p:nvPr>
-            <p:ph type="title"/>
-          </p:nvPr>
-        </p:nvSpPr>
-        <p:spPr/>
-        <p:txBody>
-          <a:bodyPr/>
-          <a:lstStyle/>
-          <a:p>
-            <a:r>
-              <a:rPr lang="fr-FR" dirty="0"/>
-              <a:t>Instanciation JSON</a:t>
-            </a:r>
-          </a:p>
-        </p:txBody>
-      </p:sp>
-      <p:sp>
-        <p:nvSpPr>
-          <p:cNvPr id="3" name="Espace réservé du contenu 2">
-            <a:extLst>
-              <a:ext uri="{FF2B5EF4-FFF2-40B4-BE49-F238E27FC236}">
-                <a16:creationId xmlns:a16="http://schemas.microsoft.com/office/drawing/2014/main" id="{AD3FFF62-7B08-4BFC-B42F-91F96651FEB0}"/>
-              </a:ext>
-            </a:extLst>
-          </p:cNvPr>
-          <p:cNvSpPr>
-            <a:spLocks noGrp="1"/>
-          </p:cNvSpPr>
-          <p:nvPr>
-            <p:ph idx="1"/>
-          </p:nvPr>
-        </p:nvSpPr>
-        <p:spPr/>
-        <p:txBody>
-          <a:bodyPr/>
-          <a:lstStyle/>
-          <a:p>
-            <a:r>
-              <a:rPr lang="fr-FR" dirty="0"/>
-              <a:t>Instanciation par dictionnaire d'une data class</a:t>
-            </a:r>
-          </a:p>
-          <a:p>
-            <a:pPr lvl="1"/>
-            <a:r>
-              <a:rPr lang="fr-FR" dirty="0"/>
-              <a:t>dico = {"</a:t>
-            </a:r>
-            <a:r>
-              <a:rPr lang="fr-FR" dirty="0" err="1"/>
-              <a:t>var_a":"A</a:t>
-            </a:r>
-            <a:r>
-              <a:rPr lang="fr-FR" dirty="0"/>
-              <a:t>", "</a:t>
-            </a:r>
-            <a:r>
-              <a:rPr lang="fr-FR" dirty="0" err="1"/>
-              <a:t>var_b":"B</a:t>
-            </a:r>
-            <a:r>
-              <a:rPr lang="fr-FR" dirty="0"/>
-              <a:t>"}</a:t>
-            </a:r>
-          </a:p>
-          <a:p>
-            <a:pPr lvl="1"/>
-            <a:r>
-              <a:rPr lang="fr-FR" dirty="0" err="1"/>
-              <a:t>MyClass</a:t>
-            </a:r>
-            <a:r>
-              <a:rPr lang="fr-FR" dirty="0"/>
-              <a:t>(**dico)</a:t>
-            </a:r>
-          </a:p>
-          <a:p>
-            <a:r>
-              <a:rPr lang="fr-FR" dirty="0"/>
-              <a:t>Redéfinition de __init__()</a:t>
-            </a:r>
-          </a:p>
-          <a:p>
-            <a:pPr lvl="1"/>
-            <a:r>
-              <a:rPr lang="fr-FR" dirty="0"/>
-              <a:t>Il est déconseillé de modifier __init__()</a:t>
-            </a:r>
-          </a:p>
-          <a:p>
-            <a:pPr lvl="1"/>
-            <a:r>
-              <a:rPr lang="fr-FR" dirty="0"/>
-              <a:t>Utiliser __</a:t>
-            </a:r>
-            <a:r>
-              <a:rPr lang="fr-FR" dirty="0" err="1"/>
-              <a:t>post_init</a:t>
-            </a:r>
-            <a:r>
-              <a:rPr lang="fr-FR" dirty="0"/>
-              <a:t>__()</a:t>
-            </a:r>
-          </a:p>
-          <a:p>
-            <a:pPr lvl="1"/>
-            <a:endParaRPr lang="fr-FR" dirty="0"/>
-          </a:p>
-          <a:p>
-            <a:pPr lvl="1"/>
-            <a:endParaRPr lang="fr-FR" dirty="0"/>
-          </a:p>
-        </p:txBody>
-      </p:sp>
-      <p:pic>
-        <p:nvPicPr>
-          <p:cNvPr id="4" name="Image 3">
-            <a:extLst>
-              <a:ext uri="{FF2B5EF4-FFF2-40B4-BE49-F238E27FC236}">
-                <a16:creationId xmlns:a16="http://schemas.microsoft.com/office/drawing/2014/main" id="{E8F920FC-F879-41B8-AA08-5ACC0012A522}"/>
-              </a:ext>
-            </a:extLst>
-          </p:cNvPr>
-          <p:cNvPicPr>
-            <a:picLocks noChangeAspect="1"/>
-          </p:cNvPicPr>
-          <p:nvPr/>
-        </p:nvPicPr>
-        <p:blipFill>
-          <a:blip r:embed="rId2"/>
-          <a:stretch>
-            <a:fillRect/>
-          </a:stretch>
-        </p:blipFill>
-        <p:spPr>
-          <a:xfrm>
-            <a:off x="164493" y="4365104"/>
-            <a:ext cx="8782050" cy="847725"/>
-          </a:xfrm>
-          <a:prstGeom prst="rect">
-            <a:avLst/>
-          </a:prstGeom>
-        </p:spPr>
-      </p:pic>
-    </p:spTree>
-    <p:extLst>
-      <p:ext uri="{BB962C8B-B14F-4D97-AF65-F5344CB8AC3E}">
-        <p14:creationId xmlns:p14="http://schemas.microsoft.com/office/powerpoint/2010/main" val="546203606"/>
-      </p:ext>
-    </p:extLst>
-  </p:cSld>
-  <p:clrMapOvr>
-    <a:masterClrMapping/>
-  </p:clrMapOvr>
-</p:sld>
-</file>
-
-<file path=ppt/slides/slide29.xml><?xml version="1.0" encoding="utf-8"?>
-<p:sld xmlns:a="http://schemas.openxmlformats.org/drawingml/2006/main" xmlns:r="http://schemas.openxmlformats.org/officeDocument/2006/relationships" xmlns:p="http://schemas.openxmlformats.org/presentationml/2006/main">
-  <p:cSld>
-    <p:spTree>
-      <p:nvGrpSpPr>
-        <p:cNvPr id="1" name=""/>
-        <p:cNvGrpSpPr/>
-        <p:nvPr/>
-      </p:nvGrpSpPr>
-      <p:grpSpPr>
-        <a:xfrm>
-          <a:off x="0" y="0"/>
-          <a:ext cx="0" cy="0"/>
-          <a:chOff x="0" y="0"/>
-          <a:chExt cx="0" cy="0"/>
-        </a:xfrm>
-      </p:grpSpPr>
-      <p:sp>
-        <p:nvSpPr>
           <p:cNvPr id="28674" name="Rectangle 21"/>
           <p:cNvSpPr>
             <a:spLocks noChangeArrowheads="1"/>
@@ -18755,6 +18692,123 @@
     <p:extLst>
       <p:ext uri="{BB962C8B-B14F-4D97-AF65-F5344CB8AC3E}">
         <p14:creationId xmlns:p14="http://schemas.microsoft.com/office/powerpoint/2010/main" val="1075243331"/>
+      </p:ext>
+    </p:extLst>
+  </p:cSld>
+  <p:clrMapOvr>
+    <a:masterClrMapping/>
+  </p:clrMapOvr>
+</p:sld>
+</file>
+
+<file path=ppt/slides/slide29.xml><?xml version="1.0" encoding="utf-8"?>
+<p:sld xmlns:a="http://schemas.openxmlformats.org/drawingml/2006/main" xmlns:r="http://schemas.openxmlformats.org/officeDocument/2006/relationships" xmlns:p="http://schemas.openxmlformats.org/presentationml/2006/main">
+  <p:cSld>
+    <p:spTree>
+      <p:nvGrpSpPr>
+        <p:cNvPr id="1" name=""/>
+        <p:cNvGrpSpPr/>
+        <p:nvPr/>
+      </p:nvGrpSpPr>
+      <p:grpSpPr>
+        <a:xfrm>
+          <a:off x="0" y="0"/>
+          <a:ext cx="0" cy="0"/>
+          <a:chOff x="0" y="0"/>
+          <a:chExt cx="0" cy="0"/>
+        </a:xfrm>
+      </p:grpSpPr>
+      <p:sp>
+        <p:nvSpPr>
+          <p:cNvPr id="2" name="Titre 1"/>
+          <p:cNvSpPr>
+            <a:spLocks noGrp="1"/>
+          </p:cNvSpPr>
+          <p:nvPr>
+            <p:ph type="title"/>
+          </p:nvPr>
+        </p:nvSpPr>
+        <p:spPr/>
+        <p:txBody>
+          <a:bodyPr/>
+          <a:lstStyle/>
+          <a:p>
+            <a:r>
+              <a:rPr lang="fr-FR" dirty="0"/>
+              <a:t>Attributs statiques</a:t>
+            </a:r>
+          </a:p>
+        </p:txBody>
+      </p:sp>
+      <p:sp>
+        <p:nvSpPr>
+          <p:cNvPr id="3" name="Espace réservé du contenu 2"/>
+          <p:cNvSpPr>
+            <a:spLocks noGrp="1"/>
+          </p:cNvSpPr>
+          <p:nvPr>
+            <p:ph idx="1"/>
+          </p:nvPr>
+        </p:nvSpPr>
+        <p:spPr/>
+        <p:txBody>
+          <a:bodyPr/>
+          <a:lstStyle/>
+          <a:p>
+            <a:r>
+              <a:rPr lang="fr-FR" dirty="0"/>
+              <a:t>En Python, les attributs statiques sont des variables de la classe</a:t>
+            </a:r>
+          </a:p>
+          <a:p>
+            <a:pPr lvl="1"/>
+            <a:r>
+              <a:rPr lang="fr-FR" dirty="0"/>
+              <a:t>Pas de mot clé </a:t>
+            </a:r>
+            <a:r>
+              <a:rPr lang="fr-FR" dirty="0" err="1"/>
+              <a:t>static</a:t>
+            </a:r>
+            <a:r>
+              <a:rPr lang="fr-FR" dirty="0"/>
+              <a:t> contrairement à C#, C++ et Java</a:t>
+            </a:r>
+          </a:p>
+          <a:p>
+            <a:pPr lvl="1"/>
+            <a:endParaRPr lang="fr-FR" dirty="0"/>
+          </a:p>
+        </p:txBody>
+      </p:sp>
+      <p:pic>
+        <p:nvPicPr>
+          <p:cNvPr id="4" name="Image 3"/>
+          <p:cNvPicPr>
+            <a:picLocks noChangeAspect="1"/>
+          </p:cNvPicPr>
+          <p:nvPr/>
+        </p:nvPicPr>
+        <p:blipFill>
+          <a:blip r:embed="rId2"/>
+          <a:stretch>
+            <a:fillRect/>
+          </a:stretch>
+        </p:blipFill>
+        <p:spPr>
+          <a:xfrm>
+            <a:off x="2378446" y="2837680"/>
+            <a:ext cx="3779665" cy="3039591"/>
+          </a:xfrm>
+          <a:prstGeom prst="rect">
+            <a:avLst/>
+          </a:prstGeom>
+        </p:spPr>
+      </p:pic>
+    </p:spTree>
+    <p:extLst>
+      <p:ext uri="{BB962C8B-B14F-4D97-AF65-F5344CB8AC3E}">
+        <p14:creationId xmlns:p14="http://schemas.microsoft.com/office/powerpoint/2010/main" val="3853657395"/>
       </p:ext>
     </p:extLst>
   </p:cSld>
@@ -19315,123 +19369,6 @@
 </file>
 
 <file path=ppt/slides/slide30.xml><?xml version="1.0" encoding="utf-8"?>
-<p:sld xmlns:a="http://schemas.openxmlformats.org/drawingml/2006/main" xmlns:r="http://schemas.openxmlformats.org/officeDocument/2006/relationships" xmlns:p="http://schemas.openxmlformats.org/presentationml/2006/main">
-  <p:cSld>
-    <p:spTree>
-      <p:nvGrpSpPr>
-        <p:cNvPr id="1" name=""/>
-        <p:cNvGrpSpPr/>
-        <p:nvPr/>
-      </p:nvGrpSpPr>
-      <p:grpSpPr>
-        <a:xfrm>
-          <a:off x="0" y="0"/>
-          <a:ext cx="0" cy="0"/>
-          <a:chOff x="0" y="0"/>
-          <a:chExt cx="0" cy="0"/>
-        </a:xfrm>
-      </p:grpSpPr>
-      <p:sp>
-        <p:nvSpPr>
-          <p:cNvPr id="2" name="Titre 1"/>
-          <p:cNvSpPr>
-            <a:spLocks noGrp="1"/>
-          </p:cNvSpPr>
-          <p:nvPr>
-            <p:ph type="title"/>
-          </p:nvPr>
-        </p:nvSpPr>
-        <p:spPr/>
-        <p:txBody>
-          <a:bodyPr/>
-          <a:lstStyle/>
-          <a:p>
-            <a:r>
-              <a:rPr lang="fr-FR" dirty="0"/>
-              <a:t>Attributs statiques</a:t>
-            </a:r>
-          </a:p>
-        </p:txBody>
-      </p:sp>
-      <p:sp>
-        <p:nvSpPr>
-          <p:cNvPr id="3" name="Espace réservé du contenu 2"/>
-          <p:cNvSpPr>
-            <a:spLocks noGrp="1"/>
-          </p:cNvSpPr>
-          <p:nvPr>
-            <p:ph idx="1"/>
-          </p:nvPr>
-        </p:nvSpPr>
-        <p:spPr/>
-        <p:txBody>
-          <a:bodyPr/>
-          <a:lstStyle/>
-          <a:p>
-            <a:r>
-              <a:rPr lang="fr-FR" dirty="0"/>
-              <a:t>En Python, les attributs statiques sont des variables de la classe</a:t>
-            </a:r>
-          </a:p>
-          <a:p>
-            <a:pPr lvl="1"/>
-            <a:r>
-              <a:rPr lang="fr-FR" dirty="0"/>
-              <a:t>Pas de mot clé </a:t>
-            </a:r>
-            <a:r>
-              <a:rPr lang="fr-FR" dirty="0" err="1"/>
-              <a:t>static</a:t>
-            </a:r>
-            <a:r>
-              <a:rPr lang="fr-FR" dirty="0"/>
-              <a:t> contrairement à C#, C++ et Java</a:t>
-            </a:r>
-          </a:p>
-          <a:p>
-            <a:pPr lvl="1"/>
-            <a:endParaRPr lang="fr-FR" dirty="0"/>
-          </a:p>
-        </p:txBody>
-      </p:sp>
-      <p:pic>
-        <p:nvPicPr>
-          <p:cNvPr id="4" name="Image 3"/>
-          <p:cNvPicPr>
-            <a:picLocks noChangeAspect="1"/>
-          </p:cNvPicPr>
-          <p:nvPr/>
-        </p:nvPicPr>
-        <p:blipFill>
-          <a:blip r:embed="rId2"/>
-          <a:stretch>
-            <a:fillRect/>
-          </a:stretch>
-        </p:blipFill>
-        <p:spPr>
-          <a:xfrm>
-            <a:off x="2378446" y="2837680"/>
-            <a:ext cx="3779665" cy="3039591"/>
-          </a:xfrm>
-          <a:prstGeom prst="rect">
-            <a:avLst/>
-          </a:prstGeom>
-        </p:spPr>
-      </p:pic>
-    </p:spTree>
-    <p:extLst>
-      <p:ext uri="{BB962C8B-B14F-4D97-AF65-F5344CB8AC3E}">
-        <p14:creationId xmlns:p14="http://schemas.microsoft.com/office/powerpoint/2010/main" val="3853657395"/>
-      </p:ext>
-    </p:extLst>
-  </p:cSld>
-  <p:clrMapOvr>
-    <a:masterClrMapping/>
-  </p:clrMapOvr>
-</p:sld>
-</file>
-
-<file path=ppt/slides/slide31.xml><?xml version="1.0" encoding="utf-8"?>
 <p:sld xmlns:a="http://schemas.openxmlformats.org/drawingml/2006/main" xmlns:r="http://schemas.openxmlformats.org/officeDocument/2006/relationships" xmlns:p="http://schemas.openxmlformats.org/presentationml/2006/main">
   <p:cSld>
     <p:spTree>
@@ -22530,6 +22467,139 @@
 </p:sld>
 </file>
 
+<file path=ppt/slides/slide31.xml><?xml version="1.0" encoding="utf-8"?>
+<p:sld xmlns:a="http://schemas.openxmlformats.org/drawingml/2006/main" xmlns:r="http://schemas.openxmlformats.org/officeDocument/2006/relationships" xmlns:p="http://schemas.openxmlformats.org/presentationml/2006/main">
+  <p:cSld>
+    <p:spTree>
+      <p:nvGrpSpPr>
+        <p:cNvPr id="1" name=""/>
+        <p:cNvGrpSpPr/>
+        <p:nvPr/>
+      </p:nvGrpSpPr>
+      <p:grpSpPr>
+        <a:xfrm>
+          <a:off x="0" y="0"/>
+          <a:ext cx="0" cy="0"/>
+          <a:chOff x="0" y="0"/>
+          <a:chExt cx="0" cy="0"/>
+        </a:xfrm>
+      </p:grpSpPr>
+      <p:sp>
+        <p:nvSpPr>
+          <p:cNvPr id="2" name="Titre 1"/>
+          <p:cNvSpPr>
+            <a:spLocks noGrp="1"/>
+          </p:cNvSpPr>
+          <p:nvPr>
+            <p:ph type="title"/>
+          </p:nvPr>
+        </p:nvSpPr>
+        <p:spPr/>
+        <p:txBody>
+          <a:bodyPr/>
+          <a:lstStyle/>
+          <a:p>
+            <a:r>
+              <a:rPr lang="fr-FR" dirty="0"/>
+              <a:t>Méthodes statiques</a:t>
+            </a:r>
+          </a:p>
+        </p:txBody>
+      </p:sp>
+      <p:sp>
+        <p:nvSpPr>
+          <p:cNvPr id="3" name="Espace réservé du contenu 2"/>
+          <p:cNvSpPr>
+            <a:spLocks noGrp="1"/>
+          </p:cNvSpPr>
+          <p:nvPr>
+            <p:ph idx="1"/>
+          </p:nvPr>
+        </p:nvSpPr>
+        <p:spPr/>
+        <p:txBody>
+          <a:bodyPr/>
+          <a:lstStyle/>
+          <a:p>
+            <a:r>
+              <a:rPr lang="fr-FR" dirty="0"/>
+              <a:t>En Python, les méthodes statiques sont des méthodes de la classe sans self</a:t>
+            </a:r>
+          </a:p>
+          <a:p>
+            <a:pPr lvl="1"/>
+            <a:r>
+              <a:rPr lang="fr-FR" dirty="0"/>
+              <a:t>Décoration @</a:t>
+            </a:r>
+            <a:r>
+              <a:rPr lang="fr-FR" dirty="0" err="1"/>
+              <a:t>staticmethod</a:t>
+            </a:r>
+            <a:r>
+              <a:rPr lang="fr-FR" dirty="0"/>
+              <a:t> ou @</a:t>
+            </a:r>
+            <a:r>
+              <a:rPr lang="fr-FR" dirty="0" err="1"/>
+              <a:t>classmethod</a:t>
+            </a:r>
+            <a:endParaRPr lang="fr-FR" dirty="0"/>
+          </a:p>
+          <a:p>
+            <a:pPr lvl="1"/>
+            <a:r>
+              <a:rPr lang="fr-FR" dirty="0"/>
+              <a:t>@</a:t>
+            </a:r>
+            <a:r>
+              <a:rPr lang="fr-FR" dirty="0" err="1"/>
+              <a:t>classmethod</a:t>
+            </a:r>
+            <a:r>
+              <a:rPr lang="fr-FR" dirty="0"/>
+              <a:t> prend comme premier argument la classe</a:t>
+            </a:r>
+          </a:p>
+        </p:txBody>
+      </p:sp>
+      <p:pic>
+        <p:nvPicPr>
+          <p:cNvPr id="4" name="Image 3"/>
+          <p:cNvPicPr>
+            <a:picLocks noChangeAspect="1"/>
+          </p:cNvPicPr>
+          <p:nvPr/>
+        </p:nvPicPr>
+        <p:blipFill>
+          <a:blip r:embed="rId2"/>
+          <a:stretch>
+            <a:fillRect/>
+          </a:stretch>
+        </p:blipFill>
+        <p:spPr>
+          <a:xfrm>
+            <a:off x="2771800" y="3356992"/>
+            <a:ext cx="3257354" cy="3096344"/>
+          </a:xfrm>
+          <a:prstGeom prst="rect">
+            <a:avLst/>
+          </a:prstGeom>
+        </p:spPr>
+      </p:pic>
+    </p:spTree>
+    <p:extLst>
+      <p:ext uri="{BB962C8B-B14F-4D97-AF65-F5344CB8AC3E}">
+        <p14:creationId xmlns:p14="http://schemas.microsoft.com/office/powerpoint/2010/main" val="1800326302"/>
+      </p:ext>
+    </p:extLst>
+  </p:cSld>
+  <p:clrMapOvr>
+    <a:masterClrMapping/>
+  </p:clrMapOvr>
+</p:sld>
+</file>
+
 <file path=ppt/slides/slide32.xml><?xml version="1.0" encoding="utf-8"?>
 <p:sld xmlns:a="http://schemas.openxmlformats.org/drawingml/2006/main" xmlns:r="http://schemas.openxmlformats.org/officeDocument/2006/relationships" xmlns:p="http://schemas.openxmlformats.org/presentationml/2006/main">
   <p:cSld>
@@ -22564,7 +22634,7 @@
           <a:p>
             <a:r>
               <a:rPr lang="fr-FR" dirty="0"/>
-              <a:t>Méthodes statiques</a:t>
+              <a:t>Associations</a:t>
             </a:r>
           </a:p>
         </p:txBody>
@@ -22586,74 +22656,46 @@
           <a:p>
             <a:r>
               <a:rPr lang="fr-FR" dirty="0"/>
-              <a:t>En Python, les méthodes statiques sont des méthodes de la classe sans self</a:t>
+              <a:t>Les classes peuvent être liées par association</a:t>
+            </a:r>
+          </a:p>
+          <a:p>
+            <a:r>
+              <a:rPr lang="fr-FR" dirty="0"/>
+              <a:t>Relation 1</a:t>
             </a:r>
           </a:p>
           <a:p>
             <a:pPr lvl="1"/>
             <a:r>
               <a:rPr lang="fr-FR" dirty="0"/>
-              <a:t>Décoration @</a:t>
-            </a:r>
-            <a:r>
-              <a:rPr lang="fr-FR" dirty="0" err="1"/>
-              <a:t>staticmethod</a:t>
-            </a:r>
+              <a:t>Attribut du type de la classe lié</a:t>
+            </a:r>
+          </a:p>
+          <a:p>
             <a:r>
               <a:rPr lang="fr-FR" dirty="0"/>
-              <a:t> ou @</a:t>
-            </a:r>
-            <a:r>
-              <a:rPr lang="fr-FR" dirty="0" err="1"/>
-              <a:t>classmethod</a:t>
-            </a:r>
-            <a:endParaRPr lang="fr-FR" dirty="0"/>
+              <a:t>Relation *</a:t>
+            </a:r>
           </a:p>
           <a:p>
             <a:pPr lvl="1"/>
             <a:r>
               <a:rPr lang="fr-FR" dirty="0"/>
-              <a:t>@</a:t>
+              <a:t>Attribut du type </a:t>
             </a:r>
             <a:r>
               <a:rPr lang="fr-FR" dirty="0" err="1"/>
-              <a:t>classmethod</a:t>
-            </a:r>
-            <a:r>
-              <a:rPr lang="fr-FR" dirty="0"/>
-              <a:t> prend comme premier argument la classe</a:t>
-            </a:r>
+              <a:t>list</a:t>
+            </a:r>
+            <a:endParaRPr lang="fr-FR" dirty="0"/>
           </a:p>
         </p:txBody>
       </p:sp>
-      <p:pic>
-        <p:nvPicPr>
-          <p:cNvPr id="4" name="Image 3"/>
-          <p:cNvPicPr>
-            <a:picLocks noChangeAspect="1"/>
-          </p:cNvPicPr>
-          <p:nvPr/>
-        </p:nvPicPr>
-        <p:blipFill>
-          <a:blip r:embed="rId2"/>
-          <a:stretch>
-            <a:fillRect/>
-          </a:stretch>
-        </p:blipFill>
-        <p:spPr>
-          <a:xfrm>
-            <a:off x="2771800" y="3356992"/>
-            <a:ext cx="3257354" cy="3096344"/>
-          </a:xfrm>
-          <a:prstGeom prst="rect">
-            <a:avLst/>
-          </a:prstGeom>
-        </p:spPr>
-      </p:pic>
     </p:spTree>
     <p:extLst>
       <p:ext uri="{BB962C8B-B14F-4D97-AF65-F5344CB8AC3E}">
-        <p14:creationId xmlns:p14="http://schemas.microsoft.com/office/powerpoint/2010/main" val="1800326302"/>
+        <p14:creationId xmlns:p14="http://schemas.microsoft.com/office/powerpoint/2010/main" val="62270567"/>
       </p:ext>
     </p:extLst>
   </p:cSld>
@@ -22697,7 +22739,7 @@
           <a:p>
             <a:r>
               <a:rPr lang="fr-FR" dirty="0"/>
-              <a:t>Associations</a:t>
+              <a:t>Annotations des types complexe</a:t>
             </a:r>
           </a:p>
         </p:txBody>
@@ -22719,197 +22761,73 @@
           <a:p>
             <a:r>
               <a:rPr lang="fr-FR" dirty="0"/>
-              <a:t>Les classes peuvent être liées par association</a:t>
+              <a:t>Nouveau en Python 3.6</a:t>
             </a:r>
           </a:p>
           <a:p>
             <a:r>
               <a:rPr lang="fr-FR" dirty="0"/>
-              <a:t>Relation 1</a:t>
+              <a:t>Possibilité de typer les types complexes</a:t>
             </a:r>
           </a:p>
           <a:p>
             <a:pPr lvl="1"/>
             <a:r>
+              <a:rPr lang="fr-FR" dirty="0" err="1"/>
+              <a:t>my_list</a:t>
+            </a:r>
+            <a:r>
               <a:rPr lang="fr-FR" dirty="0"/>
-              <a:t>Attribut du type de la classe lié</a:t>
-            </a:r>
-          </a:p>
-          <a:p>
+              <a:t> : List[</a:t>
+            </a:r>
+            <a:r>
+              <a:rPr lang="fr-FR" dirty="0" err="1"/>
+              <a:t>int</a:t>
+            </a:r>
             <a:r>
               <a:rPr lang="fr-FR" dirty="0"/>
-              <a:t>Relation *</a:t>
+              <a:t>] = []</a:t>
             </a:r>
           </a:p>
           <a:p>
             <a:pPr lvl="1"/>
             <a:r>
+              <a:rPr lang="fr-FR" dirty="0" err="1"/>
+              <a:t>my_dict</a:t>
+            </a:r>
+            <a:r>
               <a:rPr lang="fr-FR" dirty="0"/>
-              <a:t>Attribut du type </a:t>
+              <a:t> = Dict[</a:t>
             </a:r>
             <a:r>
               <a:rPr lang="fr-FR" dirty="0" err="1"/>
-              <a:t>list</a:t>
-            </a:r>
-            <a:endParaRPr lang="fr-FR" dirty="0"/>
-          </a:p>
-        </p:txBody>
-      </p:sp>
-    </p:spTree>
-    <p:extLst>
-      <p:ext uri="{BB962C8B-B14F-4D97-AF65-F5344CB8AC3E}">
-        <p14:creationId xmlns:p14="http://schemas.microsoft.com/office/powerpoint/2010/main" val="62270567"/>
-      </p:ext>
-    </p:extLst>
-  </p:cSld>
-  <p:clrMapOvr>
-    <a:masterClrMapping/>
-  </p:clrMapOvr>
-</p:sld>
-</file>
-
-<file path=ppt/slides/slide34.xml><?xml version="1.0" encoding="utf-8"?>
-<p:sld xmlns:a="http://schemas.openxmlformats.org/drawingml/2006/main" xmlns:r="http://schemas.openxmlformats.org/officeDocument/2006/relationships" xmlns:p="http://schemas.openxmlformats.org/presentationml/2006/main">
-  <p:cSld>
-    <p:spTree>
-      <p:nvGrpSpPr>
-        <p:cNvPr id="1" name=""/>
-        <p:cNvGrpSpPr/>
-        <p:nvPr/>
-      </p:nvGrpSpPr>
-      <p:grpSpPr>
-        <a:xfrm>
-          <a:off x="0" y="0"/>
-          <a:ext cx="0" cy="0"/>
-          <a:chOff x="0" y="0"/>
-          <a:chExt cx="0" cy="0"/>
-        </a:xfrm>
-      </p:grpSpPr>
-      <p:sp>
-        <p:nvSpPr>
-          <p:cNvPr id="2" name="Titre 1"/>
-          <p:cNvSpPr>
-            <a:spLocks noGrp="1"/>
-          </p:cNvSpPr>
-          <p:nvPr>
-            <p:ph type="title"/>
-          </p:nvPr>
-        </p:nvSpPr>
-        <p:spPr/>
-        <p:txBody>
-          <a:bodyPr/>
-          <a:lstStyle/>
-          <a:p>
+              <a:t>str</a:t>
+            </a:r>
             <a:r>
               <a:rPr lang="fr-FR" dirty="0"/>
-              <a:t>Annotations des types complexe</a:t>
-            </a:r>
-          </a:p>
-        </p:txBody>
-      </p:sp>
-      <p:sp>
-        <p:nvSpPr>
-          <p:cNvPr id="3" name="Espace réservé du contenu 2"/>
-          <p:cNvSpPr>
-            <a:spLocks noGrp="1"/>
-          </p:cNvSpPr>
-          <p:nvPr>
-            <p:ph idx="1"/>
-          </p:nvPr>
-        </p:nvSpPr>
-        <p:spPr/>
-        <p:txBody>
-          <a:bodyPr/>
-          <a:lstStyle/>
-          <a:p>
+              <a:t>, </a:t>
+            </a:r>
+            <a:r>
+              <a:rPr lang="fr-FR" dirty="0" err="1"/>
+              <a:t>int</a:t>
+            </a:r>
             <a:r>
               <a:rPr lang="fr-FR" dirty="0"/>
-              <a:t>Nouveau en Python 3.6</a:t>
-            </a:r>
-          </a:p>
-          <a:p>
-            <a:r>
-              <a:rPr lang="fr-FR" dirty="0"/>
-              <a:t>Possibilité de typer les types complexes</a:t>
+              <a:t>] = {}</a:t>
             </a:r>
           </a:p>
           <a:p>
             <a:pPr lvl="1"/>
             <a:r>
-              <a:rPr lang="fr-FR" dirty="0" err="1"/>
-              <a:t>my_list</a:t>
-            </a:r>
-            <a:r>
               <a:rPr lang="fr-FR" dirty="0"/>
-              <a:t> : List[</a:t>
-            </a:r>
-            <a:r>
-              <a:rPr lang="fr-FR" dirty="0" err="1"/>
-              <a:t>int</a:t>
-            </a:r>
-            <a:r>
-              <a:rPr lang="fr-FR" dirty="0"/>
-              <a:t>] = []</a:t>
+              <a:t>Il ne s’agit pas d’un typage fort</a:t>
             </a:r>
           </a:p>
           <a:p>
             <a:pPr lvl="1"/>
             <a:r>
-              <a:rPr lang="fr-FR" dirty="0" err="1"/>
-              <a:t>m</a:t>
-            </a:r>
-            <a:r>
-              <a:rPr lang="fr-FR"/>
-              <a:t>y_dict</a:t>
-            </a:r>
-            <a:r>
-              <a:rPr lang="fr-FR" dirty="0"/>
-              <a:t> = </a:t>
-            </a:r>
-            <a:r>
-              <a:rPr lang="fr-FR" dirty="0" err="1"/>
-              <a:t>Dict</a:t>
-            </a:r>
-            <a:r>
-              <a:rPr lang="fr-FR" dirty="0"/>
-              <a:t>[</a:t>
-            </a:r>
-            <a:r>
-              <a:rPr lang="fr-FR" dirty="0" err="1"/>
-              <a:t>str</a:t>
-            </a:r>
-            <a:r>
-              <a:rPr lang="fr-FR" dirty="0"/>
-              <a:t>, </a:t>
-            </a:r>
-            <a:r>
-              <a:rPr lang="fr-FR" dirty="0" err="1"/>
-              <a:t>int</a:t>
-            </a:r>
-            <a:r>
-              <a:rPr lang="fr-FR" dirty="0"/>
-              <a:t>] = {}</a:t>
-            </a:r>
-          </a:p>
-          <a:p>
-            <a:pPr lvl="1"/>
-            <a:r>
-              <a:rPr lang="fr-FR" dirty="0"/>
-              <a:t>Il ne s’agit pas d’un typage fort</a:t>
-            </a:r>
-          </a:p>
-          <a:p>
-            <a:pPr lvl="1"/>
-            <a:r>
               <a:rPr lang="fr-FR" dirty="0"/>
               <a:t>C’est juste une annotation</a:t>
-            </a:r>
-          </a:p>
-          <a:p>
-            <a:pPr lvl="1"/>
-            <a:r>
-              <a:rPr lang="fr-FR" dirty="0"/>
-              <a:t>Peut pas s’utiliser avec une initialisation</a:t>
             </a:r>
           </a:p>
           <a:p>
